--- a/卒業論文/2015/遠藤一輝/中間発表/中間審査＿ポスター＿遠藤一輝.pptx
+++ b/卒業論文/2015/遠藤一輝/中間発表/中間審査＿ポスター＿遠藤一輝.pptx
@@ -243,7 +243,7 @@
           <a:p>
             <a:fld id="{B4B2CA72-24AD-4332-9D1C-35DD63E783C0}" type="datetimeFigureOut">
               <a:rPr kumimoji="1" lang="ja-JP" altLang="en-US" smtClean="0"/>
-              <a:t>2016/10/7</a:t>
+              <a:t>2016/10/10</a:t>
             </a:fld>
             <a:endParaRPr kumimoji="1" lang="ja-JP" altLang="en-US"/>
           </a:p>
@@ -445,7 +445,7 @@
           <a:p>
             <a:fld id="{B4B2CA72-24AD-4332-9D1C-35DD63E783C0}" type="datetimeFigureOut">
               <a:rPr kumimoji="1" lang="ja-JP" altLang="en-US" smtClean="0"/>
-              <a:t>2016/10/7</a:t>
+              <a:t>2016/10/10</a:t>
             </a:fld>
             <a:endParaRPr kumimoji="1" lang="ja-JP" altLang="en-US"/>
           </a:p>
@@ -657,7 +657,7 @@
           <a:p>
             <a:fld id="{B4B2CA72-24AD-4332-9D1C-35DD63E783C0}" type="datetimeFigureOut">
               <a:rPr kumimoji="1" lang="ja-JP" altLang="en-US" smtClean="0"/>
-              <a:t>2016/10/7</a:t>
+              <a:t>2016/10/10</a:t>
             </a:fld>
             <a:endParaRPr kumimoji="1" lang="ja-JP" altLang="en-US"/>
           </a:p>
@@ -859,7 +859,7 @@
           <a:p>
             <a:fld id="{B4B2CA72-24AD-4332-9D1C-35DD63E783C0}" type="datetimeFigureOut">
               <a:rPr kumimoji="1" lang="ja-JP" altLang="en-US" smtClean="0"/>
-              <a:t>2016/10/7</a:t>
+              <a:t>2016/10/10</a:t>
             </a:fld>
             <a:endParaRPr kumimoji="1" lang="ja-JP" altLang="en-US"/>
           </a:p>
@@ -1105,7 +1105,7 @@
           <a:p>
             <a:fld id="{B4B2CA72-24AD-4332-9D1C-35DD63E783C0}" type="datetimeFigureOut">
               <a:rPr kumimoji="1" lang="ja-JP" altLang="en-US" smtClean="0"/>
-              <a:t>2016/10/7</a:t>
+              <a:t>2016/10/10</a:t>
             </a:fld>
             <a:endParaRPr kumimoji="1" lang="ja-JP" altLang="en-US"/>
           </a:p>
@@ -1401,7 +1401,7 @@
           <a:p>
             <a:fld id="{B4B2CA72-24AD-4332-9D1C-35DD63E783C0}" type="datetimeFigureOut">
               <a:rPr kumimoji="1" lang="ja-JP" altLang="en-US" smtClean="0"/>
-              <a:t>2016/10/7</a:t>
+              <a:t>2016/10/10</a:t>
             </a:fld>
             <a:endParaRPr kumimoji="1" lang="ja-JP" altLang="en-US"/>
           </a:p>
@@ -1832,7 +1832,7 @@
           <a:p>
             <a:fld id="{B4B2CA72-24AD-4332-9D1C-35DD63E783C0}" type="datetimeFigureOut">
               <a:rPr kumimoji="1" lang="ja-JP" altLang="en-US" smtClean="0"/>
-              <a:t>2016/10/7</a:t>
+              <a:t>2016/10/10</a:t>
             </a:fld>
             <a:endParaRPr kumimoji="1" lang="ja-JP" altLang="en-US"/>
           </a:p>
@@ -1950,7 +1950,7 @@
           <a:p>
             <a:fld id="{B4B2CA72-24AD-4332-9D1C-35DD63E783C0}" type="datetimeFigureOut">
               <a:rPr kumimoji="1" lang="ja-JP" altLang="en-US" smtClean="0"/>
-              <a:t>2016/10/7</a:t>
+              <a:t>2016/10/10</a:t>
             </a:fld>
             <a:endParaRPr kumimoji="1" lang="ja-JP" altLang="en-US"/>
           </a:p>
@@ -2045,7 +2045,7 @@
           <a:p>
             <a:fld id="{B4B2CA72-24AD-4332-9D1C-35DD63E783C0}" type="datetimeFigureOut">
               <a:rPr kumimoji="1" lang="ja-JP" altLang="en-US" smtClean="0"/>
-              <a:t>2016/10/7</a:t>
+              <a:t>2016/10/10</a:t>
             </a:fld>
             <a:endParaRPr kumimoji="1" lang="ja-JP" altLang="en-US"/>
           </a:p>
@@ -2354,7 +2354,7 @@
           <a:p>
             <a:fld id="{B4B2CA72-24AD-4332-9D1C-35DD63E783C0}" type="datetimeFigureOut">
               <a:rPr kumimoji="1" lang="ja-JP" altLang="en-US" smtClean="0"/>
-              <a:t>2016/10/7</a:t>
+              <a:t>2016/10/10</a:t>
             </a:fld>
             <a:endParaRPr kumimoji="1" lang="ja-JP" altLang="en-US"/>
           </a:p>
@@ -2607,7 +2607,7 @@
           <a:p>
             <a:fld id="{B4B2CA72-24AD-4332-9D1C-35DD63E783C0}" type="datetimeFigureOut">
               <a:rPr kumimoji="1" lang="ja-JP" altLang="en-US" smtClean="0"/>
-              <a:t>2016/10/7</a:t>
+              <a:t>2016/10/10</a:t>
             </a:fld>
             <a:endParaRPr kumimoji="1" lang="ja-JP" altLang="en-US"/>
           </a:p>
@@ -2852,7 +2852,7 @@
           <a:p>
             <a:fld id="{B4B2CA72-24AD-4332-9D1C-35DD63E783C0}" type="datetimeFigureOut">
               <a:rPr kumimoji="1" lang="ja-JP" altLang="en-US" smtClean="0"/>
-              <a:t>2016/10/7</a:t>
+              <a:t>2016/10/10</a:t>
             </a:fld>
             <a:endParaRPr kumimoji="1" lang="ja-JP" altLang="en-US"/>
           </a:p>
@@ -3257,6 +3257,178 @@
           <a:chExt cx="0" cy="0"/>
         </a:xfrm>
       </p:grpSpPr>
+      <p:sp>
+        <p:nvSpPr>
+          <p:cNvPr id="100" name="正方形/長方形 99"/>
+          <p:cNvSpPr/>
+          <p:nvPr/>
+        </p:nvSpPr>
+        <p:spPr>
+          <a:xfrm>
+            <a:off x="139058" y="8211537"/>
+            <a:ext cx="6388062" cy="1380138"/>
+          </a:xfrm>
+          <a:prstGeom prst="rect">
+            <a:avLst/>
+          </a:prstGeom>
+        </p:spPr>
+        <p:style>
+          <a:lnRef idx="2">
+            <a:schemeClr val="dk1"/>
+          </a:lnRef>
+          <a:fillRef idx="1">
+            <a:schemeClr val="lt1"/>
+          </a:fillRef>
+          <a:effectRef idx="0">
+            <a:schemeClr val="dk1"/>
+          </a:effectRef>
+          <a:fontRef idx="minor">
+            <a:schemeClr val="dk1"/>
+          </a:fontRef>
+        </p:style>
+        <p:txBody>
+          <a:bodyPr rtlCol="0" anchor="ctr"/>
+          <a:lstStyle/>
+          <a:p>
+            <a:pPr algn="ctr"/>
+            <a:endParaRPr kumimoji="1" lang="ja-JP" altLang="en-US"/>
+          </a:p>
+        </p:txBody>
+      </p:sp>
+      <p:sp>
+        <p:nvSpPr>
+          <p:cNvPr id="99" name="正方形/長方形 98"/>
+          <p:cNvSpPr/>
+          <p:nvPr/>
+        </p:nvSpPr>
+        <p:spPr>
+          <a:xfrm>
+            <a:off x="139059" y="7160048"/>
+            <a:ext cx="6388061" cy="554790"/>
+          </a:xfrm>
+          <a:prstGeom prst="rect">
+            <a:avLst/>
+          </a:prstGeom>
+        </p:spPr>
+        <p:style>
+          <a:lnRef idx="2">
+            <a:schemeClr val="dk1"/>
+          </a:lnRef>
+          <a:fillRef idx="1">
+            <a:schemeClr val="lt1"/>
+          </a:fillRef>
+          <a:effectRef idx="0">
+            <a:schemeClr val="dk1"/>
+          </a:effectRef>
+          <a:fontRef idx="minor">
+            <a:schemeClr val="dk1"/>
+          </a:fontRef>
+        </p:style>
+        <p:txBody>
+          <a:bodyPr rtlCol="0" anchor="ctr"/>
+          <a:lstStyle/>
+          <a:p>
+            <a:pPr algn="ctr"/>
+            <a:endParaRPr kumimoji="1" lang="ja-JP" altLang="en-US"/>
+          </a:p>
+        </p:txBody>
+      </p:sp>
+      <p:sp>
+        <p:nvSpPr>
+          <p:cNvPr id="38" name="正方形/長方形 37"/>
+          <p:cNvSpPr/>
+          <p:nvPr/>
+        </p:nvSpPr>
+        <p:spPr>
+          <a:xfrm>
+            <a:off x="139059" y="3453672"/>
+            <a:ext cx="6388061" cy="3204691"/>
+          </a:xfrm>
+          <a:prstGeom prst="rect">
+            <a:avLst/>
+          </a:prstGeom>
+          <a:solidFill>
+            <a:schemeClr val="bg1"/>
+          </a:solidFill>
+          <a:ln>
+            <a:solidFill>
+              <a:schemeClr val="tx1"/>
+            </a:solidFill>
+          </a:ln>
+        </p:spPr>
+        <p:style>
+          <a:lnRef idx="2">
+            <a:schemeClr val="accent1">
+              <a:shade val="50000"/>
+            </a:schemeClr>
+          </a:lnRef>
+          <a:fillRef idx="1">
+            <a:schemeClr val="accent1"/>
+          </a:fillRef>
+          <a:effectRef idx="0">
+            <a:schemeClr val="accent1"/>
+          </a:effectRef>
+          <a:fontRef idx="minor">
+            <a:schemeClr val="lt1"/>
+          </a:fontRef>
+        </p:style>
+        <p:txBody>
+          <a:bodyPr rtlCol="0" anchor="ctr"/>
+          <a:lstStyle/>
+          <a:p>
+            <a:pPr algn="ctr"/>
+            <a:endParaRPr kumimoji="1" lang="ja-JP" altLang="en-US" dirty="0"/>
+          </a:p>
+        </p:txBody>
+      </p:sp>
+      <p:sp>
+        <p:nvSpPr>
+          <p:cNvPr id="36" name="正方形/長方形 35"/>
+          <p:cNvSpPr/>
+          <p:nvPr/>
+        </p:nvSpPr>
+        <p:spPr>
+          <a:xfrm>
+            <a:off x="3263513" y="1710331"/>
+            <a:ext cx="3287599" cy="1200329"/>
+          </a:xfrm>
+          <a:prstGeom prst="rect">
+            <a:avLst/>
+          </a:prstGeom>
+          <a:solidFill>
+            <a:schemeClr val="bg1"/>
+          </a:solidFill>
+          <a:ln>
+            <a:solidFill>
+              <a:schemeClr val="tx1"/>
+            </a:solidFill>
+          </a:ln>
+        </p:spPr>
+        <p:style>
+          <a:lnRef idx="2">
+            <a:schemeClr val="accent1">
+              <a:shade val="50000"/>
+            </a:schemeClr>
+          </a:lnRef>
+          <a:fillRef idx="1">
+            <a:schemeClr val="accent1"/>
+          </a:fillRef>
+          <a:effectRef idx="0">
+            <a:schemeClr val="accent1"/>
+          </a:effectRef>
+          <a:fontRef idx="minor">
+            <a:schemeClr val="lt1"/>
+          </a:fontRef>
+        </p:style>
+        <p:txBody>
+          <a:bodyPr rtlCol="0" anchor="ctr"/>
+          <a:lstStyle/>
+          <a:p>
+            <a:pPr algn="ctr"/>
+            <a:endParaRPr kumimoji="1" lang="ja-JP" altLang="en-US"/>
+          </a:p>
+        </p:txBody>
+      </p:sp>
       <p:cxnSp>
         <p:nvCxnSpPr>
           <p:cNvPr id="62" name="直線矢印コネクタ 61"/>
@@ -3267,9 +3439,9 @@
           <p:nvPr/>
         </p:nvCxnSpPr>
         <p:spPr>
-          <a:xfrm flipH="1">
-            <a:off x="909321" y="5801369"/>
-            <a:ext cx="2509" cy="599581"/>
+          <a:xfrm>
+            <a:off x="3286398" y="5390092"/>
+            <a:ext cx="0" cy="234736"/>
           </a:xfrm>
           <a:prstGeom prst="straightConnector1">
             <a:avLst/>
@@ -3478,13 +3650,18 @@
           <a:p>
             <a:pPr algn="ctr"/>
             <a:r>
-              <a:rPr lang="ja-JP" altLang="en-US" sz="2000" dirty="0">
+              <a:rPr lang="ja-JP" altLang="en-US" sz="2000" dirty="0" smtClean="0">
                 <a:solidFill>
                   <a:schemeClr val="tx1"/>
                 </a:solidFill>
               </a:rPr>
               <a:t>背景</a:t>
             </a:r>
+            <a:endParaRPr lang="ja-JP" altLang="en-US" sz="2000" dirty="0">
+              <a:solidFill>
+                <a:schemeClr val="tx1"/>
+              </a:solidFill>
+            </a:endParaRPr>
           </a:p>
         </p:txBody>
       </p:sp>
@@ -3496,7 +3673,7 @@
         </p:nvSpPr>
         <p:spPr>
           <a:xfrm>
-            <a:off x="127898" y="3903691"/>
+            <a:off x="139059" y="3023517"/>
             <a:ext cx="757627" cy="317320"/>
           </a:xfrm>
           <a:prstGeom prst="flowChartAlternateProcess">
@@ -3569,8 +3746,8 @@
         </p:nvSpPr>
         <p:spPr>
           <a:xfrm>
-            <a:off x="127899" y="2755114"/>
-            <a:ext cx="733285" cy="346022"/>
+            <a:off x="3263513" y="1259750"/>
+            <a:ext cx="745180" cy="346022"/>
           </a:xfrm>
           <a:prstGeom prst="flowChartAlternateProcess">
             <a:avLst/>
@@ -3629,7 +3806,7 @@
         </p:nvSpPr>
         <p:spPr>
           <a:xfrm>
-            <a:off x="127898" y="7166167"/>
+            <a:off x="139059" y="6751805"/>
             <a:ext cx="1537577" cy="319788"/>
           </a:xfrm>
           <a:prstGeom prst="flowChartAlternateProcess">
@@ -3694,7 +3871,7 @@
         </p:nvSpPr>
         <p:spPr>
           <a:xfrm>
-            <a:off x="127898" y="8274162"/>
+            <a:off x="139059" y="7798307"/>
             <a:ext cx="1537577" cy="319788"/>
           </a:xfrm>
           <a:prstGeom prst="flowChartAlternateProcess">
@@ -3759,7 +3936,7 @@
         </p:nvSpPr>
         <p:spPr>
           <a:xfrm>
-            <a:off x="329749" y="8690893"/>
+            <a:off x="227315" y="8296795"/>
             <a:ext cx="2736647" cy="276999"/>
           </a:xfrm>
           <a:prstGeom prst="rect">
@@ -3789,7 +3966,7 @@
         </p:nvSpPr>
         <p:spPr>
           <a:xfrm>
-            <a:off x="329749" y="8970191"/>
+            <a:off x="227315" y="8667236"/>
             <a:ext cx="4756430" cy="830997"/>
           </a:xfrm>
           <a:prstGeom prst="rect">
@@ -3813,19 +3990,11 @@
             </a:r>
             <a:r>
               <a:rPr lang="ja-JP" altLang="en-US" sz="1200" dirty="0" smtClean="0"/>
-              <a:t>ブックマーク</a:t>
+              <a:t>ブックマークの各ジャンルのエントリから</a:t>
             </a:r>
             <a:r>
               <a:rPr lang="ja-JP" altLang="en-US" sz="1200" dirty="0"/>
-              <a:t>の</a:t>
-            </a:r>
-            <a:r>
-              <a:rPr lang="ja-JP" altLang="en-US" sz="1200" dirty="0" smtClean="0"/>
-              <a:t>各ジャンル</a:t>
-            </a:r>
-            <a:r>
-              <a:rPr lang="ja-JP" altLang="en-US" sz="1200" dirty="0"/>
-              <a:t>のエントリからデータ</a:t>
+              <a:t>データ</a:t>
             </a:r>
             <a:r>
               <a:rPr lang="ja-JP" altLang="en-US" sz="1200" dirty="0" smtClean="0"/>
@@ -3906,14 +4075,14 @@
       </p:sp>
       <p:sp>
         <p:nvSpPr>
-          <p:cNvPr id="9" name="テキスト ボックス 8"/>
+          <p:cNvPr id="25" name="テキスト ボックス 24"/>
           <p:cNvSpPr txBox="1"/>
           <p:nvPr/>
         </p:nvSpPr>
         <p:spPr>
           <a:xfrm>
-            <a:off x="332773" y="4202431"/>
-            <a:ext cx="1701181" cy="2742988"/>
+            <a:off x="3263513" y="1715257"/>
+            <a:ext cx="3287599" cy="1015663"/>
           </a:xfrm>
           <a:prstGeom prst="rect">
             <a:avLst/>
@@ -3926,20 +4095,47 @@
           </a:bodyPr>
           <a:lstStyle/>
           <a:p>
-            <a:endParaRPr kumimoji="1" lang="ja-JP" altLang="en-US" sz="1200" dirty="0"/>
-          </a:p>
-        </p:txBody>
-      </p:sp>
-      <p:sp>
-        <p:nvSpPr>
-          <p:cNvPr id="25" name="テキスト ボックス 24"/>
+            <a:r>
+              <a:rPr kumimoji="1" lang="ja-JP" altLang="en-US" sz="1200" dirty="0" smtClean="0"/>
+              <a:t>ソーシャルブックマーキングサービスの登録ユーザの推移を分析し，その増加率</a:t>
+            </a:r>
+            <a:r>
+              <a:rPr kumimoji="1" lang="ja-JP" altLang="en-US" sz="1200" dirty="0" smtClean="0"/>
+              <a:t>に</a:t>
+            </a:r>
+            <a:r>
+              <a:rPr lang="ja-JP" altLang="en-US" sz="1200" dirty="0" smtClean="0"/>
+              <a:t>大きく</a:t>
+            </a:r>
+            <a:r>
+              <a:rPr lang="ja-JP" altLang="en-US" sz="1200" dirty="0" smtClean="0"/>
+              <a:t>貢献している要素を</a:t>
+            </a:r>
+            <a:r>
+              <a:rPr lang="ja-JP" altLang="en-US" sz="1200" dirty="0"/>
+              <a:t>算出する．</a:t>
+            </a:r>
+            <a:endParaRPr kumimoji="1" lang="en-US" altLang="ja-JP" sz="1200" dirty="0" smtClean="0"/>
+          </a:p>
+          <a:p>
+            <a:r>
+              <a:rPr lang="ja-JP" altLang="en-US" sz="1200" dirty="0"/>
+              <a:t>それをもとに効果的なウェブマーケティング方法を考察する．</a:t>
+            </a:r>
+            <a:endParaRPr kumimoji="1" lang="en-US" altLang="ja-JP" sz="1200" dirty="0" smtClean="0"/>
+          </a:p>
+        </p:txBody>
+      </p:sp>
+      <p:sp>
+        <p:nvSpPr>
+          <p:cNvPr id="30" name="テキスト ボックス 29"/>
           <p:cNvSpPr txBox="1"/>
           <p:nvPr/>
         </p:nvSpPr>
         <p:spPr>
           <a:xfrm>
-            <a:off x="332773" y="3165297"/>
-            <a:ext cx="5464958" cy="646331"/>
+            <a:off x="139059" y="7206610"/>
+            <a:ext cx="6412053" cy="461665"/>
           </a:xfrm>
           <a:prstGeom prst="rect">
             <a:avLst/>
@@ -3947,178 +4143,57 @@
           <a:noFill/>
         </p:spPr>
         <p:txBody>
-          <a:bodyPr wrap="none" rtlCol="0">
+          <a:bodyPr wrap="square" rtlCol="0">
             <a:spAutoFit/>
           </a:bodyPr>
           <a:lstStyle/>
           <a:p>
             <a:r>
-              <a:rPr kumimoji="1" lang="ja-JP" altLang="en-US" sz="1200" dirty="0" smtClean="0"/>
-              <a:t>ソーシャルブックマーキングサービスの登録ユーザの推移を分析し，その増加率に</a:t>
-            </a:r>
-            <a:endParaRPr kumimoji="1" lang="en-US" altLang="ja-JP" sz="1200" dirty="0" smtClean="0"/>
-          </a:p>
-          <a:p>
-            <a:r>
               <a:rPr lang="ja-JP" altLang="en-US" sz="1200" dirty="0" smtClean="0"/>
-              <a:t>大きく貢献している要素を</a:t>
+              <a:t>本研究</a:t>
+            </a:r>
+            <a:r>
+              <a:rPr lang="ja-JP" altLang="en-US" sz="1200" dirty="0" smtClean="0"/>
+              <a:t>に使用する</a:t>
+            </a:r>
+            <a:r>
+              <a:rPr lang="ja-JP" altLang="en-US" sz="1200" dirty="0" smtClean="0"/>
+              <a:t>データ</a:t>
             </a:r>
             <a:r>
               <a:rPr lang="ja-JP" altLang="en-US" sz="1200" dirty="0"/>
-              <a:t>算出する．</a:t>
-            </a:r>
-            <a:endParaRPr kumimoji="1" lang="en-US" altLang="ja-JP" sz="1200" dirty="0" smtClean="0"/>
-          </a:p>
-          <a:p>
-            <a:r>
-              <a:rPr lang="ja-JP" altLang="en-US" sz="1200" dirty="0"/>
-              <a:t>それをもとに効果的なウェブマーケティング方法を考察する．</a:t>
-            </a:r>
-            <a:endParaRPr kumimoji="1" lang="en-US" altLang="ja-JP" sz="1200" dirty="0" smtClean="0"/>
-          </a:p>
-        </p:txBody>
-      </p:sp>
-      <p:sp>
-        <p:nvSpPr>
-          <p:cNvPr id="30" name="テキスト ボックス 29"/>
-          <p:cNvSpPr txBox="1"/>
+              <a:t>を収集する</a:t>
+            </a:r>
+            <a:r>
+              <a:rPr lang="ja-JP" altLang="en-US" sz="1200" dirty="0" smtClean="0"/>
+              <a:t>ため</a:t>
+            </a:r>
+            <a:r>
+              <a:rPr lang="ja-JP" altLang="en-US" sz="1200" dirty="0" smtClean="0"/>
+              <a:t>，はてなブックマークの</a:t>
+            </a:r>
+            <a:r>
+              <a:rPr lang="en-US" altLang="ja-JP" sz="1200" dirty="0" smtClean="0"/>
+              <a:t>API</a:t>
+            </a:r>
+            <a:r>
+              <a:rPr lang="ja-JP" altLang="en-US" sz="1200" dirty="0" smtClean="0"/>
+              <a:t>を用い自動で記事を取得するプログラムを制作している．</a:t>
+            </a:r>
+            <a:endParaRPr kumimoji="1" lang="ja-JP" altLang="en-US" sz="1200" dirty="0"/>
+          </a:p>
+        </p:txBody>
+      </p:sp>
+      <p:sp>
+        <p:nvSpPr>
+          <p:cNvPr id="47" name="正方形/長方形 46"/>
+          <p:cNvSpPr/>
           <p:nvPr/>
         </p:nvSpPr>
         <p:spPr>
           <a:xfrm>
-            <a:off x="329749" y="7649226"/>
-            <a:ext cx="6393097" cy="461665"/>
-          </a:xfrm>
-          <a:prstGeom prst="rect">
-            <a:avLst/>
-          </a:prstGeom>
-          <a:noFill/>
-        </p:spPr>
-        <p:txBody>
-          <a:bodyPr wrap="none" rtlCol="0">
-            <a:spAutoFit/>
-          </a:bodyPr>
-          <a:lstStyle/>
-          <a:p>
-            <a:r>
-              <a:rPr lang="ja-JP" altLang="en-US" sz="1200" dirty="0" smtClean="0"/>
-              <a:t>本研究に使用するデータ</a:t>
-            </a:r>
-            <a:r>
-              <a:rPr lang="ja-JP" altLang="en-US" sz="1200" dirty="0"/>
-              <a:t>を収集する</a:t>
-            </a:r>
-            <a:r>
-              <a:rPr lang="ja-JP" altLang="en-US" sz="1200" dirty="0" smtClean="0"/>
-              <a:t>ため，はてな</a:t>
-            </a:r>
-            <a:r>
-              <a:rPr lang="ja-JP" altLang="en-US" sz="1200" dirty="0"/>
-              <a:t>ブックマークの</a:t>
-            </a:r>
-            <a:r>
-              <a:rPr lang="en-US" altLang="ja-JP" sz="1200" dirty="0"/>
-              <a:t>API</a:t>
-            </a:r>
-            <a:r>
-              <a:rPr lang="ja-JP" altLang="en-US" sz="1200" dirty="0"/>
-              <a:t>を</a:t>
-            </a:r>
-            <a:r>
-              <a:rPr lang="ja-JP" altLang="en-US" sz="1200" dirty="0" smtClean="0"/>
-              <a:t>用い自動で記事を</a:t>
-            </a:r>
-            <a:r>
-              <a:rPr lang="ja-JP" altLang="en-US" sz="1200" dirty="0"/>
-              <a:t>取得</a:t>
-            </a:r>
-            <a:r>
-              <a:rPr lang="ja-JP" altLang="en-US" sz="1200" dirty="0" smtClean="0"/>
-              <a:t>する</a:t>
-            </a:r>
-            <a:endParaRPr lang="en-US" altLang="ja-JP" sz="1200" dirty="0" smtClean="0"/>
-          </a:p>
-          <a:p>
-            <a:r>
-              <a:rPr lang="ja-JP" altLang="en-US" sz="1200" dirty="0" smtClean="0"/>
-              <a:t>プログラム</a:t>
-            </a:r>
-            <a:r>
-              <a:rPr lang="ja-JP" altLang="en-US" sz="1200" dirty="0"/>
-              <a:t>を制作している．</a:t>
-            </a:r>
-            <a:endParaRPr kumimoji="1" lang="ja-JP" altLang="en-US" sz="1200" dirty="0"/>
-          </a:p>
-        </p:txBody>
-      </p:sp>
-      <p:sp>
-        <p:nvSpPr>
-          <p:cNvPr id="46" name="円/楕円 45"/>
-          <p:cNvSpPr/>
-          <p:nvPr/>
-        </p:nvSpPr>
-        <p:spPr>
-          <a:xfrm>
-            <a:off x="127898" y="4375249"/>
-            <a:ext cx="1562846" cy="596041"/>
-          </a:xfrm>
-          <a:prstGeom prst="ellipse">
-            <a:avLst/>
-          </a:prstGeom>
-          <a:solidFill>
-            <a:schemeClr val="accent1">
-              <a:lumMod val="60000"/>
-              <a:lumOff val="40000"/>
-            </a:schemeClr>
-          </a:solidFill>
-        </p:spPr>
-        <p:style>
-          <a:lnRef idx="2">
-            <a:schemeClr val="accent1">
-              <a:shade val="50000"/>
-            </a:schemeClr>
-          </a:lnRef>
-          <a:fillRef idx="1">
-            <a:schemeClr val="accent1"/>
-          </a:fillRef>
-          <a:effectRef idx="0">
-            <a:schemeClr val="accent1"/>
-          </a:effectRef>
-          <a:fontRef idx="minor">
-            <a:schemeClr val="lt1"/>
-          </a:fontRef>
-        </p:style>
-        <p:txBody>
-          <a:bodyPr rtlCol="0" anchor="ctr"/>
-          <a:lstStyle/>
-          <a:p>
-            <a:pPr algn="ctr"/>
-            <a:r>
-              <a:rPr lang="ja-JP" altLang="en-US" sz="1400" b="1" dirty="0" smtClean="0"/>
-              <a:t>はてな</a:t>
-            </a:r>
-            <a:endParaRPr lang="en-US" altLang="ja-JP" sz="1400" b="1" dirty="0" smtClean="0"/>
-          </a:p>
-          <a:p>
-            <a:pPr algn="ctr"/>
-            <a:r>
-              <a:rPr lang="ja-JP" altLang="en-US" sz="1400" b="1" dirty="0" smtClean="0"/>
-              <a:t>ブックマーク</a:t>
-            </a:r>
-            <a:endParaRPr kumimoji="1" lang="ja-JP" altLang="en-US" sz="1400" b="1" dirty="0"/>
-          </a:p>
-        </p:txBody>
-      </p:sp>
-      <p:sp>
-        <p:nvSpPr>
-          <p:cNvPr id="54" name="正方形/長方形 53"/>
-          <p:cNvSpPr/>
-          <p:nvPr/>
-        </p:nvSpPr>
-        <p:spPr>
-          <a:xfrm>
-            <a:off x="606056" y="5507934"/>
-            <a:ext cx="788652" cy="386349"/>
+            <a:off x="2787092" y="4719529"/>
+            <a:ext cx="998611" cy="670563"/>
           </a:xfrm>
           <a:prstGeom prst="rect">
             <a:avLst/>
@@ -4151,20 +4226,60 @@
           <a:lstStyle/>
           <a:p>
             <a:pPr algn="ctr"/>
-            <a:endParaRPr kumimoji="1" lang="ja-JP" altLang="en-US" dirty="0"/>
-          </a:p>
-        </p:txBody>
-      </p:sp>
-      <p:sp>
-        <p:nvSpPr>
-          <p:cNvPr id="53" name="正方形/長方形 52"/>
+            <a:r>
+              <a:rPr kumimoji="1" lang="ja-JP" altLang="en-US" b="1" dirty="0" smtClean="0"/>
+              <a:t>記事</a:t>
+            </a:r>
+            <a:endParaRPr kumimoji="1" lang="ja-JP" altLang="en-US" b="1" dirty="0"/>
+          </a:p>
+        </p:txBody>
+      </p:sp>
+      <p:cxnSp>
+        <p:nvCxnSpPr>
+          <p:cNvPr id="56" name="直線矢印コネクタ 55"/>
+          <p:cNvCxnSpPr>
+            <a:stCxn id="52" idx="2"/>
+            <a:endCxn id="47" idx="0"/>
+          </p:cNvCxnSpPr>
+          <p:nvPr/>
+        </p:nvCxnSpPr>
+        <p:spPr>
+          <a:xfrm>
+            <a:off x="3286398" y="4533771"/>
+            <a:ext cx="0" cy="185758"/>
+          </a:xfrm>
+          <a:prstGeom prst="straightConnector1">
+            <a:avLst/>
+          </a:prstGeom>
+          <a:ln>
+            <a:tailEnd type="triangle"/>
+          </a:ln>
+        </p:spPr>
+        <p:style>
+          <a:lnRef idx="1">
+            <a:schemeClr val="accent1"/>
+          </a:lnRef>
+          <a:fillRef idx="0">
+            <a:schemeClr val="accent1"/>
+          </a:fillRef>
+          <a:effectRef idx="0">
+            <a:schemeClr val="accent1"/>
+          </a:effectRef>
+          <a:fontRef idx="minor">
+            <a:schemeClr val="tx1"/>
+          </a:fontRef>
+        </p:style>
+      </p:cxnSp>
+      <p:sp>
+        <p:nvSpPr>
+          <p:cNvPr id="63" name="正方形/長方形 62"/>
           <p:cNvSpPr/>
           <p:nvPr/>
         </p:nvSpPr>
         <p:spPr>
           <a:xfrm>
-            <a:off x="564043" y="5461477"/>
-            <a:ext cx="788652" cy="386349"/>
+            <a:off x="2787092" y="5624828"/>
+            <a:ext cx="998611" cy="781558"/>
           </a:xfrm>
           <a:prstGeom prst="rect">
             <a:avLst/>
@@ -4197,20 +4312,107 @@
           <a:lstStyle/>
           <a:p>
             <a:pPr algn="ctr"/>
-            <a:endParaRPr kumimoji="1" lang="ja-JP" altLang="en-US" dirty="0"/>
-          </a:p>
-        </p:txBody>
-      </p:sp>
-      <p:sp>
-        <p:nvSpPr>
-          <p:cNvPr id="47" name="正方形/長方形 46"/>
+            <a:r>
+              <a:rPr kumimoji="1" lang="ja-JP" altLang="en-US" b="1" dirty="0" smtClean="0"/>
+              <a:t>分析</a:t>
+            </a:r>
+            <a:endParaRPr kumimoji="1" lang="ja-JP" altLang="en-US" b="1" dirty="0"/>
+          </a:p>
+        </p:txBody>
+      </p:sp>
+      <p:sp>
+        <p:nvSpPr>
+          <p:cNvPr id="14" name="テキスト ボックス 13"/>
+          <p:cNvSpPr txBox="1"/>
+          <p:nvPr/>
+        </p:nvSpPr>
+        <p:spPr>
+          <a:xfrm>
+            <a:off x="127898" y="1710331"/>
+            <a:ext cx="2938498" cy="1200329"/>
+          </a:xfrm>
+          <a:prstGeom prst="rect">
+            <a:avLst/>
+          </a:prstGeom>
+          <a:solidFill>
+            <a:schemeClr val="bg1"/>
+          </a:solidFill>
+          <a:ln>
+            <a:solidFill>
+              <a:schemeClr val="tx1"/>
+            </a:solidFill>
+          </a:ln>
+        </p:spPr>
+        <p:txBody>
+          <a:bodyPr wrap="square" rtlCol="0">
+            <a:spAutoFit/>
+          </a:bodyPr>
+          <a:lstStyle/>
+          <a:p>
+            <a:r>
+              <a:rPr lang="ja-JP" altLang="en-US" sz="1200" dirty="0"/>
+              <a:t>私たちの周りには多くの情報が</a:t>
+            </a:r>
+            <a:r>
+              <a:rPr lang="ja-JP" altLang="en-US" sz="1200" dirty="0" smtClean="0"/>
+              <a:t>あふれており，私たちは取捨選択を行うことで自身に必要な情報を</a:t>
+            </a:r>
+            <a:r>
+              <a:rPr kumimoji="1" lang="ja-JP" altLang="en-US" sz="1200" dirty="0" smtClean="0"/>
+              <a:t>得ている．</a:t>
+            </a:r>
+            <a:endParaRPr kumimoji="1" lang="en-US" altLang="ja-JP" sz="1200" dirty="0" smtClean="0"/>
+          </a:p>
+          <a:p>
+            <a:r>
+              <a:rPr kumimoji="1" lang="ja-JP" altLang="en-US" sz="1200" dirty="0" smtClean="0"/>
+              <a:t>そこで，どの</a:t>
+            </a:r>
+            <a:r>
+              <a:rPr kumimoji="1" lang="ja-JP" altLang="en-US" sz="1200" dirty="0" smtClean="0"/>
+              <a:t>よう</a:t>
+            </a:r>
+            <a:r>
+              <a:rPr kumimoji="1" lang="ja-JP" altLang="en-US" sz="1200" dirty="0" smtClean="0"/>
+              <a:t>な要素が</a:t>
+            </a:r>
+            <a:r>
+              <a:rPr kumimoji="1" lang="ja-JP" altLang="en-US" sz="1200" dirty="0" smtClean="0"/>
+              <a:t>情報の取捨選択</a:t>
+            </a:r>
+            <a:r>
+              <a:rPr kumimoji="1" lang="ja-JP" altLang="en-US" sz="1200" dirty="0" smtClean="0"/>
+              <a:t>に大きな</a:t>
+            </a:r>
+            <a:r>
+              <a:rPr kumimoji="1" lang="ja-JP" altLang="en-US" sz="1200" dirty="0" smtClean="0"/>
+              <a:t>影響をもたらしたの</a:t>
+            </a:r>
+            <a:r>
+              <a:rPr kumimoji="1" lang="ja-JP" altLang="en-US" sz="1200" dirty="0" smtClean="0"/>
+              <a:t>か調べ，</a:t>
+            </a:r>
+            <a:endParaRPr kumimoji="1" lang="en-US" altLang="ja-JP" sz="1200" dirty="0" smtClean="0"/>
+          </a:p>
+          <a:p>
+            <a:r>
+              <a:rPr kumimoji="1" lang="ja-JP" altLang="en-US" sz="1200" dirty="0" smtClean="0"/>
+              <a:t>ウェブマーケティングにおける指標を作る．</a:t>
+            </a:r>
+            <a:endParaRPr kumimoji="1" lang="en-US" altLang="ja-JP" sz="1200" dirty="0" smtClean="0"/>
+          </a:p>
+        </p:txBody>
+      </p:sp>
+      <p:sp>
+        <p:nvSpPr>
+          <p:cNvPr id="52" name="正方形/長方形 51"/>
           <p:cNvSpPr/>
           <p:nvPr/>
         </p:nvSpPr>
         <p:spPr>
           <a:xfrm>
-            <a:off x="517504" y="5415020"/>
-            <a:ext cx="788652" cy="386349"/>
+            <a:off x="2787092" y="3836045"/>
+            <a:ext cx="998611" cy="697726"/>
           </a:xfrm>
           <a:prstGeom prst="rect">
             <a:avLst/>
@@ -4244,569 +4446,31 @@
           <a:p>
             <a:pPr algn="ctr"/>
             <a:r>
-              <a:rPr kumimoji="1" lang="ja-JP" altLang="en-US" b="1" dirty="0" smtClean="0"/>
-              <a:t>記事</a:t>
-            </a:r>
-            <a:endParaRPr kumimoji="1" lang="ja-JP" altLang="en-US" b="1" dirty="0"/>
-          </a:p>
-        </p:txBody>
-      </p:sp>
-      <p:cxnSp>
-        <p:nvCxnSpPr>
-          <p:cNvPr id="56" name="直線矢印コネクタ 55"/>
-          <p:cNvCxnSpPr>
-            <a:stCxn id="46" idx="4"/>
-            <a:endCxn id="47" idx="0"/>
-          </p:cNvCxnSpPr>
+              <a:rPr kumimoji="1" lang="ja-JP" altLang="en-US" sz="1200" b="1" dirty="0" smtClean="0"/>
+              <a:t>はてな</a:t>
+            </a:r>
+            <a:endParaRPr kumimoji="1" lang="en-US" altLang="ja-JP" sz="1200" b="1" dirty="0" smtClean="0"/>
+          </a:p>
+          <a:p>
+            <a:pPr algn="ctr"/>
+            <a:r>
+              <a:rPr kumimoji="1" lang="ja-JP" altLang="en-US" sz="1200" b="1" dirty="0" smtClean="0"/>
+              <a:t>ブックマーク</a:t>
+            </a:r>
+            <a:endParaRPr kumimoji="1" lang="ja-JP" altLang="en-US" sz="1200" b="1" dirty="0"/>
+          </a:p>
+        </p:txBody>
+      </p:sp>
+      <p:sp>
+        <p:nvSpPr>
+          <p:cNvPr id="93" name="テキスト ボックス 92"/>
+          <p:cNvSpPr txBox="1"/>
           <p:nvPr/>
-        </p:nvCxnSpPr>
+        </p:nvSpPr>
         <p:spPr>
           <a:xfrm>
-            <a:off x="909321" y="4971290"/>
-            <a:ext cx="2509" cy="443730"/>
-          </a:xfrm>
-          <a:prstGeom prst="straightConnector1">
-            <a:avLst/>
-          </a:prstGeom>
-          <a:ln>
-            <a:tailEnd type="triangle"/>
-          </a:ln>
-        </p:spPr>
-        <p:style>
-          <a:lnRef idx="1">
-            <a:schemeClr val="accent1"/>
-          </a:lnRef>
-          <a:fillRef idx="0">
-            <a:schemeClr val="accent1"/>
-          </a:fillRef>
-          <a:effectRef idx="0">
-            <a:schemeClr val="accent1"/>
-          </a:effectRef>
-          <a:fontRef idx="minor">
-            <a:schemeClr val="tx1"/>
-          </a:fontRef>
-        </p:style>
-      </p:cxnSp>
-      <p:sp>
-        <p:nvSpPr>
-          <p:cNvPr id="63" name="正方形/長方形 62"/>
-          <p:cNvSpPr/>
-          <p:nvPr/>
-        </p:nvSpPr>
-        <p:spPr>
-          <a:xfrm>
-            <a:off x="505187" y="6400950"/>
-            <a:ext cx="808268" cy="373029"/>
-          </a:xfrm>
-          <a:prstGeom prst="rect">
-            <a:avLst/>
-          </a:prstGeom>
-          <a:solidFill>
-            <a:schemeClr val="accent1">
-              <a:lumMod val="60000"/>
-              <a:lumOff val="40000"/>
-            </a:schemeClr>
-          </a:solidFill>
-        </p:spPr>
-        <p:style>
-          <a:lnRef idx="2">
-            <a:schemeClr val="accent1">
-              <a:shade val="50000"/>
-            </a:schemeClr>
-          </a:lnRef>
-          <a:fillRef idx="1">
-            <a:schemeClr val="accent1"/>
-          </a:fillRef>
-          <a:effectRef idx="0">
-            <a:schemeClr val="accent1"/>
-          </a:effectRef>
-          <a:fontRef idx="minor">
-            <a:schemeClr val="lt1"/>
-          </a:fontRef>
-        </p:style>
-        <p:txBody>
-          <a:bodyPr rtlCol="0" anchor="ctr"/>
-          <a:lstStyle/>
-          <a:p>
-            <a:pPr algn="ctr"/>
-            <a:r>
-              <a:rPr kumimoji="1" lang="ja-JP" altLang="en-US" b="1" dirty="0" smtClean="0"/>
-              <a:t>分析</a:t>
-            </a:r>
-            <a:endParaRPr kumimoji="1" lang="ja-JP" altLang="en-US" b="1" dirty="0"/>
-          </a:p>
-        </p:txBody>
-      </p:sp>
-      <p:sp>
-        <p:nvSpPr>
-          <p:cNvPr id="5" name="正方形/長方形 4"/>
-          <p:cNvSpPr/>
-          <p:nvPr/>
-        </p:nvSpPr>
-        <p:spPr>
-          <a:xfrm>
-            <a:off x="2818355" y="5177436"/>
-            <a:ext cx="3219189" cy="899585"/>
-          </a:xfrm>
-          <a:prstGeom prst="rect">
-            <a:avLst/>
-          </a:prstGeom>
-          <a:solidFill>
-            <a:schemeClr val="bg1"/>
-          </a:solidFill>
-          <a:ln>
-            <a:solidFill>
-              <a:schemeClr val="tx1"/>
-            </a:solidFill>
-          </a:ln>
-        </p:spPr>
-        <p:style>
-          <a:lnRef idx="2">
-            <a:schemeClr val="accent1">
-              <a:shade val="50000"/>
-            </a:schemeClr>
-          </a:lnRef>
-          <a:fillRef idx="1">
-            <a:schemeClr val="accent1"/>
-          </a:fillRef>
-          <a:effectRef idx="0">
-            <a:schemeClr val="accent1"/>
-          </a:effectRef>
-          <a:fontRef idx="minor">
-            <a:schemeClr val="lt1"/>
-          </a:fontRef>
-        </p:style>
-        <p:txBody>
-          <a:bodyPr rtlCol="0" anchor="ctr"/>
-          <a:lstStyle/>
-          <a:p>
-            <a:pPr algn="ctr"/>
-            <a:r>
-              <a:rPr kumimoji="1" lang="en-US" altLang="ja-JP" sz="1200" dirty="0" smtClean="0">
-                <a:solidFill>
-                  <a:schemeClr val="tx1"/>
-                </a:solidFill>
-              </a:rPr>
-              <a:t>13</a:t>
-            </a:r>
-            <a:r>
-              <a:rPr kumimoji="1" lang="ja-JP" altLang="en-US" sz="1200" dirty="0" smtClean="0">
-                <a:solidFill>
-                  <a:schemeClr val="tx1"/>
-                </a:solidFill>
-              </a:rPr>
-              <a:t>項目の要素</a:t>
-            </a:r>
-            <a:endParaRPr kumimoji="1" lang="en-US" altLang="ja-JP" sz="1200" dirty="0" smtClean="0">
-              <a:solidFill>
-                <a:schemeClr val="tx1"/>
-              </a:solidFill>
-            </a:endParaRPr>
-          </a:p>
-          <a:p>
-            <a:pPr algn="ctr"/>
-            <a:r>
-              <a:rPr lang="ja-JP" altLang="en-US" sz="1050" dirty="0" smtClean="0">
-                <a:solidFill>
-                  <a:schemeClr val="tx1"/>
-                </a:solidFill>
-              </a:rPr>
-              <a:t>掲載日時</a:t>
-            </a:r>
-            <a:r>
-              <a:rPr lang="en-US" altLang="ja-JP" sz="1050" dirty="0" smtClean="0">
-                <a:solidFill>
-                  <a:schemeClr val="tx1"/>
-                </a:solidFill>
-              </a:rPr>
-              <a:t>,</a:t>
-            </a:r>
-            <a:r>
-              <a:rPr lang="ja-JP" altLang="en-US" sz="1050" dirty="0" smtClean="0">
-                <a:solidFill>
-                  <a:schemeClr val="tx1"/>
-                </a:solidFill>
-              </a:rPr>
-              <a:t>ブックマーク数</a:t>
-            </a:r>
-            <a:r>
-              <a:rPr lang="en-US" altLang="ja-JP" sz="1050" dirty="0">
-                <a:solidFill>
-                  <a:schemeClr val="tx1"/>
-                </a:solidFill>
-              </a:rPr>
-              <a:t>,</a:t>
-            </a:r>
-            <a:r>
-              <a:rPr lang="ja-JP" altLang="en-US" sz="1050" dirty="0" smtClean="0">
-                <a:solidFill>
-                  <a:schemeClr val="tx1"/>
-                </a:solidFill>
-              </a:rPr>
-              <a:t>タイトル</a:t>
-            </a:r>
-            <a:r>
-              <a:rPr lang="en-US" altLang="ja-JP" sz="1050" dirty="0">
-                <a:solidFill>
-                  <a:schemeClr val="tx1"/>
-                </a:solidFill>
-              </a:rPr>
-              <a:t>,</a:t>
-            </a:r>
-            <a:r>
-              <a:rPr lang="ja-JP" altLang="en-US" sz="1050" dirty="0" smtClean="0">
-                <a:solidFill>
-                  <a:schemeClr val="tx1"/>
-                </a:solidFill>
-              </a:rPr>
-              <a:t>ジャンル</a:t>
-            </a:r>
-            <a:r>
-              <a:rPr lang="en-US" altLang="ja-JP" sz="1050" dirty="0">
-                <a:solidFill>
-                  <a:schemeClr val="tx1"/>
-                </a:solidFill>
-              </a:rPr>
-              <a:t>,</a:t>
-            </a:r>
-            <a:r>
-              <a:rPr lang="ja-JP" altLang="en-US" sz="1050" dirty="0" smtClean="0">
-                <a:solidFill>
-                  <a:schemeClr val="tx1"/>
-                </a:solidFill>
-              </a:rPr>
-              <a:t>タグ</a:t>
-            </a:r>
-            <a:r>
-              <a:rPr lang="en-US" altLang="ja-JP" sz="1050" dirty="0">
-                <a:solidFill>
-                  <a:schemeClr val="tx1"/>
-                </a:solidFill>
-              </a:rPr>
-              <a:t>,</a:t>
-            </a:r>
-            <a:r>
-              <a:rPr lang="ja-JP" altLang="en-US" sz="1050" dirty="0" smtClean="0">
-                <a:solidFill>
-                  <a:schemeClr val="tx1"/>
-                </a:solidFill>
-              </a:rPr>
-              <a:t>内容</a:t>
-            </a:r>
-            <a:r>
-              <a:rPr lang="en-US" altLang="ja-JP" sz="1050" dirty="0" smtClean="0">
-                <a:solidFill>
-                  <a:schemeClr val="tx1"/>
-                </a:solidFill>
-              </a:rPr>
-              <a:t>,</a:t>
-            </a:r>
-            <a:r>
-              <a:rPr lang="ja-JP" altLang="en-US" sz="1050" dirty="0" smtClean="0">
-                <a:solidFill>
-                  <a:schemeClr val="tx1"/>
-                </a:solidFill>
-              </a:rPr>
-              <a:t>コメント</a:t>
-            </a:r>
-            <a:r>
-              <a:rPr lang="en-US" altLang="ja-JP" sz="1050" dirty="0" smtClean="0">
-                <a:solidFill>
-                  <a:schemeClr val="tx1"/>
-                </a:solidFill>
-              </a:rPr>
-              <a:t>,</a:t>
-            </a:r>
-            <a:r>
-              <a:rPr lang="ja-JP" altLang="en-US" sz="1050" dirty="0" smtClean="0">
-                <a:solidFill>
-                  <a:schemeClr val="tx1"/>
-                </a:solidFill>
-              </a:rPr>
-              <a:t>記録日時</a:t>
-            </a:r>
-            <a:r>
-              <a:rPr lang="en-US" altLang="ja-JP" sz="1050" dirty="0" smtClean="0">
-                <a:solidFill>
-                  <a:schemeClr val="tx1"/>
-                </a:solidFill>
-              </a:rPr>
-              <a:t>,URL</a:t>
-            </a:r>
-            <a:r>
-              <a:rPr lang="en-US" altLang="ja-JP" sz="1050" dirty="0">
-                <a:solidFill>
-                  <a:schemeClr val="tx1"/>
-                </a:solidFill>
-              </a:rPr>
-              <a:t>,</a:t>
-            </a:r>
-            <a:r>
-              <a:rPr lang="ja-JP" altLang="en-US" sz="1050" dirty="0" smtClean="0">
-                <a:solidFill>
-                  <a:schemeClr val="tx1"/>
-                </a:solidFill>
-              </a:rPr>
-              <a:t>はてなブックマークでの</a:t>
-            </a:r>
-            <a:r>
-              <a:rPr lang="en-US" altLang="ja-JP" sz="1050" dirty="0" smtClean="0">
-                <a:solidFill>
-                  <a:schemeClr val="tx1"/>
-                </a:solidFill>
-              </a:rPr>
-              <a:t>URL</a:t>
-            </a:r>
-            <a:r>
-              <a:rPr lang="en-US" altLang="ja-JP" sz="1050" dirty="0">
-                <a:solidFill>
-                  <a:schemeClr val="tx1"/>
-                </a:solidFill>
-              </a:rPr>
-              <a:t>,</a:t>
-            </a:r>
-            <a:r>
-              <a:rPr lang="ja-JP" altLang="en-US" sz="1050" dirty="0" smtClean="0">
-                <a:solidFill>
-                  <a:schemeClr val="tx1"/>
-                </a:solidFill>
-              </a:rPr>
-              <a:t>タイムスタンプ</a:t>
-            </a:r>
-            <a:r>
-              <a:rPr lang="en-US" altLang="ja-JP" sz="1050" dirty="0" smtClean="0">
-                <a:solidFill>
-                  <a:schemeClr val="tx1"/>
-                </a:solidFill>
-              </a:rPr>
-              <a:t>,</a:t>
-            </a:r>
-            <a:r>
-              <a:rPr lang="ja-JP" altLang="en-US" sz="1050" dirty="0" smtClean="0">
-                <a:solidFill>
-                  <a:schemeClr val="tx1"/>
-                </a:solidFill>
-              </a:rPr>
-              <a:t>記事</a:t>
-            </a:r>
-            <a:r>
-              <a:rPr lang="en-US" altLang="ja-JP" sz="1050" dirty="0" smtClean="0">
-                <a:solidFill>
-                  <a:schemeClr val="tx1"/>
-                </a:solidFill>
-              </a:rPr>
-              <a:t>ID</a:t>
-            </a:r>
-            <a:r>
-              <a:rPr lang="en-US" altLang="ja-JP" sz="1050" dirty="0">
-                <a:solidFill>
-                  <a:schemeClr val="tx1"/>
-                </a:solidFill>
-              </a:rPr>
-              <a:t>,</a:t>
-            </a:r>
-            <a:r>
-              <a:rPr lang="ja-JP" altLang="en-US" sz="1050" dirty="0" smtClean="0">
-                <a:solidFill>
-                  <a:schemeClr val="tx1"/>
-                </a:solidFill>
-              </a:rPr>
-              <a:t>ブックマークユーザー</a:t>
-            </a:r>
-            <a:endParaRPr kumimoji="1" lang="ja-JP" altLang="en-US" sz="1050" dirty="0">
-              <a:solidFill>
-                <a:schemeClr val="tx1"/>
-              </a:solidFill>
-            </a:endParaRPr>
-          </a:p>
-        </p:txBody>
-      </p:sp>
-      <p:sp>
-        <p:nvSpPr>
-          <p:cNvPr id="23" name="正方形/長方形 22"/>
-          <p:cNvSpPr/>
-          <p:nvPr/>
-        </p:nvSpPr>
-        <p:spPr>
-          <a:xfrm>
-            <a:off x="2818355" y="4225161"/>
-            <a:ext cx="3219189" cy="899585"/>
-          </a:xfrm>
-          <a:prstGeom prst="rect">
-            <a:avLst/>
-          </a:prstGeom>
-          <a:solidFill>
-            <a:schemeClr val="bg1"/>
-          </a:solidFill>
-          <a:ln>
-            <a:solidFill>
-              <a:schemeClr val="tx1"/>
-            </a:solidFill>
-          </a:ln>
-        </p:spPr>
-        <p:style>
-          <a:lnRef idx="2">
-            <a:schemeClr val="accent1">
-              <a:shade val="50000"/>
-            </a:schemeClr>
-          </a:lnRef>
-          <a:fillRef idx="1">
-            <a:schemeClr val="accent1"/>
-          </a:fillRef>
-          <a:effectRef idx="0">
-            <a:schemeClr val="accent1"/>
-          </a:effectRef>
-          <a:fontRef idx="minor">
-            <a:schemeClr val="lt1"/>
-          </a:fontRef>
-        </p:style>
-        <p:txBody>
-          <a:bodyPr rtlCol="0" anchor="ctr"/>
-          <a:lstStyle/>
-          <a:p>
-            <a:pPr algn="ctr"/>
-            <a:r>
-              <a:rPr kumimoji="1" lang="ja-JP" altLang="en-US" sz="1050" dirty="0" smtClean="0">
-                <a:solidFill>
-                  <a:schemeClr val="tx1"/>
-                </a:solidFill>
-              </a:rPr>
-              <a:t>はてなブックマークで公開されている</a:t>
-            </a:r>
-            <a:r>
-              <a:rPr kumimoji="1" lang="en-US" altLang="ja-JP" sz="1050" dirty="0" smtClean="0">
-                <a:solidFill>
-                  <a:schemeClr val="tx1"/>
-                </a:solidFill>
-              </a:rPr>
-              <a:t>API</a:t>
-            </a:r>
-            <a:r>
-              <a:rPr kumimoji="1" lang="ja-JP" altLang="en-US" sz="1050" dirty="0" smtClean="0">
-                <a:solidFill>
-                  <a:schemeClr val="tx1"/>
-                </a:solidFill>
-              </a:rPr>
-              <a:t>を利用し，</a:t>
-            </a:r>
-            <a:endParaRPr kumimoji="1" lang="en-US" altLang="ja-JP" sz="1050" dirty="0" smtClean="0">
-              <a:solidFill>
-                <a:schemeClr val="tx1"/>
-              </a:solidFill>
-            </a:endParaRPr>
-          </a:p>
-          <a:p>
-            <a:pPr algn="ctr"/>
-            <a:r>
-              <a:rPr kumimoji="1" lang="ja-JP" altLang="en-US" sz="1050" dirty="0" smtClean="0">
-                <a:solidFill>
-                  <a:schemeClr val="tx1"/>
-                </a:solidFill>
-              </a:rPr>
-              <a:t>人気記事を定期的に記録</a:t>
-            </a:r>
-            <a:r>
-              <a:rPr kumimoji="1" lang="en-US" altLang="ja-JP" sz="1050" dirty="0" smtClean="0">
-                <a:solidFill>
-                  <a:schemeClr val="tx1"/>
-                </a:solidFill>
-              </a:rPr>
-              <a:t>.</a:t>
-            </a:r>
-            <a:endParaRPr kumimoji="1" lang="ja-JP" altLang="en-US" sz="1050" dirty="0">
-              <a:solidFill>
-                <a:schemeClr val="tx1"/>
-              </a:solidFill>
-            </a:endParaRPr>
-          </a:p>
-        </p:txBody>
-      </p:sp>
-      <p:sp>
-        <p:nvSpPr>
-          <p:cNvPr id="24" name="正方形/長方形 23"/>
-          <p:cNvSpPr/>
-          <p:nvPr/>
-        </p:nvSpPr>
-        <p:spPr>
-          <a:xfrm>
-            <a:off x="2818355" y="6135756"/>
-            <a:ext cx="3219189" cy="899585"/>
-          </a:xfrm>
-          <a:prstGeom prst="rect">
-            <a:avLst/>
-          </a:prstGeom>
-          <a:solidFill>
-            <a:schemeClr val="bg1"/>
-          </a:solidFill>
-          <a:ln>
-            <a:solidFill>
-              <a:schemeClr val="tx1"/>
-            </a:solidFill>
-          </a:ln>
-        </p:spPr>
-        <p:style>
-          <a:lnRef idx="2">
-            <a:schemeClr val="accent1">
-              <a:shade val="50000"/>
-            </a:schemeClr>
-          </a:lnRef>
-          <a:fillRef idx="1">
-            <a:schemeClr val="accent1"/>
-          </a:fillRef>
-          <a:effectRef idx="0">
-            <a:schemeClr val="accent1"/>
-          </a:effectRef>
-          <a:fontRef idx="minor">
-            <a:schemeClr val="lt1"/>
-          </a:fontRef>
-        </p:style>
-        <p:txBody>
-          <a:bodyPr rtlCol="0" anchor="ctr"/>
-          <a:lstStyle/>
-          <a:p>
-            <a:pPr algn="ctr"/>
-            <a:r>
-              <a:rPr kumimoji="1" lang="en-US" altLang="ja-JP" sz="1050" dirty="0" smtClean="0">
-                <a:solidFill>
-                  <a:schemeClr val="tx1"/>
-                </a:solidFill>
-              </a:rPr>
-              <a:t>13</a:t>
-            </a:r>
-            <a:r>
-              <a:rPr kumimoji="1" lang="ja-JP" altLang="en-US" sz="1050" dirty="0" smtClean="0">
-                <a:solidFill>
-                  <a:schemeClr val="tx1"/>
-                </a:solidFill>
-              </a:rPr>
-              <a:t>項目の要素をもとに分析し，ウェブマーケティングにおける効果的な手法を考察する</a:t>
-            </a:r>
-            <a:r>
-              <a:rPr kumimoji="1" lang="en-US" altLang="ja-JP" sz="1050" dirty="0" smtClean="0">
-                <a:solidFill>
-                  <a:schemeClr val="tx1"/>
-                </a:solidFill>
-              </a:rPr>
-              <a:t>.</a:t>
-            </a:r>
-            <a:endParaRPr kumimoji="1" lang="ja-JP" altLang="en-US" sz="1050" dirty="0">
-              <a:solidFill>
-                <a:schemeClr val="tx1"/>
-              </a:solidFill>
-            </a:endParaRPr>
-          </a:p>
-        </p:txBody>
-      </p:sp>
-      <p:sp>
-        <p:nvSpPr>
-          <p:cNvPr id="13" name="テキスト ボックス 12"/>
-          <p:cNvSpPr txBox="1"/>
-          <p:nvPr/>
-        </p:nvSpPr>
-        <p:spPr>
-          <a:xfrm>
-            <a:off x="329749" y="1715380"/>
-            <a:ext cx="3169457" cy="276999"/>
+            <a:off x="3785703" y="3826392"/>
+            <a:ext cx="2516679" cy="646331"/>
           </a:xfrm>
           <a:prstGeom prst="rect">
             <a:avLst/>
@@ -4814,26 +4478,34 @@
           <a:noFill/>
         </p:spPr>
         <p:txBody>
-          <a:bodyPr wrap="none" rtlCol="0">
+          <a:bodyPr wrap="square" rtlCol="0">
             <a:spAutoFit/>
           </a:bodyPr>
           <a:lstStyle/>
           <a:p>
             <a:r>
               <a:rPr lang="ja-JP" altLang="en-US" sz="1200" dirty="0"/>
-              <a:t>私</a:t>
+              <a:t>はてなブックマークで公開されている</a:t>
+            </a:r>
+            <a:r>
+              <a:rPr lang="en-US" altLang="ja-JP" sz="1200" dirty="0"/>
+              <a:t>API</a:t>
+            </a:r>
+            <a:r>
+              <a:rPr lang="ja-JP" altLang="en-US" sz="1200" dirty="0"/>
+              <a:t>を利用し，人気記事を定期的</a:t>
             </a:r>
             <a:r>
               <a:rPr lang="ja-JP" altLang="en-US" sz="1200" dirty="0" smtClean="0"/>
-              <a:t>たちの</a:t>
+              <a:t>に</a:t>
             </a:r>
             <a:r>
               <a:rPr lang="ja-JP" altLang="en-US" sz="1200" dirty="0"/>
-              <a:t>周</a:t>
+              <a:t>記録</a:t>
             </a:r>
             <a:r>
               <a:rPr lang="ja-JP" altLang="en-US" sz="1200" dirty="0" smtClean="0"/>
-              <a:t>りには多くの情報があふれている．</a:t>
+              <a:t>する．</a:t>
             </a:r>
             <a:endParaRPr kumimoji="1" lang="ja-JP" altLang="en-US" sz="1200" dirty="0"/>
           </a:p>
@@ -4841,14 +4513,14 @@
       </p:sp>
       <p:sp>
         <p:nvSpPr>
-          <p:cNvPr id="14" name="テキスト ボックス 13"/>
+          <p:cNvPr id="94" name="テキスト ボックス 93"/>
           <p:cNvSpPr txBox="1"/>
           <p:nvPr/>
         </p:nvSpPr>
         <p:spPr>
           <a:xfrm>
-            <a:off x="329749" y="2251733"/>
-            <a:ext cx="2385589" cy="461665"/>
+            <a:off x="3785703" y="4731691"/>
+            <a:ext cx="2779489" cy="646331"/>
           </a:xfrm>
           <a:prstGeom prst="rect">
             <a:avLst/>
@@ -4856,63 +4528,178 @@
           <a:noFill/>
         </p:spPr>
         <p:txBody>
-          <a:bodyPr wrap="none" rtlCol="0">
+          <a:bodyPr wrap="square" rtlCol="0">
             <a:spAutoFit/>
           </a:bodyPr>
           <a:lstStyle/>
           <a:p>
             <a:r>
-              <a:rPr kumimoji="1" lang="ja-JP" altLang="en-US" sz="1200" dirty="0" smtClean="0"/>
-              <a:t>どのような点が情報の取捨選択に</a:t>
-            </a:r>
-            <a:endParaRPr kumimoji="1" lang="en-US" altLang="ja-JP" sz="1200" dirty="0" smtClean="0"/>
-          </a:p>
-          <a:p>
-            <a:r>
-              <a:rPr kumimoji="1" lang="ja-JP" altLang="en-US" sz="1200" dirty="0" smtClean="0"/>
-              <a:t>大きな影響をもたらしたのか．</a:t>
-            </a:r>
-            <a:endParaRPr kumimoji="1" lang="ja-JP" altLang="en-US" sz="1200" dirty="0"/>
-          </a:p>
-        </p:txBody>
-      </p:sp>
-      <p:sp>
-        <p:nvSpPr>
-          <p:cNvPr id="17" name="下矢印 16"/>
-          <p:cNvSpPr/>
+              <a:rPr lang="ja-JP" altLang="en-US" sz="1200" dirty="0" smtClean="0"/>
+              <a:t>記事の７項目</a:t>
+            </a:r>
+            <a:r>
+              <a:rPr lang="ja-JP" altLang="en-US" sz="1200" dirty="0"/>
+              <a:t>の</a:t>
+            </a:r>
+            <a:r>
+              <a:rPr lang="ja-JP" altLang="en-US" sz="1200" dirty="0" smtClean="0"/>
+              <a:t>要素について考察を行う．</a:t>
+            </a:r>
+            <a:endParaRPr lang="en-US" altLang="ja-JP" sz="1200" dirty="0"/>
+          </a:p>
+          <a:p>
+            <a:r>
+              <a:rPr lang="ja-JP" altLang="en-US" sz="1200" dirty="0" smtClean="0"/>
+              <a:t>・掲載日時 ・ブックマーク数 ・タイトル</a:t>
+            </a:r>
+            <a:endParaRPr lang="en-US" altLang="ja-JP" sz="1200" dirty="0" smtClean="0"/>
+          </a:p>
+          <a:p>
+            <a:r>
+              <a:rPr lang="ja-JP" altLang="en-US" sz="1200" dirty="0"/>
+              <a:t>・</a:t>
+            </a:r>
+            <a:r>
+              <a:rPr lang="ja-JP" altLang="en-US" sz="1200" dirty="0" smtClean="0"/>
+              <a:t>ジャンル  ・タグ  ・内容  ・コメント数</a:t>
+            </a:r>
+            <a:endParaRPr lang="ja-JP" altLang="en-US" sz="1200" dirty="0"/>
+          </a:p>
+        </p:txBody>
+      </p:sp>
+      <p:sp>
+        <p:nvSpPr>
+          <p:cNvPr id="95" name="テキスト ボックス 94"/>
+          <p:cNvSpPr txBox="1"/>
           <p:nvPr/>
         </p:nvSpPr>
         <p:spPr>
           <a:xfrm>
-            <a:off x="1098895" y="1993221"/>
-            <a:ext cx="285682" cy="241880"/>
+            <a:off x="3907659" y="5619953"/>
+            <a:ext cx="2497504" cy="830997"/>
           </a:xfrm>
-          <a:prstGeom prst="downArrow">
+          <a:prstGeom prst="rect">
             <a:avLst/>
           </a:prstGeom>
+          <a:noFill/>
         </p:spPr>
-        <p:style>
-          <a:lnRef idx="2">
-            <a:schemeClr val="accent1">
-              <a:shade val="50000"/>
-            </a:schemeClr>
-          </a:lnRef>
-          <a:fillRef idx="1">
-            <a:schemeClr val="accent1"/>
-          </a:fillRef>
-          <a:effectRef idx="0">
-            <a:schemeClr val="accent1"/>
-          </a:effectRef>
-          <a:fontRef idx="minor">
-            <a:schemeClr val="lt1"/>
-          </a:fontRef>
-        </p:style>
-        <p:txBody>
-          <a:bodyPr rtlCol="0" anchor="ctr"/>
-          <a:lstStyle/>
-          <a:p>
-            <a:pPr algn="ctr"/>
-            <a:endParaRPr kumimoji="1" lang="ja-JP" altLang="en-US"/>
+        <p:txBody>
+          <a:bodyPr wrap="square" rtlCol="0">
+            <a:spAutoFit/>
+          </a:bodyPr>
+          <a:lstStyle/>
+          <a:p>
+            <a:r>
+              <a:rPr lang="ja-JP" altLang="en-US" sz="1200" dirty="0"/>
+              <a:t>７</a:t>
+            </a:r>
+            <a:r>
+              <a:rPr lang="ja-JP" altLang="en-US" sz="1200" dirty="0" smtClean="0"/>
+              <a:t>項目</a:t>
+            </a:r>
+            <a:r>
+              <a:rPr lang="ja-JP" altLang="en-US" sz="1200" dirty="0"/>
+              <a:t>の要素</a:t>
+            </a:r>
+            <a:r>
+              <a:rPr lang="ja-JP" altLang="en-US" sz="1200" dirty="0" smtClean="0"/>
+              <a:t>を分析</a:t>
+            </a:r>
+            <a:r>
+              <a:rPr lang="ja-JP" altLang="en-US" sz="1200" dirty="0"/>
+              <a:t>し</a:t>
+            </a:r>
+            <a:r>
+              <a:rPr lang="ja-JP" altLang="en-US" sz="1200" dirty="0" smtClean="0"/>
+              <a:t>，貢献度を算出する．それをもとに，ウェブマーケティングにおいて効果的</a:t>
+            </a:r>
+            <a:r>
+              <a:rPr lang="ja-JP" altLang="en-US" sz="1200" dirty="0"/>
+              <a:t>な</a:t>
+            </a:r>
+            <a:r>
+              <a:rPr lang="ja-JP" altLang="en-US" sz="1200" dirty="0" smtClean="0"/>
+              <a:t>手法を考察</a:t>
+            </a:r>
+            <a:r>
+              <a:rPr lang="ja-JP" altLang="en-US" sz="1200" dirty="0"/>
+              <a:t>する</a:t>
+            </a:r>
+            <a:r>
+              <a:rPr lang="en-US" altLang="ja-JP" sz="1200" dirty="0"/>
+              <a:t>.</a:t>
+            </a:r>
+            <a:endParaRPr lang="ja-JP" altLang="en-US" sz="1200" dirty="0"/>
+          </a:p>
+        </p:txBody>
+      </p:sp>
+      <p:sp>
+        <p:nvSpPr>
+          <p:cNvPr id="98" name="テキスト ボックス 97"/>
+          <p:cNvSpPr txBox="1"/>
+          <p:nvPr/>
+        </p:nvSpPr>
+        <p:spPr>
+          <a:xfrm>
+            <a:off x="138458" y="3794425"/>
+            <a:ext cx="2649235" cy="2816156"/>
+          </a:xfrm>
+          <a:prstGeom prst="rect">
+            <a:avLst/>
+          </a:prstGeom>
+          <a:noFill/>
+        </p:spPr>
+        <p:txBody>
+          <a:bodyPr wrap="square" rtlCol="0">
+            <a:spAutoFit/>
+          </a:bodyPr>
+          <a:lstStyle/>
+          <a:p>
+            <a:r>
+              <a:rPr kumimoji="1" lang="ja-JP" altLang="en-US" sz="1200" dirty="0" smtClean="0"/>
+              <a:t>本研究では，ウェブマーケティングの例として，ソーシャルブックマーキングサービスであるはてなブックマークを用いる．</a:t>
+            </a:r>
+            <a:endParaRPr kumimoji="1" lang="en-US" altLang="ja-JP" sz="1200" dirty="0" smtClean="0"/>
+          </a:p>
+          <a:p>
+            <a:r>
+              <a:rPr kumimoji="1" lang="ja-JP" altLang="en-US" sz="1200" dirty="0" smtClean="0"/>
+              <a:t>ソーシャルブックマーキングサービスとは，インターネット上でユーザーのブック</a:t>
+            </a:r>
+            <a:r>
+              <a:rPr lang="ja-JP" altLang="en-US" sz="1200" dirty="0"/>
+              <a:t>マーク</a:t>
+            </a:r>
+            <a:r>
+              <a:rPr lang="ja-JP" altLang="en-US" sz="1200" dirty="0" smtClean="0"/>
+              <a:t>を管理してくれるサービスである．</a:t>
+            </a:r>
+            <a:endParaRPr lang="en-US" altLang="ja-JP" sz="1200" dirty="0" smtClean="0"/>
+          </a:p>
+          <a:p>
+            <a:r>
+              <a:rPr lang="ja-JP" altLang="en-US" sz="1200" dirty="0" smtClean="0"/>
+              <a:t>ブックマークにタグを</a:t>
+            </a:r>
+            <a:r>
+              <a:rPr lang="ja-JP" altLang="en-US" sz="1200" smtClean="0"/>
+              <a:t>つけたり，他のユーザーと共有</a:t>
+            </a:r>
+            <a:r>
+              <a:rPr lang="ja-JP" altLang="en-US" sz="1200" dirty="0" smtClean="0"/>
+              <a:t>することで関連の</a:t>
+            </a:r>
+            <a:r>
+              <a:rPr lang="ja-JP" altLang="en-US" sz="1200" smtClean="0"/>
+              <a:t>ある記事や関心のある記事，多くブックマークを集めている話題のサイトなどを見つけられる．</a:t>
+            </a:r>
+            <a:endParaRPr kumimoji="1" lang="en-US" altLang="ja-JP" sz="1200" dirty="0" smtClean="0"/>
+          </a:p>
+          <a:p>
+            <a:endParaRPr kumimoji="1" lang="en-US" altLang="ja-JP" sz="1050" dirty="0" smtClean="0"/>
+          </a:p>
+          <a:p>
+            <a:endParaRPr kumimoji="1" lang="ja-JP" altLang="en-US" sz="1050" dirty="0"/>
           </a:p>
         </p:txBody>
       </p:sp>

--- a/卒業論文/2015/遠藤一輝/中間発表/中間審査＿ポスター＿遠藤一輝.pptx
+++ b/卒業論文/2015/遠藤一輝/中間発表/中間審査＿ポスター＿遠藤一輝.pptx
@@ -243,7 +243,7 @@
           <a:p>
             <a:fld id="{B4B2CA72-24AD-4332-9D1C-35DD63E783C0}" type="datetimeFigureOut">
               <a:rPr kumimoji="1" lang="ja-JP" altLang="en-US" smtClean="0"/>
-              <a:t>2016/10/10</a:t>
+              <a:t>2016/10/11</a:t>
             </a:fld>
             <a:endParaRPr kumimoji="1" lang="ja-JP" altLang="en-US"/>
           </a:p>
@@ -445,7 +445,7 @@
           <a:p>
             <a:fld id="{B4B2CA72-24AD-4332-9D1C-35DD63E783C0}" type="datetimeFigureOut">
               <a:rPr kumimoji="1" lang="ja-JP" altLang="en-US" smtClean="0"/>
-              <a:t>2016/10/10</a:t>
+              <a:t>2016/10/11</a:t>
             </a:fld>
             <a:endParaRPr kumimoji="1" lang="ja-JP" altLang="en-US"/>
           </a:p>
@@ -657,7 +657,7 @@
           <a:p>
             <a:fld id="{B4B2CA72-24AD-4332-9D1C-35DD63E783C0}" type="datetimeFigureOut">
               <a:rPr kumimoji="1" lang="ja-JP" altLang="en-US" smtClean="0"/>
-              <a:t>2016/10/10</a:t>
+              <a:t>2016/10/11</a:t>
             </a:fld>
             <a:endParaRPr kumimoji="1" lang="ja-JP" altLang="en-US"/>
           </a:p>
@@ -859,7 +859,7 @@
           <a:p>
             <a:fld id="{B4B2CA72-24AD-4332-9D1C-35DD63E783C0}" type="datetimeFigureOut">
               <a:rPr kumimoji="1" lang="ja-JP" altLang="en-US" smtClean="0"/>
-              <a:t>2016/10/10</a:t>
+              <a:t>2016/10/11</a:t>
             </a:fld>
             <a:endParaRPr kumimoji="1" lang="ja-JP" altLang="en-US"/>
           </a:p>
@@ -1105,7 +1105,7 @@
           <a:p>
             <a:fld id="{B4B2CA72-24AD-4332-9D1C-35DD63E783C0}" type="datetimeFigureOut">
               <a:rPr kumimoji="1" lang="ja-JP" altLang="en-US" smtClean="0"/>
-              <a:t>2016/10/10</a:t>
+              <a:t>2016/10/11</a:t>
             </a:fld>
             <a:endParaRPr kumimoji="1" lang="ja-JP" altLang="en-US"/>
           </a:p>
@@ -1401,7 +1401,7 @@
           <a:p>
             <a:fld id="{B4B2CA72-24AD-4332-9D1C-35DD63E783C0}" type="datetimeFigureOut">
               <a:rPr kumimoji="1" lang="ja-JP" altLang="en-US" smtClean="0"/>
-              <a:t>2016/10/10</a:t>
+              <a:t>2016/10/11</a:t>
             </a:fld>
             <a:endParaRPr kumimoji="1" lang="ja-JP" altLang="en-US"/>
           </a:p>
@@ -1832,7 +1832,7 @@
           <a:p>
             <a:fld id="{B4B2CA72-24AD-4332-9D1C-35DD63E783C0}" type="datetimeFigureOut">
               <a:rPr kumimoji="1" lang="ja-JP" altLang="en-US" smtClean="0"/>
-              <a:t>2016/10/10</a:t>
+              <a:t>2016/10/11</a:t>
             </a:fld>
             <a:endParaRPr kumimoji="1" lang="ja-JP" altLang="en-US"/>
           </a:p>
@@ -1950,7 +1950,7 @@
           <a:p>
             <a:fld id="{B4B2CA72-24AD-4332-9D1C-35DD63E783C0}" type="datetimeFigureOut">
               <a:rPr kumimoji="1" lang="ja-JP" altLang="en-US" smtClean="0"/>
-              <a:t>2016/10/10</a:t>
+              <a:t>2016/10/11</a:t>
             </a:fld>
             <a:endParaRPr kumimoji="1" lang="ja-JP" altLang="en-US"/>
           </a:p>
@@ -2045,7 +2045,7 @@
           <a:p>
             <a:fld id="{B4B2CA72-24AD-4332-9D1C-35DD63E783C0}" type="datetimeFigureOut">
               <a:rPr kumimoji="1" lang="ja-JP" altLang="en-US" smtClean="0"/>
-              <a:t>2016/10/10</a:t>
+              <a:t>2016/10/11</a:t>
             </a:fld>
             <a:endParaRPr kumimoji="1" lang="ja-JP" altLang="en-US"/>
           </a:p>
@@ -2354,7 +2354,7 @@
           <a:p>
             <a:fld id="{B4B2CA72-24AD-4332-9D1C-35DD63E783C0}" type="datetimeFigureOut">
               <a:rPr kumimoji="1" lang="ja-JP" altLang="en-US" smtClean="0"/>
-              <a:t>2016/10/10</a:t>
+              <a:t>2016/10/11</a:t>
             </a:fld>
             <a:endParaRPr kumimoji="1" lang="ja-JP" altLang="en-US"/>
           </a:p>
@@ -2607,7 +2607,7 @@
           <a:p>
             <a:fld id="{B4B2CA72-24AD-4332-9D1C-35DD63E783C0}" type="datetimeFigureOut">
               <a:rPr kumimoji="1" lang="ja-JP" altLang="en-US" smtClean="0"/>
-              <a:t>2016/10/10</a:t>
+              <a:t>2016/10/11</a:t>
             </a:fld>
             <a:endParaRPr kumimoji="1" lang="ja-JP" altLang="en-US"/>
           </a:p>
@@ -2852,7 +2852,7 @@
           <a:p>
             <a:fld id="{B4B2CA72-24AD-4332-9D1C-35DD63E783C0}" type="datetimeFigureOut">
               <a:rPr kumimoji="1" lang="ja-JP" altLang="en-US" smtClean="0"/>
-              <a:t>2016/10/10</a:t>
+              <a:t>2016/10/11</a:t>
             </a:fld>
             <a:endParaRPr kumimoji="1" lang="ja-JP" altLang="en-US"/>
           </a:p>
@@ -3259,14 +3259,14 @@
       </p:grpSpPr>
       <p:sp>
         <p:nvSpPr>
-          <p:cNvPr id="100" name="正方形/長方形 99"/>
+          <p:cNvPr id="9" name="正方形/長方形 8"/>
           <p:cNvSpPr/>
           <p:nvPr/>
         </p:nvSpPr>
         <p:spPr>
           <a:xfrm>
-            <a:off x="139058" y="8211537"/>
-            <a:ext cx="6388062" cy="1380138"/>
+            <a:off x="153138" y="1259267"/>
+            <a:ext cx="6536290" cy="2672889"/>
           </a:xfrm>
           <a:prstGeom prst="rect">
             <a:avLst/>
@@ -3291,20 +3291,20 @@
           <a:lstStyle/>
           <a:p>
             <a:pPr algn="ctr"/>
-            <a:endParaRPr kumimoji="1" lang="ja-JP" altLang="en-US"/>
-          </a:p>
-        </p:txBody>
-      </p:sp>
-      <p:sp>
-        <p:nvSpPr>
-          <p:cNvPr id="99" name="正方形/長方形 98"/>
+            <a:endParaRPr kumimoji="1" lang="ja-JP" altLang="en-US" dirty="0"/>
+          </a:p>
+        </p:txBody>
+      </p:sp>
+      <p:sp>
+        <p:nvSpPr>
+          <p:cNvPr id="100" name="正方形/長方形 99"/>
           <p:cNvSpPr/>
           <p:nvPr/>
         </p:nvSpPr>
         <p:spPr>
           <a:xfrm>
-            <a:off x="139059" y="7160048"/>
-            <a:ext cx="6388061" cy="554790"/>
+            <a:off x="139058" y="8683509"/>
+            <a:ext cx="6562367" cy="1152616"/>
           </a:xfrm>
           <a:prstGeom prst="rect">
             <a:avLst/>
@@ -3335,14 +3335,63 @@
       </p:sp>
       <p:sp>
         <p:nvSpPr>
+          <p:cNvPr id="99" name="正方形/長方形 98"/>
+          <p:cNvSpPr/>
+          <p:nvPr/>
+        </p:nvSpPr>
+        <p:spPr>
+          <a:xfrm>
+            <a:off x="127898" y="7674823"/>
+            <a:ext cx="6573527" cy="554790"/>
+          </a:xfrm>
+          <a:prstGeom prst="rect">
+            <a:avLst/>
+          </a:prstGeom>
+        </p:spPr>
+        <p:style>
+          <a:lnRef idx="2">
+            <a:schemeClr val="dk1"/>
+          </a:lnRef>
+          <a:fillRef idx="1">
+            <a:schemeClr val="lt1"/>
+          </a:fillRef>
+          <a:effectRef idx="0">
+            <a:schemeClr val="dk1"/>
+          </a:effectRef>
+          <a:fontRef idx="minor">
+            <a:schemeClr val="dk1"/>
+          </a:fontRef>
+        </p:style>
+        <p:txBody>
+          <a:bodyPr rtlCol="0" anchor="ctr"/>
+          <a:lstStyle/>
+          <a:p>
+            <a:r>
+              <a:rPr lang="ja-JP" altLang="en-US" sz="1200" dirty="0"/>
+              <a:t>本研究に使用するデータを収集するため，はてなブックマークの</a:t>
+            </a:r>
+            <a:r>
+              <a:rPr lang="en-US" altLang="ja-JP" sz="1200" dirty="0"/>
+              <a:t>API</a:t>
+            </a:r>
+            <a:r>
+              <a:rPr lang="ja-JP" altLang="en-US" sz="1200" dirty="0"/>
+              <a:t>を用い自動で記事を取得するプログラムを制作している．</a:t>
+            </a:r>
+            <a:endParaRPr lang="ja-JP" altLang="en-US" sz="1200" dirty="0"/>
+          </a:p>
+        </p:txBody>
+      </p:sp>
+      <p:sp>
+        <p:nvSpPr>
           <p:cNvPr id="38" name="正方形/長方形 37"/>
           <p:cNvSpPr/>
           <p:nvPr/>
         </p:nvSpPr>
         <p:spPr>
           <a:xfrm>
-            <a:off x="139059" y="3453672"/>
-            <a:ext cx="6388061" cy="3204691"/>
+            <a:off x="2816803" y="4431670"/>
+            <a:ext cx="3872625" cy="2829344"/>
           </a:xfrm>
           <a:prstGeom prst="rect">
             <a:avLst/>
@@ -3389,8 +3438,8 @@
         </p:nvSpPr>
         <p:spPr>
           <a:xfrm>
-            <a:off x="3263513" y="1710331"/>
-            <a:ext cx="3287599" cy="1200329"/>
+            <a:off x="123035" y="6020258"/>
+            <a:ext cx="2571812" cy="1235204"/>
           </a:xfrm>
           <a:prstGeom prst="rect">
             <a:avLst/>
@@ -3424,8 +3473,106 @@
           <a:bodyPr rtlCol="0" anchor="ctr"/>
           <a:lstStyle/>
           <a:p>
-            <a:pPr algn="ctr"/>
-            <a:endParaRPr kumimoji="1" lang="ja-JP" altLang="en-US"/>
+            <a:r>
+              <a:rPr lang="ja-JP" altLang="en-US" sz="1200" dirty="0">
+                <a:solidFill>
+                  <a:schemeClr val="tx1"/>
+                </a:solidFill>
+              </a:rPr>
+              <a:t>ソーシャルブックマーキングサービスの登録ユーザの推移を分析し，その</a:t>
+            </a:r>
+            <a:r>
+              <a:rPr lang="ja-JP" altLang="en-US" sz="1200" dirty="0" smtClean="0">
+                <a:solidFill>
+                  <a:schemeClr val="tx1"/>
+                </a:solidFill>
+              </a:rPr>
+              <a:t>増加率大きく</a:t>
+            </a:r>
+            <a:r>
+              <a:rPr lang="ja-JP" altLang="en-US" sz="1200" dirty="0">
+                <a:solidFill>
+                  <a:schemeClr val="tx1"/>
+                </a:solidFill>
+              </a:rPr>
+              <a:t>貢献している要素を</a:t>
+            </a:r>
+            <a:r>
+              <a:rPr lang="ja-JP" altLang="en-US" sz="1200" dirty="0" smtClean="0">
+                <a:solidFill>
+                  <a:schemeClr val="tx1"/>
+                </a:solidFill>
+              </a:rPr>
+              <a:t>算出</a:t>
+            </a:r>
+            <a:r>
+              <a:rPr lang="ja-JP" altLang="en-US" sz="1200" dirty="0">
+                <a:solidFill>
+                  <a:schemeClr val="tx1"/>
+                </a:solidFill>
+              </a:rPr>
+              <a:t>に</a:t>
+            </a:r>
+            <a:r>
+              <a:rPr lang="ja-JP" altLang="en-US" sz="1200" dirty="0" smtClean="0">
+                <a:solidFill>
+                  <a:schemeClr val="tx1"/>
+                </a:solidFill>
+              </a:rPr>
+              <a:t>する</a:t>
+            </a:r>
+            <a:r>
+              <a:rPr lang="ja-JP" altLang="en-US" sz="1200" dirty="0">
+                <a:solidFill>
+                  <a:schemeClr val="tx1"/>
+                </a:solidFill>
+              </a:rPr>
+              <a:t>．</a:t>
+            </a:r>
+            <a:endParaRPr lang="en-US" altLang="ja-JP" sz="1200" dirty="0">
+              <a:solidFill>
+                <a:schemeClr val="tx1"/>
+              </a:solidFill>
+            </a:endParaRPr>
+          </a:p>
+          <a:p>
+            <a:r>
+              <a:rPr lang="ja-JP" altLang="en-US" sz="1200" dirty="0">
+                <a:solidFill>
+                  <a:schemeClr val="tx1"/>
+                </a:solidFill>
+              </a:rPr>
+              <a:t>それをもとに効果的な</a:t>
+            </a:r>
+            <a:r>
+              <a:rPr lang="ja-JP" altLang="en-US" sz="1200" dirty="0" smtClean="0">
+                <a:solidFill>
+                  <a:schemeClr val="tx1"/>
+                </a:solidFill>
+              </a:rPr>
+              <a:t>ウェブマーケティング</a:t>
+            </a:r>
+            <a:r>
+              <a:rPr lang="ja-JP" altLang="en-US" sz="1200" dirty="0">
+                <a:solidFill>
+                  <a:schemeClr val="tx1"/>
+                </a:solidFill>
+              </a:rPr>
+              <a:t>方法を考察する</a:t>
+            </a:r>
+            <a:r>
+              <a:rPr lang="ja-JP" altLang="en-US" sz="1200" dirty="0" smtClean="0">
+                <a:solidFill>
+                  <a:schemeClr val="tx1"/>
+                </a:solidFill>
+              </a:rPr>
+              <a:t>．</a:t>
+            </a:r>
+            <a:endParaRPr lang="en-US" altLang="ja-JP" sz="1200" dirty="0">
+              <a:solidFill>
+                <a:schemeClr val="tx1"/>
+              </a:solidFill>
+            </a:endParaRPr>
           </a:p>
         </p:txBody>
       </p:sp>
@@ -3440,7 +3587,7 @@
         </p:nvCxnSpPr>
         <p:spPr>
           <a:xfrm>
-            <a:off x="3286398" y="5390092"/>
+            <a:off x="3422631" y="6069021"/>
             <a:ext cx="0" cy="234736"/>
           </a:xfrm>
           <a:prstGeom prst="straightConnector1">
@@ -3608,7 +3755,7 @@
         </p:nvSpPr>
         <p:spPr>
           <a:xfrm>
-            <a:off x="127899" y="1259268"/>
+            <a:off x="123036" y="4009650"/>
             <a:ext cx="745179" cy="341868"/>
           </a:xfrm>
           <a:prstGeom prst="flowChartAlternateProcess">
@@ -3673,7 +3820,7 @@
         </p:nvSpPr>
         <p:spPr>
           <a:xfrm>
-            <a:off x="139059" y="3023517"/>
+            <a:off x="2816803" y="4045550"/>
             <a:ext cx="757627" cy="317320"/>
           </a:xfrm>
           <a:prstGeom prst="flowChartAlternateProcess">
@@ -3746,7 +3893,7 @@
         </p:nvSpPr>
         <p:spPr>
           <a:xfrm>
-            <a:off x="3263513" y="1259750"/>
+            <a:off x="123035" y="5566609"/>
             <a:ext cx="745180" cy="346022"/>
           </a:xfrm>
           <a:prstGeom prst="flowChartAlternateProcess">
@@ -3806,7 +3953,7 @@
         </p:nvSpPr>
         <p:spPr>
           <a:xfrm>
-            <a:off x="139059" y="6751805"/>
+            <a:off x="123035" y="7312013"/>
             <a:ext cx="1537577" cy="319788"/>
           </a:xfrm>
           <a:prstGeom prst="flowChartAlternateProcess">
@@ -3871,7 +4018,7 @@
         </p:nvSpPr>
         <p:spPr>
           <a:xfrm>
-            <a:off x="139059" y="7798307"/>
+            <a:off x="153138" y="8295878"/>
             <a:ext cx="1537577" cy="319788"/>
           </a:xfrm>
           <a:prstGeom prst="flowChartAlternateProcess">
@@ -3936,7 +4083,7 @@
         </p:nvSpPr>
         <p:spPr>
           <a:xfrm>
-            <a:off x="227315" y="8296795"/>
+            <a:off x="228823" y="8696369"/>
             <a:ext cx="2736647" cy="276999"/>
           </a:xfrm>
           <a:prstGeom prst="rect">
@@ -3966,7 +4113,7 @@
         </p:nvSpPr>
         <p:spPr>
           <a:xfrm>
-            <a:off x="227315" y="8667236"/>
+            <a:off x="228823" y="8961962"/>
             <a:ext cx="4756430" cy="830997"/>
           </a:xfrm>
           <a:prstGeom prst="rect">
@@ -4075,124 +4222,13 @@
       </p:sp>
       <p:sp>
         <p:nvSpPr>
-          <p:cNvPr id="25" name="テキスト ボックス 24"/>
-          <p:cNvSpPr txBox="1"/>
-          <p:nvPr/>
-        </p:nvSpPr>
-        <p:spPr>
-          <a:xfrm>
-            <a:off x="3263513" y="1715257"/>
-            <a:ext cx="3287599" cy="1015663"/>
-          </a:xfrm>
-          <a:prstGeom prst="rect">
-            <a:avLst/>
-          </a:prstGeom>
-          <a:noFill/>
-        </p:spPr>
-        <p:txBody>
-          <a:bodyPr wrap="square" rtlCol="0">
-            <a:spAutoFit/>
-          </a:bodyPr>
-          <a:lstStyle/>
-          <a:p>
-            <a:r>
-              <a:rPr kumimoji="1" lang="ja-JP" altLang="en-US" sz="1200" dirty="0" smtClean="0"/>
-              <a:t>ソーシャルブックマーキングサービスの登録ユーザの推移を分析し，その増加率</a:t>
-            </a:r>
-            <a:r>
-              <a:rPr kumimoji="1" lang="ja-JP" altLang="en-US" sz="1200" dirty="0" smtClean="0"/>
-              <a:t>に</a:t>
-            </a:r>
-            <a:r>
-              <a:rPr lang="ja-JP" altLang="en-US" sz="1200" dirty="0" smtClean="0"/>
-              <a:t>大きく</a:t>
-            </a:r>
-            <a:r>
-              <a:rPr lang="ja-JP" altLang="en-US" sz="1200" dirty="0" smtClean="0"/>
-              <a:t>貢献している要素を</a:t>
-            </a:r>
-            <a:r>
-              <a:rPr lang="ja-JP" altLang="en-US" sz="1200" dirty="0"/>
-              <a:t>算出する．</a:t>
-            </a:r>
-            <a:endParaRPr kumimoji="1" lang="en-US" altLang="ja-JP" sz="1200" dirty="0" smtClean="0"/>
-          </a:p>
-          <a:p>
-            <a:r>
-              <a:rPr lang="ja-JP" altLang="en-US" sz="1200" dirty="0"/>
-              <a:t>それをもとに効果的なウェブマーケティング方法を考察する．</a:t>
-            </a:r>
-            <a:endParaRPr kumimoji="1" lang="en-US" altLang="ja-JP" sz="1200" dirty="0" smtClean="0"/>
-          </a:p>
-        </p:txBody>
-      </p:sp>
-      <p:sp>
-        <p:nvSpPr>
-          <p:cNvPr id="30" name="テキスト ボックス 29"/>
-          <p:cNvSpPr txBox="1"/>
-          <p:nvPr/>
-        </p:nvSpPr>
-        <p:spPr>
-          <a:xfrm>
-            <a:off x="139059" y="7206610"/>
-            <a:ext cx="6412053" cy="461665"/>
-          </a:xfrm>
-          <a:prstGeom prst="rect">
-            <a:avLst/>
-          </a:prstGeom>
-          <a:noFill/>
-        </p:spPr>
-        <p:txBody>
-          <a:bodyPr wrap="square" rtlCol="0">
-            <a:spAutoFit/>
-          </a:bodyPr>
-          <a:lstStyle/>
-          <a:p>
-            <a:r>
-              <a:rPr lang="ja-JP" altLang="en-US" sz="1200" dirty="0" smtClean="0"/>
-              <a:t>本研究</a:t>
-            </a:r>
-            <a:r>
-              <a:rPr lang="ja-JP" altLang="en-US" sz="1200" dirty="0" smtClean="0"/>
-              <a:t>に使用する</a:t>
-            </a:r>
-            <a:r>
-              <a:rPr lang="ja-JP" altLang="en-US" sz="1200" dirty="0" smtClean="0"/>
-              <a:t>データ</a:t>
-            </a:r>
-            <a:r>
-              <a:rPr lang="ja-JP" altLang="en-US" sz="1200" dirty="0"/>
-              <a:t>を収集する</a:t>
-            </a:r>
-            <a:r>
-              <a:rPr lang="ja-JP" altLang="en-US" sz="1200" dirty="0" smtClean="0"/>
-              <a:t>ため</a:t>
-            </a:r>
-            <a:r>
-              <a:rPr lang="ja-JP" altLang="en-US" sz="1200" dirty="0" smtClean="0"/>
-              <a:t>，はてなブックマークの</a:t>
-            </a:r>
-            <a:r>
-              <a:rPr lang="en-US" altLang="ja-JP" sz="1200" dirty="0" smtClean="0"/>
-              <a:t>API</a:t>
-            </a:r>
-            <a:r>
-              <a:rPr lang="ja-JP" altLang="en-US" sz="1200" dirty="0" smtClean="0"/>
-              <a:t>を用い自動で記事を取得するプログラムを制作している．</a:t>
-            </a:r>
-            <a:endParaRPr kumimoji="1" lang="ja-JP" altLang="en-US" sz="1200" dirty="0"/>
-          </a:p>
-        </p:txBody>
-      </p:sp>
-      <p:sp>
-        <p:nvSpPr>
           <p:cNvPr id="47" name="正方形/長方形 46"/>
           <p:cNvSpPr/>
           <p:nvPr/>
         </p:nvSpPr>
         <p:spPr>
           <a:xfrm>
-            <a:off x="2787092" y="4719529"/>
+            <a:off x="2923325" y="5398458"/>
             <a:ext cx="998611" cy="670563"/>
           </a:xfrm>
           <a:prstGeom prst="rect">
@@ -4245,7 +4281,7 @@
         </p:nvCxnSpPr>
         <p:spPr>
           <a:xfrm>
-            <a:off x="3286398" y="4533771"/>
+            <a:off x="3422631" y="5212700"/>
             <a:ext cx="0" cy="185758"/>
           </a:xfrm>
           <a:prstGeom prst="straightConnector1">
@@ -4278,7 +4314,7 @@
         </p:nvSpPr>
         <p:spPr>
           <a:xfrm>
-            <a:off x="2787092" y="5624828"/>
+            <a:off x="2923325" y="6303757"/>
             <a:ext cx="998611" cy="781558"/>
           </a:xfrm>
           <a:prstGeom prst="rect">
@@ -4328,8 +4364,8 @@
         </p:nvSpPr>
         <p:spPr>
           <a:xfrm>
-            <a:off x="127898" y="1710331"/>
-            <a:ext cx="2938498" cy="1200329"/>
+            <a:off x="139058" y="4429011"/>
+            <a:ext cx="2571812" cy="1015663"/>
           </a:xfrm>
           <a:prstGeom prst="rect">
             <a:avLst/>
@@ -4355,7 +4391,19 @@
             </a:r>
             <a:r>
               <a:rPr lang="ja-JP" altLang="en-US" sz="1200" dirty="0" smtClean="0"/>
-              <a:t>あふれており，私たちは取捨選択を行うことで自身に必要な情報を</a:t>
+              <a:t>あふれて</a:t>
+            </a:r>
+            <a:r>
+              <a:rPr lang="ja-JP" altLang="en-US" sz="1200" dirty="0" smtClean="0"/>
+              <a:t>いる．</a:t>
+            </a:r>
+            <a:r>
+              <a:rPr lang="ja-JP" altLang="en-US" sz="1200" dirty="0" smtClean="0"/>
+              <a:t>私たち</a:t>
+            </a:r>
+            <a:r>
+              <a:rPr lang="ja-JP" altLang="en-US" sz="1200" dirty="0" smtClean="0"/>
+              <a:t>は取捨選択を行うことで自身に必要な情報を</a:t>
             </a:r>
             <a:r>
               <a:rPr kumimoji="1" lang="ja-JP" altLang="en-US" sz="1200" dirty="0" smtClean="0"/>
@@ -4366,38 +4414,27 @@
           <a:p>
             <a:r>
               <a:rPr kumimoji="1" lang="ja-JP" altLang="en-US" sz="1200" dirty="0" smtClean="0"/>
-              <a:t>そこで，どの</a:t>
+              <a:t>では，情報</a:t>
             </a:r>
             <a:r>
               <a:rPr kumimoji="1" lang="ja-JP" altLang="en-US" sz="1200" dirty="0" smtClean="0"/>
-              <a:t>よう</a:t>
+              <a:t>の取捨選択</a:t>
             </a:r>
             <a:r>
               <a:rPr kumimoji="1" lang="ja-JP" altLang="en-US" sz="1200" dirty="0" smtClean="0"/>
-              <a:t>な要素が</a:t>
+              <a:t>にはどのような点が大きな</a:t>
             </a:r>
             <a:r>
               <a:rPr kumimoji="1" lang="ja-JP" altLang="en-US" sz="1200" dirty="0" smtClean="0"/>
-              <a:t>情報の取捨選択</a:t>
+              <a:t>影響をもたらした</a:t>
             </a:r>
             <a:r>
               <a:rPr kumimoji="1" lang="ja-JP" altLang="en-US" sz="1200" dirty="0" smtClean="0"/>
-              <a:t>に大きな</a:t>
-            </a:r>
-            <a:r>
-              <a:rPr kumimoji="1" lang="ja-JP" altLang="en-US" sz="1200" dirty="0" smtClean="0"/>
-              <a:t>影響をもたらしたの</a:t>
-            </a:r>
-            <a:r>
-              <a:rPr kumimoji="1" lang="ja-JP" altLang="en-US" sz="1200" dirty="0" smtClean="0"/>
-              <a:t>か調べ，</a:t>
-            </a:r>
-            <a:endParaRPr kumimoji="1" lang="en-US" altLang="ja-JP" sz="1200" dirty="0" smtClean="0"/>
-          </a:p>
-          <a:p>
-            <a:r>
-              <a:rPr kumimoji="1" lang="ja-JP" altLang="en-US" sz="1200" dirty="0" smtClean="0"/>
-              <a:t>ウェブマーケティングにおける指標を作る．</a:t>
+              <a:t>の</a:t>
+            </a:r>
+            <a:r>
+              <a:rPr lang="ja-JP" altLang="en-US" sz="1200" dirty="0" smtClean="0"/>
+              <a:t>か．</a:t>
             </a:r>
             <a:endParaRPr kumimoji="1" lang="en-US" altLang="ja-JP" sz="1200" dirty="0" smtClean="0"/>
           </a:p>
@@ -4411,7 +4448,7 @@
         </p:nvSpPr>
         <p:spPr>
           <a:xfrm>
-            <a:off x="2787092" y="3836045"/>
+            <a:off x="2923325" y="4514974"/>
             <a:ext cx="998611" cy="697726"/>
           </a:xfrm>
           <a:prstGeom prst="rect">
@@ -4469,7 +4506,7 @@
         </p:nvSpPr>
         <p:spPr>
           <a:xfrm>
-            <a:off x="3785703" y="3826392"/>
+            <a:off x="3921936" y="4505321"/>
             <a:ext cx="2516679" cy="646331"/>
           </a:xfrm>
           <a:prstGeom prst="rect">
@@ -4519,7 +4556,7 @@
         </p:nvSpPr>
         <p:spPr>
           <a:xfrm>
-            <a:off x="3785703" y="4731691"/>
+            <a:off x="3921936" y="5410620"/>
             <a:ext cx="2779489" cy="646331"/>
           </a:xfrm>
           <a:prstGeom prst="rect">
@@ -4575,7 +4612,7 @@
         </p:nvSpPr>
         <p:spPr>
           <a:xfrm>
-            <a:off x="3907659" y="5619953"/>
+            <a:off x="4043892" y="6298882"/>
             <a:ext cx="2497504" cy="830997"/>
           </a:xfrm>
           <a:prstGeom prst="rect">
@@ -4641,8 +4678,8 @@
         </p:nvSpPr>
         <p:spPr>
           <a:xfrm>
-            <a:off x="138458" y="3794425"/>
-            <a:ext cx="2649235" cy="2816156"/>
+            <a:off x="-2353770" y="2799599"/>
+            <a:ext cx="2649235" cy="415498"/>
           </a:xfrm>
           <a:prstGeom prst="rect">
             <a:avLst/>
@@ -4655,51 +4692,882 @@
           </a:bodyPr>
           <a:lstStyle/>
           <a:p>
+            <a:endParaRPr kumimoji="1" lang="en-US" altLang="ja-JP" sz="1050" dirty="0" smtClean="0"/>
+          </a:p>
+          <a:p>
+            <a:endParaRPr kumimoji="1" lang="ja-JP" altLang="en-US" sz="1050" dirty="0"/>
+          </a:p>
+        </p:txBody>
+      </p:sp>
+      <p:sp>
+        <p:nvSpPr>
+          <p:cNvPr id="28" name="フローチャート: 代替処理 27"/>
+          <p:cNvSpPr/>
+          <p:nvPr/>
+        </p:nvSpPr>
+        <p:spPr>
+          <a:xfrm>
+            <a:off x="153138" y="1233222"/>
+            <a:ext cx="2002893" cy="412879"/>
+          </a:xfrm>
+          <a:prstGeom prst="flowChartAlternateProcess">
+            <a:avLst/>
+          </a:prstGeom>
+          <a:solidFill>
+            <a:schemeClr val="accent2"/>
+          </a:solidFill>
+          <a:ln>
+            <a:solidFill>
+              <a:schemeClr val="tx1"/>
+            </a:solidFill>
+          </a:ln>
+        </p:spPr>
+        <p:style>
+          <a:lnRef idx="2">
+            <a:schemeClr val="accent1">
+              <a:shade val="50000"/>
+            </a:schemeClr>
+          </a:lnRef>
+          <a:fillRef idx="1">
+            <a:schemeClr val="accent1"/>
+          </a:fillRef>
+          <a:effectRef idx="0">
+            <a:schemeClr val="accent1"/>
+          </a:effectRef>
+          <a:fontRef idx="minor">
+            <a:schemeClr val="lt1"/>
+          </a:fontRef>
+        </p:style>
+        <p:txBody>
+          <a:bodyPr rot="0" spcFirstLastPara="0" vertOverflow="overflow" horzOverflow="overflow" vert="horz" wrap="square" lIns="74295" tIns="37148" rIns="74295" bIns="37148" numCol="1" spcCol="0" rtlCol="0" fromWordArt="0" anchor="ctr" anchorCtr="0" forceAA="0" compatLnSpc="1">
+            <a:prstTxWarp prst="textNoShape">
+              <a:avLst/>
+            </a:prstTxWarp>
+            <a:noAutofit/>
+          </a:bodyPr>
+          <a:lstStyle/>
+          <a:p>
+            <a:pPr algn="ctr"/>
+            <a:r>
+              <a:rPr lang="ja-JP" altLang="en-US" sz="1400" dirty="0" smtClean="0">
+                <a:solidFill>
+                  <a:schemeClr val="tx1"/>
+                </a:solidFill>
+              </a:rPr>
+              <a:t>ソーシャルブック</a:t>
+            </a:r>
+            <a:endParaRPr lang="en-US" altLang="ja-JP" sz="1400" dirty="0" smtClean="0">
+              <a:solidFill>
+                <a:schemeClr val="tx1"/>
+              </a:solidFill>
+            </a:endParaRPr>
+          </a:p>
+          <a:p>
+            <a:pPr algn="ctr"/>
+            <a:r>
+              <a:rPr lang="ja-JP" altLang="en-US" sz="1400" dirty="0" smtClean="0">
+                <a:solidFill>
+                  <a:schemeClr val="tx1"/>
+                </a:solidFill>
+              </a:rPr>
+              <a:t>マーキングサービスとは</a:t>
+            </a:r>
+            <a:endParaRPr lang="ja-JP" altLang="en-US" sz="1400" dirty="0">
+              <a:solidFill>
+                <a:schemeClr val="tx1"/>
+              </a:solidFill>
+            </a:endParaRPr>
+          </a:p>
+        </p:txBody>
+      </p:sp>
+      <p:sp>
+        <p:nvSpPr>
+          <p:cNvPr id="11" name="角丸四角形 10"/>
+          <p:cNvSpPr/>
+          <p:nvPr/>
+        </p:nvSpPr>
+        <p:spPr>
+          <a:xfrm>
+            <a:off x="253370" y="1730270"/>
+            <a:ext cx="6185245" cy="1076632"/>
+          </a:xfrm>
+          <a:prstGeom prst="roundRect">
+            <a:avLst/>
+          </a:prstGeom>
+        </p:spPr>
+        <p:style>
+          <a:lnRef idx="2">
+            <a:schemeClr val="accent1">
+              <a:shade val="50000"/>
+            </a:schemeClr>
+          </a:lnRef>
+          <a:fillRef idx="1">
+            <a:schemeClr val="accent1"/>
+          </a:fillRef>
+          <a:effectRef idx="0">
+            <a:schemeClr val="accent1"/>
+          </a:effectRef>
+          <a:fontRef idx="minor">
+            <a:schemeClr val="lt1"/>
+          </a:fontRef>
+        </p:style>
+        <p:txBody>
+          <a:bodyPr rtlCol="0" anchor="ctr"/>
+          <a:lstStyle/>
+          <a:p>
+            <a:pPr algn="ctr"/>
+            <a:endParaRPr kumimoji="1" lang="en-US" altLang="ja-JP" sz="1600" dirty="0" smtClean="0"/>
+          </a:p>
+          <a:p>
+            <a:pPr algn="ctr"/>
+            <a:endParaRPr lang="en-US" altLang="ja-JP" sz="1600" dirty="0"/>
+          </a:p>
+          <a:p>
+            <a:pPr algn="ctr"/>
+            <a:endParaRPr kumimoji="1" lang="en-US" altLang="ja-JP" sz="1600" dirty="0" smtClean="0"/>
+          </a:p>
+          <a:p>
+            <a:pPr algn="ctr"/>
+            <a:endParaRPr lang="en-US" altLang="ja-JP" sz="1600" dirty="0"/>
+          </a:p>
+        </p:txBody>
+      </p:sp>
+      <p:sp>
+        <p:nvSpPr>
+          <p:cNvPr id="13" name="角丸四角形 12"/>
+          <p:cNvSpPr/>
+          <p:nvPr/>
+        </p:nvSpPr>
+        <p:spPr>
+          <a:xfrm>
+            <a:off x="495625" y="2099997"/>
+            <a:ext cx="1044872" cy="289172"/>
+          </a:xfrm>
+          <a:prstGeom prst="roundRect">
+            <a:avLst/>
+          </a:prstGeom>
+          <a:solidFill>
+            <a:schemeClr val="accent6">
+              <a:lumMod val="40000"/>
+              <a:lumOff val="60000"/>
+            </a:schemeClr>
+          </a:solidFill>
+        </p:spPr>
+        <p:style>
+          <a:lnRef idx="2">
+            <a:schemeClr val="accent1">
+              <a:shade val="50000"/>
+            </a:schemeClr>
+          </a:lnRef>
+          <a:fillRef idx="1">
+            <a:schemeClr val="accent1"/>
+          </a:fillRef>
+          <a:effectRef idx="0">
+            <a:schemeClr val="accent1"/>
+          </a:effectRef>
+          <a:fontRef idx="minor">
+            <a:schemeClr val="lt1"/>
+          </a:fontRef>
+        </p:style>
+        <p:txBody>
+          <a:bodyPr rtlCol="0" anchor="ctr"/>
+          <a:lstStyle/>
+          <a:p>
+            <a:pPr algn="ctr"/>
+            <a:r>
+              <a:rPr kumimoji="1" lang="ja-JP" altLang="en-US" sz="1100" dirty="0" smtClean="0"/>
+              <a:t>ブックマーク</a:t>
+            </a:r>
+            <a:endParaRPr kumimoji="1" lang="ja-JP" altLang="en-US" dirty="0"/>
+          </a:p>
+        </p:txBody>
+      </p:sp>
+      <p:sp>
+        <p:nvSpPr>
+          <p:cNvPr id="39" name="角丸四角形 38"/>
+          <p:cNvSpPr/>
+          <p:nvPr/>
+        </p:nvSpPr>
+        <p:spPr>
+          <a:xfrm>
+            <a:off x="380092" y="2022809"/>
+            <a:ext cx="1044872" cy="289172"/>
+          </a:xfrm>
+          <a:prstGeom prst="roundRect">
+            <a:avLst/>
+          </a:prstGeom>
+          <a:solidFill>
+            <a:schemeClr val="accent6">
+              <a:lumMod val="40000"/>
+              <a:lumOff val="60000"/>
+            </a:schemeClr>
+          </a:solidFill>
+        </p:spPr>
+        <p:style>
+          <a:lnRef idx="2">
+            <a:schemeClr val="accent1">
+              <a:shade val="50000"/>
+            </a:schemeClr>
+          </a:lnRef>
+          <a:fillRef idx="1">
+            <a:schemeClr val="accent1"/>
+          </a:fillRef>
+          <a:effectRef idx="0">
+            <a:schemeClr val="accent1"/>
+          </a:effectRef>
+          <a:fontRef idx="minor">
+            <a:schemeClr val="lt1"/>
+          </a:fontRef>
+        </p:style>
+        <p:txBody>
+          <a:bodyPr rtlCol="0" anchor="ctr"/>
+          <a:lstStyle/>
+          <a:p>
+            <a:pPr algn="ctr"/>
+            <a:r>
+              <a:rPr kumimoji="1" lang="ja-JP" altLang="en-US" sz="1100" dirty="0" smtClean="0"/>
+              <a:t>ブックマーク</a:t>
+            </a:r>
+            <a:endParaRPr kumimoji="1" lang="ja-JP" altLang="en-US" dirty="0"/>
+          </a:p>
+        </p:txBody>
+      </p:sp>
+      <p:sp>
+        <p:nvSpPr>
+          <p:cNvPr id="16" name="上矢印 15"/>
+          <p:cNvSpPr/>
+          <p:nvPr/>
+        </p:nvSpPr>
+        <p:spPr>
+          <a:xfrm>
+            <a:off x="763857" y="2373536"/>
+            <a:ext cx="277339" cy="711950"/>
+          </a:xfrm>
+          <a:prstGeom prst="upArrow">
+            <a:avLst/>
+          </a:prstGeom>
+          <a:solidFill>
+            <a:schemeClr val="bg1"/>
+          </a:solidFill>
+        </p:spPr>
+        <p:style>
+          <a:lnRef idx="2">
+            <a:schemeClr val="accent1">
+              <a:shade val="50000"/>
+            </a:schemeClr>
+          </a:lnRef>
+          <a:fillRef idx="1">
+            <a:schemeClr val="accent1"/>
+          </a:fillRef>
+          <a:effectRef idx="0">
+            <a:schemeClr val="accent1"/>
+          </a:effectRef>
+          <a:fontRef idx="minor">
+            <a:schemeClr val="lt1"/>
+          </a:fontRef>
+        </p:style>
+        <p:txBody>
+          <a:bodyPr rtlCol="0" anchor="ctr"/>
+          <a:lstStyle/>
+          <a:p>
+            <a:pPr algn="ctr"/>
+            <a:endParaRPr kumimoji="1" lang="ja-JP" altLang="en-US"/>
+          </a:p>
+        </p:txBody>
+      </p:sp>
+      <p:sp>
+        <p:nvSpPr>
+          <p:cNvPr id="15" name="スマイル 14"/>
+          <p:cNvSpPr/>
+          <p:nvPr/>
+        </p:nvSpPr>
+        <p:spPr>
+          <a:xfrm>
+            <a:off x="524893" y="2904296"/>
+            <a:ext cx="755266" cy="689894"/>
+          </a:xfrm>
+          <a:prstGeom prst="smileyFace">
+            <a:avLst/>
+          </a:prstGeom>
+          <a:solidFill>
+            <a:schemeClr val="accent4">
+              <a:lumMod val="60000"/>
+              <a:lumOff val="40000"/>
+            </a:schemeClr>
+          </a:solidFill>
+        </p:spPr>
+        <p:style>
+          <a:lnRef idx="2">
+            <a:schemeClr val="accent1">
+              <a:shade val="50000"/>
+            </a:schemeClr>
+          </a:lnRef>
+          <a:fillRef idx="1">
+            <a:schemeClr val="accent1"/>
+          </a:fillRef>
+          <a:effectRef idx="0">
+            <a:schemeClr val="accent1"/>
+          </a:effectRef>
+          <a:fontRef idx="minor">
+            <a:schemeClr val="lt1"/>
+          </a:fontRef>
+        </p:style>
+        <p:txBody>
+          <a:bodyPr rtlCol="0" anchor="ctr"/>
+          <a:lstStyle/>
+          <a:p>
+            <a:pPr algn="ctr"/>
+            <a:endParaRPr kumimoji="1" lang="ja-JP" altLang="en-US"/>
+          </a:p>
+        </p:txBody>
+      </p:sp>
+      <p:sp>
+        <p:nvSpPr>
+          <p:cNvPr id="17" name="テキスト ボックス 16"/>
+          <p:cNvSpPr txBox="1"/>
+          <p:nvPr/>
+        </p:nvSpPr>
+        <p:spPr>
+          <a:xfrm>
+            <a:off x="215622" y="3614635"/>
+            <a:ext cx="4049507" cy="276999"/>
+          </a:xfrm>
+          <a:prstGeom prst="rect">
+            <a:avLst/>
+          </a:prstGeom>
+          <a:noFill/>
+        </p:spPr>
+        <p:txBody>
+          <a:bodyPr wrap="none" rtlCol="0">
+            <a:spAutoFit/>
+          </a:bodyPr>
+          <a:lstStyle/>
+          <a:p>
             <a:r>
               <a:rPr kumimoji="1" lang="ja-JP" altLang="en-US" sz="1200" dirty="0" smtClean="0"/>
-              <a:t>本研究では，ウェブマーケティングの例として，ソーシャルブックマーキングサービスであるはてなブックマークを用いる．</a:t>
-            </a:r>
-            <a:endParaRPr kumimoji="1" lang="en-US" altLang="ja-JP" sz="1200" dirty="0" smtClean="0"/>
-          </a:p>
+              <a:t>インターネット上にブックマークを保存し，それを共有できる．</a:t>
+            </a:r>
+            <a:endParaRPr kumimoji="1" lang="ja-JP" altLang="en-US" sz="1200" dirty="0"/>
+          </a:p>
+        </p:txBody>
+      </p:sp>
+      <p:sp>
+        <p:nvSpPr>
+          <p:cNvPr id="40" name="上矢印 39"/>
+          <p:cNvSpPr/>
+          <p:nvPr/>
+        </p:nvSpPr>
+        <p:spPr>
+          <a:xfrm>
+            <a:off x="3355837" y="2426592"/>
+            <a:ext cx="277339" cy="711950"/>
+          </a:xfrm>
+          <a:prstGeom prst="upArrow">
+            <a:avLst/>
+          </a:prstGeom>
+          <a:solidFill>
+            <a:schemeClr val="bg1"/>
+          </a:solidFill>
+        </p:spPr>
+        <p:style>
+          <a:lnRef idx="2">
+            <a:schemeClr val="accent1">
+              <a:shade val="50000"/>
+            </a:schemeClr>
+          </a:lnRef>
+          <a:fillRef idx="1">
+            <a:schemeClr val="accent1"/>
+          </a:fillRef>
+          <a:effectRef idx="0">
+            <a:schemeClr val="accent1"/>
+          </a:effectRef>
+          <a:fontRef idx="minor">
+            <a:schemeClr val="lt1"/>
+          </a:fontRef>
+        </p:style>
+        <p:txBody>
+          <a:bodyPr rtlCol="0" anchor="ctr"/>
+          <a:lstStyle/>
+          <a:p>
+            <a:pPr algn="ctr"/>
+            <a:endParaRPr kumimoji="1" lang="ja-JP" altLang="en-US"/>
+          </a:p>
+        </p:txBody>
+      </p:sp>
+      <p:sp>
+        <p:nvSpPr>
+          <p:cNvPr id="37" name="スマイル 36"/>
+          <p:cNvSpPr/>
+          <p:nvPr/>
+        </p:nvSpPr>
+        <p:spPr>
+          <a:xfrm>
+            <a:off x="3114813" y="2901760"/>
+            <a:ext cx="755266" cy="689894"/>
+          </a:xfrm>
+          <a:prstGeom prst="smileyFace">
+            <a:avLst/>
+          </a:prstGeom>
+          <a:solidFill>
+            <a:schemeClr val="accent4">
+              <a:lumMod val="60000"/>
+              <a:lumOff val="40000"/>
+            </a:schemeClr>
+          </a:solidFill>
+        </p:spPr>
+        <p:style>
+          <a:lnRef idx="2">
+            <a:schemeClr val="accent1">
+              <a:shade val="50000"/>
+            </a:schemeClr>
+          </a:lnRef>
+          <a:fillRef idx="1">
+            <a:schemeClr val="accent1"/>
+          </a:fillRef>
+          <a:effectRef idx="0">
+            <a:schemeClr val="accent1"/>
+          </a:effectRef>
+          <a:fontRef idx="minor">
+            <a:schemeClr val="lt1"/>
+          </a:fontRef>
+        </p:style>
+        <p:txBody>
+          <a:bodyPr rtlCol="0" anchor="ctr"/>
+          <a:lstStyle/>
+          <a:p>
+            <a:pPr algn="ctr"/>
+            <a:endParaRPr kumimoji="1" lang="ja-JP" altLang="en-US"/>
+          </a:p>
+        </p:txBody>
+      </p:sp>
+      <p:sp>
+        <p:nvSpPr>
+          <p:cNvPr id="18" name="左右矢印 17"/>
+          <p:cNvSpPr/>
+          <p:nvPr/>
+        </p:nvSpPr>
+        <p:spPr>
+          <a:xfrm>
+            <a:off x="1576626" y="2049423"/>
+            <a:ext cx="1406728" cy="398972"/>
+          </a:xfrm>
+          <a:prstGeom prst="leftRightArrow">
+            <a:avLst/>
+          </a:prstGeom>
+          <a:solidFill>
+            <a:schemeClr val="accent4">
+              <a:lumMod val="60000"/>
+              <a:lumOff val="40000"/>
+            </a:schemeClr>
+          </a:solidFill>
+        </p:spPr>
+        <p:style>
+          <a:lnRef idx="2">
+            <a:schemeClr val="accent1">
+              <a:shade val="50000"/>
+            </a:schemeClr>
+          </a:lnRef>
+          <a:fillRef idx="1">
+            <a:schemeClr val="accent1"/>
+          </a:fillRef>
+          <a:effectRef idx="0">
+            <a:schemeClr val="accent1"/>
+          </a:effectRef>
+          <a:fontRef idx="minor">
+            <a:schemeClr val="lt1"/>
+          </a:fontRef>
+        </p:style>
+        <p:txBody>
+          <a:bodyPr rtlCol="0" anchor="ctr"/>
+          <a:lstStyle/>
+          <a:p>
+            <a:pPr algn="ctr"/>
+            <a:r>
+              <a:rPr kumimoji="1" lang="ja-JP" altLang="en-US" sz="1400" dirty="0" smtClean="0">
+                <a:solidFill>
+                  <a:schemeClr val="tx1"/>
+                </a:solidFill>
+              </a:rPr>
+              <a:t>共有</a:t>
+            </a:r>
+            <a:endParaRPr kumimoji="1" lang="ja-JP" altLang="en-US" sz="1400" dirty="0">
+              <a:solidFill>
+                <a:schemeClr val="tx1"/>
+              </a:solidFill>
+            </a:endParaRPr>
+          </a:p>
+        </p:txBody>
+      </p:sp>
+      <p:sp>
+        <p:nvSpPr>
+          <p:cNvPr id="46" name="角丸四角形 45"/>
+          <p:cNvSpPr/>
+          <p:nvPr/>
+        </p:nvSpPr>
+        <p:spPr>
+          <a:xfrm>
+            <a:off x="4342096" y="2351671"/>
+            <a:ext cx="647796" cy="241680"/>
+          </a:xfrm>
+          <a:prstGeom prst="roundRect">
+            <a:avLst/>
+          </a:prstGeom>
+          <a:solidFill>
+            <a:schemeClr val="bg2">
+              <a:lumMod val="90000"/>
+            </a:schemeClr>
+          </a:solidFill>
+        </p:spPr>
+        <p:style>
+          <a:lnRef idx="2">
+            <a:schemeClr val="accent1">
+              <a:shade val="50000"/>
+            </a:schemeClr>
+          </a:lnRef>
+          <a:fillRef idx="1">
+            <a:schemeClr val="accent1"/>
+          </a:fillRef>
+          <a:effectRef idx="0">
+            <a:schemeClr val="accent1"/>
+          </a:effectRef>
+          <a:fontRef idx="minor">
+            <a:schemeClr val="lt1"/>
+          </a:fontRef>
+        </p:style>
+        <p:txBody>
+          <a:bodyPr rtlCol="0" anchor="ctr"/>
+          <a:lstStyle/>
+          <a:p>
+            <a:pPr algn="ctr"/>
+            <a:r>
+              <a:rPr lang="ja-JP" altLang="en-US" sz="1100" dirty="0">
+                <a:solidFill>
+                  <a:schemeClr val="tx1"/>
+                </a:solidFill>
+              </a:rPr>
+              <a:t>タグ</a:t>
+            </a:r>
+            <a:endParaRPr kumimoji="1" lang="ja-JP" altLang="en-US" sz="1100" dirty="0">
+              <a:solidFill>
+                <a:schemeClr val="tx1"/>
+              </a:solidFill>
+            </a:endParaRPr>
+          </a:p>
+        </p:txBody>
+      </p:sp>
+      <p:sp>
+        <p:nvSpPr>
+          <p:cNvPr id="45" name="角丸四角形 44"/>
+          <p:cNvSpPr/>
+          <p:nvPr/>
+        </p:nvSpPr>
+        <p:spPr>
+          <a:xfrm>
+            <a:off x="4265129" y="2186236"/>
+            <a:ext cx="647796" cy="241680"/>
+          </a:xfrm>
+          <a:prstGeom prst="roundRect">
+            <a:avLst/>
+          </a:prstGeom>
+          <a:solidFill>
+            <a:schemeClr val="bg2">
+              <a:lumMod val="90000"/>
+            </a:schemeClr>
+          </a:solidFill>
+        </p:spPr>
+        <p:style>
+          <a:lnRef idx="2">
+            <a:schemeClr val="accent1">
+              <a:shade val="50000"/>
+            </a:schemeClr>
+          </a:lnRef>
+          <a:fillRef idx="1">
+            <a:schemeClr val="accent1"/>
+          </a:fillRef>
+          <a:effectRef idx="0">
+            <a:schemeClr val="accent1"/>
+          </a:effectRef>
+          <a:fontRef idx="minor">
+            <a:schemeClr val="lt1"/>
+          </a:fontRef>
+        </p:style>
+        <p:txBody>
+          <a:bodyPr rtlCol="0" anchor="ctr"/>
+          <a:lstStyle/>
+          <a:p>
+            <a:pPr algn="ctr"/>
+            <a:r>
+              <a:rPr lang="ja-JP" altLang="en-US" sz="1100" dirty="0">
+                <a:solidFill>
+                  <a:schemeClr val="tx1"/>
+                </a:solidFill>
+              </a:rPr>
+              <a:t>タグ</a:t>
+            </a:r>
+            <a:endParaRPr kumimoji="1" lang="ja-JP" altLang="en-US" sz="1100" dirty="0">
+              <a:solidFill>
+                <a:schemeClr val="tx1"/>
+              </a:solidFill>
+            </a:endParaRPr>
+          </a:p>
+        </p:txBody>
+      </p:sp>
+      <p:sp>
+        <p:nvSpPr>
+          <p:cNvPr id="19" name="角丸四角形 18"/>
+          <p:cNvSpPr/>
+          <p:nvPr/>
+        </p:nvSpPr>
+        <p:spPr>
+          <a:xfrm>
+            <a:off x="4178134" y="2033732"/>
+            <a:ext cx="647796" cy="241680"/>
+          </a:xfrm>
+          <a:prstGeom prst="roundRect">
+            <a:avLst/>
+          </a:prstGeom>
+          <a:solidFill>
+            <a:schemeClr val="bg2">
+              <a:lumMod val="90000"/>
+            </a:schemeClr>
+          </a:solidFill>
+        </p:spPr>
+        <p:style>
+          <a:lnRef idx="2">
+            <a:schemeClr val="accent1">
+              <a:shade val="50000"/>
+            </a:schemeClr>
+          </a:lnRef>
+          <a:fillRef idx="1">
+            <a:schemeClr val="accent1"/>
+          </a:fillRef>
+          <a:effectRef idx="0">
+            <a:schemeClr val="accent1"/>
+          </a:effectRef>
+          <a:fontRef idx="minor">
+            <a:schemeClr val="lt1"/>
+          </a:fontRef>
+        </p:style>
+        <p:txBody>
+          <a:bodyPr rtlCol="0" anchor="ctr"/>
+          <a:lstStyle/>
+          <a:p>
+            <a:pPr algn="ctr"/>
+            <a:r>
+              <a:rPr lang="ja-JP" altLang="en-US" sz="1100" dirty="0">
+                <a:solidFill>
+                  <a:schemeClr val="tx1"/>
+                </a:solidFill>
+              </a:rPr>
+              <a:t>タグ</a:t>
+            </a:r>
+            <a:endParaRPr kumimoji="1" lang="ja-JP" altLang="en-US" sz="1100" dirty="0">
+              <a:solidFill>
+                <a:schemeClr val="tx1"/>
+              </a:solidFill>
+            </a:endParaRPr>
+          </a:p>
+        </p:txBody>
+      </p:sp>
+      <p:sp>
+        <p:nvSpPr>
+          <p:cNvPr id="42" name="角丸四角形 41"/>
+          <p:cNvSpPr/>
+          <p:nvPr/>
+        </p:nvSpPr>
+        <p:spPr>
+          <a:xfrm>
+            <a:off x="3220257" y="2099997"/>
+            <a:ext cx="1044872" cy="289172"/>
+          </a:xfrm>
+          <a:prstGeom prst="roundRect">
+            <a:avLst/>
+          </a:prstGeom>
+          <a:solidFill>
+            <a:schemeClr val="accent6">
+              <a:lumMod val="40000"/>
+              <a:lumOff val="60000"/>
+            </a:schemeClr>
+          </a:solidFill>
+        </p:spPr>
+        <p:style>
+          <a:lnRef idx="2">
+            <a:schemeClr val="accent1">
+              <a:shade val="50000"/>
+            </a:schemeClr>
+          </a:lnRef>
+          <a:fillRef idx="1">
+            <a:schemeClr val="accent1"/>
+          </a:fillRef>
+          <a:effectRef idx="0">
+            <a:schemeClr val="accent1"/>
+          </a:effectRef>
+          <a:fontRef idx="minor">
+            <a:schemeClr val="lt1"/>
+          </a:fontRef>
+        </p:style>
+        <p:txBody>
+          <a:bodyPr rtlCol="0" anchor="ctr"/>
+          <a:lstStyle/>
+          <a:p>
+            <a:pPr algn="ctr"/>
+            <a:r>
+              <a:rPr kumimoji="1" lang="ja-JP" altLang="en-US" sz="1100" dirty="0" smtClean="0"/>
+              <a:t>ブックマーク</a:t>
+            </a:r>
+            <a:endParaRPr kumimoji="1" lang="ja-JP" altLang="en-US" dirty="0"/>
+          </a:p>
+        </p:txBody>
+      </p:sp>
+      <p:sp>
+        <p:nvSpPr>
+          <p:cNvPr id="43" name="角丸四角形 42"/>
+          <p:cNvSpPr/>
+          <p:nvPr/>
+        </p:nvSpPr>
+        <p:spPr>
+          <a:xfrm>
+            <a:off x="3110740" y="2010817"/>
+            <a:ext cx="1044872" cy="289172"/>
+          </a:xfrm>
+          <a:prstGeom prst="roundRect">
+            <a:avLst/>
+          </a:prstGeom>
+          <a:solidFill>
+            <a:schemeClr val="accent6">
+              <a:lumMod val="40000"/>
+              <a:lumOff val="60000"/>
+            </a:schemeClr>
+          </a:solidFill>
+        </p:spPr>
+        <p:style>
+          <a:lnRef idx="2">
+            <a:schemeClr val="accent1">
+              <a:shade val="50000"/>
+            </a:schemeClr>
+          </a:lnRef>
+          <a:fillRef idx="1">
+            <a:schemeClr val="accent1"/>
+          </a:fillRef>
+          <a:effectRef idx="0">
+            <a:schemeClr val="accent1"/>
+          </a:effectRef>
+          <a:fontRef idx="minor">
+            <a:schemeClr val="lt1"/>
+          </a:fontRef>
+        </p:style>
+        <p:txBody>
+          <a:bodyPr rtlCol="0" anchor="ctr"/>
+          <a:lstStyle/>
+          <a:p>
+            <a:pPr algn="ctr"/>
+            <a:r>
+              <a:rPr kumimoji="1" lang="ja-JP" altLang="en-US" sz="1100" dirty="0" smtClean="0"/>
+              <a:t>ブックマーク</a:t>
+            </a:r>
+            <a:endParaRPr kumimoji="1" lang="ja-JP" altLang="en-US" dirty="0"/>
+          </a:p>
+        </p:txBody>
+      </p:sp>
+      <p:sp>
+        <p:nvSpPr>
+          <p:cNvPr id="21" name="テキスト ボックス 20"/>
+          <p:cNvSpPr txBox="1"/>
+          <p:nvPr/>
+        </p:nvSpPr>
+        <p:spPr>
+          <a:xfrm>
+            <a:off x="5200930" y="1957990"/>
+            <a:ext cx="1324680" cy="646331"/>
+          </a:xfrm>
+          <a:prstGeom prst="rect">
+            <a:avLst/>
+          </a:prstGeom>
+          <a:noFill/>
+        </p:spPr>
+        <p:txBody>
+          <a:bodyPr wrap="square" rtlCol="0">
+            <a:spAutoFit/>
+          </a:bodyPr>
+          <a:lstStyle/>
           <a:p>
             <a:r>
               <a:rPr kumimoji="1" lang="ja-JP" altLang="en-US" sz="1200" dirty="0" smtClean="0"/>
-              <a:t>ソーシャルブックマーキングサービスとは，インターネット上でユーザーのブック</a:t>
-            </a:r>
+              <a:t>ブックマークにはタグなどをつけることができる．</a:t>
+            </a:r>
+            <a:endParaRPr kumimoji="1" lang="ja-JP" altLang="en-US" sz="1200" dirty="0"/>
+          </a:p>
+        </p:txBody>
+      </p:sp>
+      <p:sp>
+        <p:nvSpPr>
+          <p:cNvPr id="23" name="テキスト ボックス 22"/>
+          <p:cNvSpPr txBox="1"/>
+          <p:nvPr/>
+        </p:nvSpPr>
+        <p:spPr>
+          <a:xfrm>
+            <a:off x="4681209" y="3428303"/>
+            <a:ext cx="2088810" cy="461665"/>
+          </a:xfrm>
+          <a:prstGeom prst="rect">
+            <a:avLst/>
+          </a:prstGeom>
+          <a:noFill/>
+        </p:spPr>
+        <p:txBody>
+          <a:bodyPr wrap="square" rtlCol="0">
+            <a:spAutoFit/>
+          </a:bodyPr>
+          <a:lstStyle/>
+          <a:p>
             <a:r>
               <a:rPr lang="ja-JP" altLang="en-US" sz="1200" dirty="0"/>
-              <a:t>マーク</a:t>
+              <a:t>ローカル</a:t>
             </a:r>
             <a:r>
               <a:rPr lang="ja-JP" altLang="en-US" sz="1200" dirty="0" smtClean="0"/>
-              <a:t>を管理してくれるサービスである．</a:t>
-            </a:r>
-            <a:endParaRPr lang="en-US" altLang="ja-JP" sz="1200" dirty="0" smtClean="0"/>
-          </a:p>
-          <a:p>
-            <a:r>
-              <a:rPr lang="ja-JP" altLang="en-US" sz="1200" dirty="0" smtClean="0"/>
-              <a:t>ブックマークにタグを</a:t>
-            </a:r>
-            <a:r>
-              <a:rPr lang="ja-JP" altLang="en-US" sz="1200" smtClean="0"/>
-              <a:t>つけたり，他のユーザーと共有</a:t>
-            </a:r>
-            <a:r>
-              <a:rPr lang="ja-JP" altLang="en-US" sz="1200" dirty="0" smtClean="0"/>
-              <a:t>することで関連の</a:t>
-            </a:r>
-            <a:r>
-              <a:rPr lang="ja-JP" altLang="en-US" sz="1200" smtClean="0"/>
-              <a:t>ある記事や関心のある記事，多くブックマークを集めている話題のサイトなどを見つけられる．</a:t>
-            </a:r>
-            <a:endParaRPr kumimoji="1" lang="en-US" altLang="ja-JP" sz="1200" dirty="0" smtClean="0"/>
-          </a:p>
-          <a:p>
-            <a:endParaRPr kumimoji="1" lang="en-US" altLang="ja-JP" sz="1050" dirty="0" smtClean="0"/>
-          </a:p>
-          <a:p>
-            <a:endParaRPr kumimoji="1" lang="ja-JP" altLang="en-US" sz="1050" dirty="0"/>
+              <a:t>ではなくウェブ上にブックマークを保存する．</a:t>
+            </a:r>
+            <a:endParaRPr kumimoji="1" lang="ja-JP" altLang="en-US" sz="1200" dirty="0"/>
+          </a:p>
+        </p:txBody>
+      </p:sp>
+      <p:sp>
+        <p:nvSpPr>
+          <p:cNvPr id="24" name="テキスト ボックス 23"/>
+          <p:cNvSpPr txBox="1"/>
+          <p:nvPr/>
+        </p:nvSpPr>
+        <p:spPr>
+          <a:xfrm>
+            <a:off x="2662457" y="1745726"/>
+            <a:ext cx="1066318" cy="276999"/>
+          </a:xfrm>
+          <a:prstGeom prst="rect">
+            <a:avLst/>
+          </a:prstGeom>
+          <a:noFill/>
+        </p:spPr>
+        <p:txBody>
+          <a:bodyPr wrap="none" rtlCol="0">
+            <a:spAutoFit/>
+          </a:bodyPr>
+          <a:lstStyle/>
+          <a:p>
+            <a:r>
+              <a:rPr kumimoji="1" lang="ja-JP" altLang="en-US" sz="1200" dirty="0" smtClean="0">
+                <a:solidFill>
+                  <a:schemeClr val="bg1"/>
+                </a:solidFill>
+              </a:rPr>
+              <a:t>インターネット</a:t>
+            </a:r>
+            <a:endParaRPr kumimoji="1" lang="ja-JP" altLang="en-US" sz="1200" dirty="0">
+              <a:solidFill>
+                <a:schemeClr val="bg1"/>
+              </a:solidFill>
+            </a:endParaRPr>
           </a:p>
         </p:txBody>
       </p:sp>

--- a/卒業論文/2015/遠藤一輝/中間発表/中間審査＿ポスター＿遠藤一輝.pptx
+++ b/卒業論文/2015/遠藤一輝/中間発表/中間審査＿ポスター＿遠藤一輝.pptx
@@ -3378,7 +3378,6 @@
               <a:rPr lang="ja-JP" altLang="en-US" sz="1200" dirty="0"/>
               <a:t>を用い自動で記事を取得するプログラムを制作している．</a:t>
             </a:r>
-            <a:endParaRPr lang="ja-JP" altLang="en-US" sz="1200" dirty="0"/>
           </a:p>
         </p:txBody>
       </p:sp>
@@ -3479,7 +3478,7 @@
                   <a:schemeClr val="tx1"/>
                 </a:solidFill>
               </a:rPr>
-              <a:t>ソーシャルブックマーキングサービスの登録ユーザの推移を分析し，その</a:t>
+              <a:t>ソーシャルブックマーキングサービスの登録</a:t>
             </a:r>
             <a:r>
               <a:rPr lang="ja-JP" altLang="en-US" sz="1200" dirty="0" smtClean="0">
@@ -3487,7 +3486,23 @@
                   <a:schemeClr val="tx1"/>
                 </a:solidFill>
               </a:rPr>
-              <a:t>増加率大きく</a:t>
+              <a:t>ユーザ数</a:t>
+            </a:r>
+            <a:r>
+              <a:rPr lang="ja-JP" altLang="en-US" sz="1200" dirty="0" smtClean="0">
+                <a:solidFill>
+                  <a:schemeClr val="tx1"/>
+                </a:solidFill>
+              </a:rPr>
+              <a:t>の</a:t>
+            </a:r>
+            <a:r>
+              <a:rPr lang="ja-JP" altLang="en-US" sz="1200" dirty="0" smtClean="0">
+                <a:solidFill>
+                  <a:schemeClr val="tx1"/>
+                </a:solidFill>
+              </a:rPr>
+              <a:t>増加に大きく</a:t>
             </a:r>
             <a:r>
               <a:rPr lang="ja-JP" altLang="en-US" sz="1200" dirty="0">
@@ -3495,7 +3510,7 @@
                   <a:schemeClr val="tx1"/>
                 </a:solidFill>
               </a:rPr>
-              <a:t>貢献している要素を</a:t>
+              <a:t>貢献している要素</a:t>
             </a:r>
             <a:r>
               <a:rPr lang="ja-JP" altLang="en-US" sz="1200" dirty="0" smtClean="0">
@@ -3503,7 +3518,7 @@
                   <a:schemeClr val="tx1"/>
                 </a:solidFill>
               </a:rPr>
-              <a:t>算出</a:t>
+              <a:t>を算出す</a:t>
             </a:r>
             <a:r>
               <a:rPr lang="ja-JP" altLang="en-US" sz="1200" dirty="0">
@@ -3511,7 +3526,7 @@
                   <a:schemeClr val="tx1"/>
                 </a:solidFill>
               </a:rPr>
-              <a:t>に</a:t>
+              <a:t>る</a:t>
             </a:r>
             <a:r>
               <a:rPr lang="ja-JP" altLang="en-US" sz="1200" dirty="0" smtClean="0">
@@ -3519,7 +3534,22 @@
                   <a:schemeClr val="tx1"/>
                 </a:solidFill>
               </a:rPr>
-              <a:t>する</a:t>
+              <a:t>．</a:t>
+            </a:r>
+            <a:endParaRPr lang="en-US" altLang="ja-JP" sz="1200" dirty="0" smtClean="0">
+              <a:solidFill>
+                <a:schemeClr val="tx1"/>
+              </a:solidFill>
+            </a:endParaRPr>
+          </a:p>
+          <a:p>
+            <a:r>
+              <a:rPr lang="ja-JP" altLang="en-US" sz="1200" dirty="0" smtClean="0">
+                <a:solidFill>
+                  <a:schemeClr val="tx1"/>
+                </a:solidFill>
+              </a:rPr>
+              <a:t>それをもとに効果的</a:t>
             </a:r>
             <a:r>
               <a:rPr lang="ja-JP" altLang="en-US" sz="1200" dirty="0">
@@ -3527,22 +3557,7 @@
                   <a:schemeClr val="tx1"/>
                 </a:solidFill>
               </a:rPr>
-              <a:t>．</a:t>
-            </a:r>
-            <a:endParaRPr lang="en-US" altLang="ja-JP" sz="1200" dirty="0">
-              <a:solidFill>
-                <a:schemeClr val="tx1"/>
-              </a:solidFill>
-            </a:endParaRPr>
-          </a:p>
-          <a:p>
-            <a:r>
-              <a:rPr lang="ja-JP" altLang="en-US" sz="1200" dirty="0">
-                <a:solidFill>
-                  <a:schemeClr val="tx1"/>
-                </a:solidFill>
-              </a:rPr>
-              <a:t>それをもとに効果的な</a:t>
+              <a:t>な</a:t>
             </a:r>
             <a:r>
               <a:rPr lang="ja-JP" altLang="en-US" sz="1200" dirty="0" smtClean="0">
@@ -3558,7 +3573,7 @@
                   <a:schemeClr val="tx1"/>
                 </a:solidFill>
               </a:rPr>
-              <a:t>方法を考察する</a:t>
+              <a:t>方法を</a:t>
             </a:r>
             <a:r>
               <a:rPr lang="ja-JP" altLang="en-US" sz="1200" dirty="0" smtClean="0">
@@ -3566,9 +3581,25 @@
                   <a:schemeClr val="tx1"/>
                 </a:solidFill>
               </a:rPr>
-              <a:t>．</a:t>
-            </a:r>
-            <a:endParaRPr lang="en-US" altLang="ja-JP" sz="1200" dirty="0">
+              <a:t>考察</a:t>
+            </a:r>
+            <a:r>
+              <a:rPr lang="ja-JP" altLang="en-US" sz="1200" dirty="0" smtClean="0">
+                <a:solidFill>
+                  <a:schemeClr val="tx1"/>
+                </a:solidFill>
+              </a:rPr>
+              <a:t>し，</a:t>
+            </a:r>
+            <a:r>
+              <a:rPr lang="ja-JP" altLang="en-US" sz="1200" dirty="0" smtClean="0">
+                <a:solidFill>
+                  <a:schemeClr val="tx1"/>
+                </a:solidFill>
+              </a:rPr>
+              <a:t>ウェブマーケティングにおける一つの指標とする．</a:t>
+            </a:r>
+            <a:endParaRPr lang="en-US" altLang="ja-JP" sz="1200" dirty="0" smtClean="0">
               <a:solidFill>
                 <a:schemeClr val="tx1"/>
               </a:solidFill>
@@ -4391,19 +4422,7 @@
             </a:r>
             <a:r>
               <a:rPr lang="ja-JP" altLang="en-US" sz="1200" dirty="0" smtClean="0"/>
-              <a:t>あふれて</a:t>
-            </a:r>
-            <a:r>
-              <a:rPr lang="ja-JP" altLang="en-US" sz="1200" dirty="0" smtClean="0"/>
-              <a:t>いる．</a:t>
-            </a:r>
-            <a:r>
-              <a:rPr lang="ja-JP" altLang="en-US" sz="1200" dirty="0" smtClean="0"/>
-              <a:t>私たち</a:t>
-            </a:r>
-            <a:r>
-              <a:rPr lang="ja-JP" altLang="en-US" sz="1200" dirty="0" smtClean="0"/>
-              <a:t>は取捨選択を行うことで自身に必要な情報を</a:t>
+              <a:t>あふれている．私たちは取捨選択を行うことで自身に必要な情報を</a:t>
             </a:r>
             <a:r>
               <a:rPr kumimoji="1" lang="ja-JP" altLang="en-US" sz="1200" dirty="0" smtClean="0"/>
@@ -4414,23 +4433,7 @@
           <a:p>
             <a:r>
               <a:rPr kumimoji="1" lang="ja-JP" altLang="en-US" sz="1200" dirty="0" smtClean="0"/>
-              <a:t>では，情報</a:t>
-            </a:r>
-            <a:r>
-              <a:rPr kumimoji="1" lang="ja-JP" altLang="en-US" sz="1200" dirty="0" smtClean="0"/>
-              <a:t>の取捨選択</a:t>
-            </a:r>
-            <a:r>
-              <a:rPr kumimoji="1" lang="ja-JP" altLang="en-US" sz="1200" dirty="0" smtClean="0"/>
-              <a:t>にはどのような点が大きな</a:t>
-            </a:r>
-            <a:r>
-              <a:rPr kumimoji="1" lang="ja-JP" altLang="en-US" sz="1200" dirty="0" smtClean="0"/>
-              <a:t>影響をもたらした</a:t>
-            </a:r>
-            <a:r>
-              <a:rPr kumimoji="1" lang="ja-JP" altLang="en-US" sz="1200" dirty="0" smtClean="0"/>
-              <a:t>の</a:t>
+              <a:t>では，情報の取捨選択にはどのような点が大きな影響をもたらしたの</a:t>
             </a:r>
             <a:r>
               <a:rPr lang="ja-JP" altLang="en-US" sz="1200" dirty="0" smtClean="0"/>
@@ -4794,6 +4797,9 @@
           <a:prstGeom prst="roundRect">
             <a:avLst/>
           </a:prstGeom>
+          <a:solidFill>
+            <a:schemeClr val="bg1"/>
+          </a:solidFill>
         </p:spPr>
         <p:style>
           <a:lnRef idx="2">
@@ -4847,9 +4853,9 @@
             <a:avLst/>
           </a:prstGeom>
           <a:solidFill>
-            <a:schemeClr val="accent6">
-              <a:lumMod val="40000"/>
-              <a:lumOff val="60000"/>
+            <a:schemeClr val="accent1">
+              <a:lumMod val="20000"/>
+              <a:lumOff val="80000"/>
             </a:schemeClr>
           </a:solidFill>
         </p:spPr>
@@ -4897,9 +4903,9 @@
             <a:avLst/>
           </a:prstGeom>
           <a:solidFill>
-            <a:schemeClr val="accent6">
-              <a:lumMod val="40000"/>
-              <a:lumOff val="60000"/>
+            <a:schemeClr val="accent1">
+              <a:lumMod val="20000"/>
+              <a:lumOff val="80000"/>
             </a:schemeClr>
           </a:solidFill>
         </p:spPr>
@@ -4925,10 +4931,18 @@
           <a:p>
             <a:pPr algn="ctr"/>
             <a:r>
-              <a:rPr kumimoji="1" lang="ja-JP" altLang="en-US" sz="1100" dirty="0" smtClean="0"/>
+              <a:rPr kumimoji="1" lang="ja-JP" altLang="en-US" sz="1100" dirty="0" smtClean="0">
+                <a:solidFill>
+                  <a:schemeClr val="tx1"/>
+                </a:solidFill>
+              </a:rPr>
               <a:t>ブックマーク</a:t>
             </a:r>
-            <a:endParaRPr kumimoji="1" lang="ja-JP" altLang="en-US" dirty="0"/>
+            <a:endParaRPr kumimoji="1" lang="ja-JP" altLang="en-US" dirty="0">
+              <a:solidFill>
+                <a:schemeClr val="tx1"/>
+              </a:solidFill>
+            </a:endParaRPr>
           </a:p>
         </p:txBody>
       </p:sp>
@@ -5053,16 +5067,16 @@
       </p:sp>
       <p:sp>
         <p:nvSpPr>
-          <p:cNvPr id="40" name="上矢印 39"/>
+          <p:cNvPr id="18" name="左右矢印 17"/>
           <p:cNvSpPr/>
           <p:nvPr/>
         </p:nvSpPr>
         <p:spPr>
           <a:xfrm>
-            <a:off x="3355837" y="2426592"/>
-            <a:ext cx="277339" cy="711950"/>
-          </a:xfrm>
-          <a:prstGeom prst="upArrow">
+            <a:off x="1576626" y="2049423"/>
+            <a:ext cx="1406728" cy="398972"/>
+          </a:xfrm>
+          <a:prstGeom prst="leftRightArrow">
             <a:avLst/>
           </a:prstGeom>
           <a:solidFill>
@@ -5090,29 +5104,38 @@
           <a:lstStyle/>
           <a:p>
             <a:pPr algn="ctr"/>
-            <a:endParaRPr kumimoji="1" lang="ja-JP" altLang="en-US"/>
-          </a:p>
-        </p:txBody>
-      </p:sp>
-      <p:sp>
-        <p:nvSpPr>
-          <p:cNvPr id="37" name="スマイル 36"/>
+            <a:r>
+              <a:rPr kumimoji="1" lang="ja-JP" altLang="en-US" sz="1400" dirty="0" smtClean="0">
+                <a:solidFill>
+                  <a:schemeClr val="tx1"/>
+                </a:solidFill>
+              </a:rPr>
+              <a:t>共有</a:t>
+            </a:r>
+            <a:endParaRPr kumimoji="1" lang="ja-JP" altLang="en-US" sz="1400" dirty="0">
+              <a:solidFill>
+                <a:schemeClr val="tx1"/>
+              </a:solidFill>
+            </a:endParaRPr>
+          </a:p>
+        </p:txBody>
+      </p:sp>
+      <p:sp>
+        <p:nvSpPr>
+          <p:cNvPr id="46" name="角丸四角形 45"/>
           <p:cNvSpPr/>
           <p:nvPr/>
         </p:nvSpPr>
         <p:spPr>
           <a:xfrm>
-            <a:off x="3114813" y="2901760"/>
-            <a:ext cx="755266" cy="689894"/>
-          </a:xfrm>
-          <a:prstGeom prst="smileyFace">
+            <a:off x="4189608" y="2527297"/>
+            <a:ext cx="647796" cy="241680"/>
+          </a:xfrm>
+          <a:prstGeom prst="roundRect">
             <a:avLst/>
           </a:prstGeom>
           <a:solidFill>
-            <a:schemeClr val="accent4">
-              <a:lumMod val="60000"/>
-              <a:lumOff val="40000"/>
-            </a:schemeClr>
+            <a:schemeClr val="bg1"/>
           </a:solidFill>
         </p:spPr>
         <p:style>
@@ -5136,29 +5159,38 @@
           <a:lstStyle/>
           <a:p>
             <a:pPr algn="ctr"/>
-            <a:endParaRPr kumimoji="1" lang="ja-JP" altLang="en-US"/>
-          </a:p>
-        </p:txBody>
-      </p:sp>
-      <p:sp>
-        <p:nvSpPr>
-          <p:cNvPr id="18" name="左右矢印 17"/>
+            <a:r>
+              <a:rPr lang="ja-JP" altLang="en-US" sz="1100" dirty="0">
+                <a:solidFill>
+                  <a:schemeClr val="tx1"/>
+                </a:solidFill>
+              </a:rPr>
+              <a:t>タグ</a:t>
+            </a:r>
+            <a:endParaRPr kumimoji="1" lang="ja-JP" altLang="en-US" sz="1100" dirty="0">
+              <a:solidFill>
+                <a:schemeClr val="tx1"/>
+              </a:solidFill>
+            </a:endParaRPr>
+          </a:p>
+        </p:txBody>
+      </p:sp>
+      <p:sp>
+        <p:nvSpPr>
+          <p:cNvPr id="45" name="角丸四角形 44"/>
           <p:cNvSpPr/>
           <p:nvPr/>
         </p:nvSpPr>
         <p:spPr>
           <a:xfrm>
-            <a:off x="1576626" y="2049423"/>
-            <a:ext cx="1406728" cy="398972"/>
-          </a:xfrm>
-          <a:prstGeom prst="leftRightArrow">
+            <a:off x="4178134" y="2261355"/>
+            <a:ext cx="647796" cy="241680"/>
+          </a:xfrm>
+          <a:prstGeom prst="roundRect">
             <a:avLst/>
           </a:prstGeom>
           <a:solidFill>
-            <a:schemeClr val="accent4">
-              <a:lumMod val="60000"/>
-              <a:lumOff val="40000"/>
-            </a:schemeClr>
+            <a:schemeClr val="bg1"/>
           </a:solidFill>
         </p:spPr>
         <p:style>
@@ -5183,14 +5215,14 @@
           <a:p>
             <a:pPr algn="ctr"/>
             <a:r>
-              <a:rPr kumimoji="1" lang="ja-JP" altLang="en-US" sz="1400" dirty="0" smtClean="0">
+              <a:rPr lang="ja-JP" altLang="en-US" sz="1100" dirty="0">
                 <a:solidFill>
                   <a:schemeClr val="tx1"/>
                 </a:solidFill>
               </a:rPr>
-              <a:t>共有</a:t>
-            </a:r>
-            <a:endParaRPr kumimoji="1" lang="ja-JP" altLang="en-US" sz="1400" dirty="0">
+              <a:t>タグ</a:t>
+            </a:r>
+            <a:endParaRPr kumimoji="1" lang="ja-JP" altLang="en-US" sz="1100" dirty="0">
               <a:solidFill>
                 <a:schemeClr val="tx1"/>
               </a:solidFill>
@@ -5200,22 +5232,20 @@
       </p:sp>
       <p:sp>
         <p:nvSpPr>
-          <p:cNvPr id="46" name="角丸四角形 45"/>
+          <p:cNvPr id="19" name="角丸四角形 18"/>
           <p:cNvSpPr/>
           <p:nvPr/>
         </p:nvSpPr>
         <p:spPr>
           <a:xfrm>
-            <a:off x="4342096" y="2351671"/>
+            <a:off x="4178134" y="1995825"/>
             <a:ext cx="647796" cy="241680"/>
           </a:xfrm>
           <a:prstGeom prst="roundRect">
             <a:avLst/>
           </a:prstGeom>
           <a:solidFill>
-            <a:schemeClr val="bg2">
-              <a:lumMod val="90000"/>
-            </a:schemeClr>
+            <a:schemeClr val="bg1"/>
           </a:solidFill>
         </p:spPr>
         <p:style>
@@ -5257,21 +5287,22 @@
       </p:sp>
       <p:sp>
         <p:nvSpPr>
-          <p:cNvPr id="45" name="角丸四角形 44"/>
+          <p:cNvPr id="42" name="角丸四角形 41"/>
           <p:cNvSpPr/>
           <p:nvPr/>
         </p:nvSpPr>
         <p:spPr>
           <a:xfrm>
-            <a:off x="4265129" y="2186236"/>
-            <a:ext cx="647796" cy="241680"/>
+            <a:off x="3220257" y="2099997"/>
+            <a:ext cx="1044872" cy="289172"/>
           </a:xfrm>
           <a:prstGeom prst="roundRect">
             <a:avLst/>
           </a:prstGeom>
           <a:solidFill>
-            <a:schemeClr val="bg2">
-              <a:lumMod val="90000"/>
+            <a:schemeClr val="accent1">
+              <a:lumMod val="20000"/>
+              <a:lumOff val="80000"/>
             </a:schemeClr>
           </a:solidFill>
         </p:spPr>
@@ -5297,38 +5328,31 @@
           <a:p>
             <a:pPr algn="ctr"/>
             <a:r>
-              <a:rPr lang="ja-JP" altLang="en-US" sz="1100" dirty="0">
-                <a:solidFill>
-                  <a:schemeClr val="tx1"/>
-                </a:solidFill>
-              </a:rPr>
-              <a:t>タグ</a:t>
-            </a:r>
-            <a:endParaRPr kumimoji="1" lang="ja-JP" altLang="en-US" sz="1100" dirty="0">
-              <a:solidFill>
-                <a:schemeClr val="tx1"/>
-              </a:solidFill>
-            </a:endParaRPr>
-          </a:p>
-        </p:txBody>
-      </p:sp>
-      <p:sp>
-        <p:nvSpPr>
-          <p:cNvPr id="19" name="角丸四角形 18"/>
+              <a:rPr kumimoji="1" lang="ja-JP" altLang="en-US" sz="1100" dirty="0" smtClean="0"/>
+              <a:t>ブックマーク</a:t>
+            </a:r>
+            <a:endParaRPr kumimoji="1" lang="ja-JP" altLang="en-US" dirty="0"/>
+          </a:p>
+        </p:txBody>
+      </p:sp>
+      <p:sp>
+        <p:nvSpPr>
+          <p:cNvPr id="43" name="角丸四角形 42"/>
           <p:cNvSpPr/>
           <p:nvPr/>
         </p:nvSpPr>
         <p:spPr>
           <a:xfrm>
-            <a:off x="4178134" y="2033732"/>
-            <a:ext cx="647796" cy="241680"/>
+            <a:off x="3110740" y="2010817"/>
+            <a:ext cx="1044872" cy="289172"/>
           </a:xfrm>
           <a:prstGeom prst="roundRect">
             <a:avLst/>
           </a:prstGeom>
           <a:solidFill>
-            <a:schemeClr val="bg2">
-              <a:lumMod val="90000"/>
+            <a:schemeClr val="accent1">
+              <a:lumMod val="20000"/>
+              <a:lumOff val="80000"/>
             </a:schemeClr>
           </a:solidFill>
         </p:spPr>
@@ -5354,14 +5378,14 @@
           <a:p>
             <a:pPr algn="ctr"/>
             <a:r>
-              <a:rPr lang="ja-JP" altLang="en-US" sz="1100" dirty="0">
+              <a:rPr kumimoji="1" lang="ja-JP" altLang="en-US" sz="1100" dirty="0" smtClean="0">
                 <a:solidFill>
                   <a:schemeClr val="tx1"/>
                 </a:solidFill>
               </a:rPr>
-              <a:t>タグ</a:t>
-            </a:r>
-            <a:endParaRPr kumimoji="1" lang="ja-JP" altLang="en-US" sz="1100" dirty="0">
+              <a:t>ブックマーク</a:t>
+            </a:r>
+            <a:endParaRPr kumimoji="1" lang="ja-JP" altLang="en-US" dirty="0">
               <a:solidFill>
                 <a:schemeClr val="tx1"/>
               </a:solidFill>
@@ -5371,23 +5395,122 @@
       </p:sp>
       <p:sp>
         <p:nvSpPr>
-          <p:cNvPr id="42" name="角丸四角形 41"/>
+          <p:cNvPr id="21" name="テキスト ボックス 20"/>
+          <p:cNvSpPr txBox="1"/>
+          <p:nvPr/>
+        </p:nvSpPr>
+        <p:spPr>
+          <a:xfrm>
+            <a:off x="5200930" y="1957990"/>
+            <a:ext cx="1324680" cy="646331"/>
+          </a:xfrm>
+          <a:prstGeom prst="rect">
+            <a:avLst/>
+          </a:prstGeom>
+          <a:noFill/>
+        </p:spPr>
+        <p:txBody>
+          <a:bodyPr wrap="square" rtlCol="0">
+            <a:spAutoFit/>
+          </a:bodyPr>
+          <a:lstStyle/>
+          <a:p>
+            <a:r>
+              <a:rPr kumimoji="1" lang="ja-JP" altLang="en-US" sz="1200" dirty="0" smtClean="0"/>
+              <a:t>ブックマークにはタグなどをつけることができる．</a:t>
+            </a:r>
+            <a:endParaRPr kumimoji="1" lang="ja-JP" altLang="en-US" sz="1200" dirty="0"/>
+          </a:p>
+        </p:txBody>
+      </p:sp>
+      <p:sp>
+        <p:nvSpPr>
+          <p:cNvPr id="23" name="テキスト ボックス 22"/>
+          <p:cNvSpPr txBox="1"/>
+          <p:nvPr/>
+        </p:nvSpPr>
+        <p:spPr>
+          <a:xfrm>
+            <a:off x="4681209" y="3428303"/>
+            <a:ext cx="2088810" cy="461665"/>
+          </a:xfrm>
+          <a:prstGeom prst="rect">
+            <a:avLst/>
+          </a:prstGeom>
+          <a:noFill/>
+        </p:spPr>
+        <p:txBody>
+          <a:bodyPr wrap="square" rtlCol="0">
+            <a:spAutoFit/>
+          </a:bodyPr>
+          <a:lstStyle/>
+          <a:p>
+            <a:r>
+              <a:rPr lang="ja-JP" altLang="en-US" sz="1200" dirty="0"/>
+              <a:t>ローカル</a:t>
+            </a:r>
+            <a:r>
+              <a:rPr lang="ja-JP" altLang="en-US" sz="1200" dirty="0" smtClean="0"/>
+              <a:t>ではなくウェブ上にブックマークを保存する．</a:t>
+            </a:r>
+            <a:endParaRPr kumimoji="1" lang="ja-JP" altLang="en-US" sz="1200" dirty="0"/>
+          </a:p>
+        </p:txBody>
+      </p:sp>
+      <p:sp>
+        <p:nvSpPr>
+          <p:cNvPr id="24" name="テキスト ボックス 23"/>
+          <p:cNvSpPr txBox="1"/>
+          <p:nvPr/>
+        </p:nvSpPr>
+        <p:spPr>
+          <a:xfrm>
+            <a:off x="2662457" y="1745726"/>
+            <a:ext cx="1066318" cy="276999"/>
+          </a:xfrm>
+          <a:prstGeom prst="rect">
+            <a:avLst/>
+          </a:prstGeom>
+          <a:noFill/>
+        </p:spPr>
+        <p:txBody>
+          <a:bodyPr wrap="none" rtlCol="0">
+            <a:spAutoFit/>
+          </a:bodyPr>
+          <a:lstStyle/>
+          <a:p>
+            <a:r>
+              <a:rPr kumimoji="1" lang="ja-JP" altLang="en-US" sz="1200" dirty="0" smtClean="0">
+                <a:solidFill>
+                  <a:schemeClr val="bg1"/>
+                </a:solidFill>
+              </a:rPr>
+              <a:t>インターネット</a:t>
+            </a:r>
+            <a:endParaRPr kumimoji="1" lang="ja-JP" altLang="en-US" sz="1200" dirty="0">
+              <a:solidFill>
+                <a:schemeClr val="bg1"/>
+              </a:solidFill>
+            </a:endParaRPr>
+          </a:p>
+        </p:txBody>
+      </p:sp>
+      <p:sp>
+        <p:nvSpPr>
+          <p:cNvPr id="40" name="上矢印 39"/>
           <p:cNvSpPr/>
           <p:nvPr/>
         </p:nvSpPr>
         <p:spPr>
           <a:xfrm>
-            <a:off x="3220257" y="2099997"/>
-            <a:ext cx="1044872" cy="289172"/>
-          </a:xfrm>
-          <a:prstGeom prst="roundRect">
+            <a:off x="3355838" y="2367832"/>
+            <a:ext cx="272970" cy="770710"/>
+          </a:xfrm>
+          <a:prstGeom prst="upArrow">
             <a:avLst/>
           </a:prstGeom>
           <a:solidFill>
-            <a:schemeClr val="accent6">
-              <a:lumMod val="40000"/>
-              <a:lumOff val="60000"/>
-            </a:schemeClr>
+            <a:schemeClr val="bg1"/>
           </a:solidFill>
         </p:spPr>
         <p:style>
@@ -5411,32 +5534,28 @@
           <a:lstStyle/>
           <a:p>
             <a:pPr algn="ctr"/>
-            <a:r>
-              <a:rPr kumimoji="1" lang="ja-JP" altLang="en-US" sz="1100" dirty="0" smtClean="0"/>
-              <a:t>ブックマーク</a:t>
-            </a:r>
-            <a:endParaRPr kumimoji="1" lang="ja-JP" altLang="en-US" dirty="0"/>
-          </a:p>
-        </p:txBody>
-      </p:sp>
-      <p:sp>
-        <p:nvSpPr>
-          <p:cNvPr id="43" name="角丸四角形 42"/>
+            <a:endParaRPr kumimoji="1" lang="ja-JP" altLang="en-US"/>
+          </a:p>
+        </p:txBody>
+      </p:sp>
+      <p:sp>
+        <p:nvSpPr>
+          <p:cNvPr id="37" name="スマイル 36"/>
           <p:cNvSpPr/>
           <p:nvPr/>
         </p:nvSpPr>
         <p:spPr>
           <a:xfrm>
-            <a:off x="3110740" y="2010817"/>
-            <a:ext cx="1044872" cy="289172"/>
-          </a:xfrm>
-          <a:prstGeom prst="roundRect">
+            <a:off x="3114813" y="2901760"/>
+            <a:ext cx="755266" cy="689894"/>
+          </a:xfrm>
+          <a:prstGeom prst="smileyFace">
             <a:avLst/>
           </a:prstGeom>
           <a:solidFill>
-            <a:schemeClr val="accent6">
-              <a:lumMod val="40000"/>
-              <a:lumOff val="60000"/>
+            <a:schemeClr val="accent4">
+              <a:lumMod val="60000"/>
+              <a:lumOff val="40000"/>
             </a:schemeClr>
           </a:solidFill>
         </p:spPr>
@@ -5461,113 +5580,7 @@
           <a:lstStyle/>
           <a:p>
             <a:pPr algn="ctr"/>
-            <a:r>
-              <a:rPr kumimoji="1" lang="ja-JP" altLang="en-US" sz="1100" dirty="0" smtClean="0"/>
-              <a:t>ブックマーク</a:t>
-            </a:r>
-            <a:endParaRPr kumimoji="1" lang="ja-JP" altLang="en-US" dirty="0"/>
-          </a:p>
-        </p:txBody>
-      </p:sp>
-      <p:sp>
-        <p:nvSpPr>
-          <p:cNvPr id="21" name="テキスト ボックス 20"/>
-          <p:cNvSpPr txBox="1"/>
-          <p:nvPr/>
-        </p:nvSpPr>
-        <p:spPr>
-          <a:xfrm>
-            <a:off x="5200930" y="1957990"/>
-            <a:ext cx="1324680" cy="646331"/>
-          </a:xfrm>
-          <a:prstGeom prst="rect">
-            <a:avLst/>
-          </a:prstGeom>
-          <a:noFill/>
-        </p:spPr>
-        <p:txBody>
-          <a:bodyPr wrap="square" rtlCol="0">
-            <a:spAutoFit/>
-          </a:bodyPr>
-          <a:lstStyle/>
-          <a:p>
-            <a:r>
-              <a:rPr kumimoji="1" lang="ja-JP" altLang="en-US" sz="1200" dirty="0" smtClean="0"/>
-              <a:t>ブックマークにはタグなどをつけることができる．</a:t>
-            </a:r>
-            <a:endParaRPr kumimoji="1" lang="ja-JP" altLang="en-US" sz="1200" dirty="0"/>
-          </a:p>
-        </p:txBody>
-      </p:sp>
-      <p:sp>
-        <p:nvSpPr>
-          <p:cNvPr id="23" name="テキスト ボックス 22"/>
-          <p:cNvSpPr txBox="1"/>
-          <p:nvPr/>
-        </p:nvSpPr>
-        <p:spPr>
-          <a:xfrm>
-            <a:off x="4681209" y="3428303"/>
-            <a:ext cx="2088810" cy="461665"/>
-          </a:xfrm>
-          <a:prstGeom prst="rect">
-            <a:avLst/>
-          </a:prstGeom>
-          <a:noFill/>
-        </p:spPr>
-        <p:txBody>
-          <a:bodyPr wrap="square" rtlCol="0">
-            <a:spAutoFit/>
-          </a:bodyPr>
-          <a:lstStyle/>
-          <a:p>
-            <a:r>
-              <a:rPr lang="ja-JP" altLang="en-US" sz="1200" dirty="0"/>
-              <a:t>ローカル</a:t>
-            </a:r>
-            <a:r>
-              <a:rPr lang="ja-JP" altLang="en-US" sz="1200" dirty="0" smtClean="0"/>
-              <a:t>ではなくウェブ上にブックマークを保存する．</a:t>
-            </a:r>
-            <a:endParaRPr kumimoji="1" lang="ja-JP" altLang="en-US" sz="1200" dirty="0"/>
-          </a:p>
-        </p:txBody>
-      </p:sp>
-      <p:sp>
-        <p:nvSpPr>
-          <p:cNvPr id="24" name="テキスト ボックス 23"/>
-          <p:cNvSpPr txBox="1"/>
-          <p:nvPr/>
-        </p:nvSpPr>
-        <p:spPr>
-          <a:xfrm>
-            <a:off x="2662457" y="1745726"/>
-            <a:ext cx="1066318" cy="276999"/>
-          </a:xfrm>
-          <a:prstGeom prst="rect">
-            <a:avLst/>
-          </a:prstGeom>
-          <a:noFill/>
-        </p:spPr>
-        <p:txBody>
-          <a:bodyPr wrap="none" rtlCol="0">
-            <a:spAutoFit/>
-          </a:bodyPr>
-          <a:lstStyle/>
-          <a:p>
-            <a:r>
-              <a:rPr kumimoji="1" lang="ja-JP" altLang="en-US" sz="1200" dirty="0" smtClean="0">
-                <a:solidFill>
-                  <a:schemeClr val="bg1"/>
-                </a:solidFill>
-              </a:rPr>
-              <a:t>インターネット</a:t>
-            </a:r>
-            <a:endParaRPr kumimoji="1" lang="ja-JP" altLang="en-US" sz="1200" dirty="0">
-              <a:solidFill>
-                <a:schemeClr val="bg1"/>
-              </a:solidFill>
-            </a:endParaRPr>
+            <a:endParaRPr kumimoji="1" lang="ja-JP" altLang="en-US"/>
           </a:p>
         </p:txBody>
       </p:sp>

--- a/卒業論文/2015/遠藤一輝/中間発表/中間審査＿ポスター＿遠藤一輝.pptx
+++ b/卒業論文/2015/遠藤一輝/中間発表/中間審査＿ポスター＿遠藤一輝.pptx
@@ -243,7 +243,7 @@
           <a:p>
             <a:fld id="{B4B2CA72-24AD-4332-9D1C-35DD63E783C0}" type="datetimeFigureOut">
               <a:rPr kumimoji="1" lang="ja-JP" altLang="en-US" smtClean="0"/>
-              <a:t>2016/10/11</a:t>
+              <a:t>2016/10/12</a:t>
             </a:fld>
             <a:endParaRPr kumimoji="1" lang="ja-JP" altLang="en-US"/>
           </a:p>
@@ -445,7 +445,7 @@
           <a:p>
             <a:fld id="{B4B2CA72-24AD-4332-9D1C-35DD63E783C0}" type="datetimeFigureOut">
               <a:rPr kumimoji="1" lang="ja-JP" altLang="en-US" smtClean="0"/>
-              <a:t>2016/10/11</a:t>
+              <a:t>2016/10/12</a:t>
             </a:fld>
             <a:endParaRPr kumimoji="1" lang="ja-JP" altLang="en-US"/>
           </a:p>
@@ -657,7 +657,7 @@
           <a:p>
             <a:fld id="{B4B2CA72-24AD-4332-9D1C-35DD63E783C0}" type="datetimeFigureOut">
               <a:rPr kumimoji="1" lang="ja-JP" altLang="en-US" smtClean="0"/>
-              <a:t>2016/10/11</a:t>
+              <a:t>2016/10/12</a:t>
             </a:fld>
             <a:endParaRPr kumimoji="1" lang="ja-JP" altLang="en-US"/>
           </a:p>
@@ -859,7 +859,7 @@
           <a:p>
             <a:fld id="{B4B2CA72-24AD-4332-9D1C-35DD63E783C0}" type="datetimeFigureOut">
               <a:rPr kumimoji="1" lang="ja-JP" altLang="en-US" smtClean="0"/>
-              <a:t>2016/10/11</a:t>
+              <a:t>2016/10/12</a:t>
             </a:fld>
             <a:endParaRPr kumimoji="1" lang="ja-JP" altLang="en-US"/>
           </a:p>
@@ -1105,7 +1105,7 @@
           <a:p>
             <a:fld id="{B4B2CA72-24AD-4332-9D1C-35DD63E783C0}" type="datetimeFigureOut">
               <a:rPr kumimoji="1" lang="ja-JP" altLang="en-US" smtClean="0"/>
-              <a:t>2016/10/11</a:t>
+              <a:t>2016/10/12</a:t>
             </a:fld>
             <a:endParaRPr kumimoji="1" lang="ja-JP" altLang="en-US"/>
           </a:p>
@@ -1401,7 +1401,7 @@
           <a:p>
             <a:fld id="{B4B2CA72-24AD-4332-9D1C-35DD63E783C0}" type="datetimeFigureOut">
               <a:rPr kumimoji="1" lang="ja-JP" altLang="en-US" smtClean="0"/>
-              <a:t>2016/10/11</a:t>
+              <a:t>2016/10/12</a:t>
             </a:fld>
             <a:endParaRPr kumimoji="1" lang="ja-JP" altLang="en-US"/>
           </a:p>
@@ -1832,7 +1832,7 @@
           <a:p>
             <a:fld id="{B4B2CA72-24AD-4332-9D1C-35DD63E783C0}" type="datetimeFigureOut">
               <a:rPr kumimoji="1" lang="ja-JP" altLang="en-US" smtClean="0"/>
-              <a:t>2016/10/11</a:t>
+              <a:t>2016/10/12</a:t>
             </a:fld>
             <a:endParaRPr kumimoji="1" lang="ja-JP" altLang="en-US"/>
           </a:p>
@@ -1950,7 +1950,7 @@
           <a:p>
             <a:fld id="{B4B2CA72-24AD-4332-9D1C-35DD63E783C0}" type="datetimeFigureOut">
               <a:rPr kumimoji="1" lang="ja-JP" altLang="en-US" smtClean="0"/>
-              <a:t>2016/10/11</a:t>
+              <a:t>2016/10/12</a:t>
             </a:fld>
             <a:endParaRPr kumimoji="1" lang="ja-JP" altLang="en-US"/>
           </a:p>
@@ -2045,7 +2045,7 @@
           <a:p>
             <a:fld id="{B4B2CA72-24AD-4332-9D1C-35DD63E783C0}" type="datetimeFigureOut">
               <a:rPr kumimoji="1" lang="ja-JP" altLang="en-US" smtClean="0"/>
-              <a:t>2016/10/11</a:t>
+              <a:t>2016/10/12</a:t>
             </a:fld>
             <a:endParaRPr kumimoji="1" lang="ja-JP" altLang="en-US"/>
           </a:p>
@@ -2354,7 +2354,7 @@
           <a:p>
             <a:fld id="{B4B2CA72-24AD-4332-9D1C-35DD63E783C0}" type="datetimeFigureOut">
               <a:rPr kumimoji="1" lang="ja-JP" altLang="en-US" smtClean="0"/>
-              <a:t>2016/10/11</a:t>
+              <a:t>2016/10/12</a:t>
             </a:fld>
             <a:endParaRPr kumimoji="1" lang="ja-JP" altLang="en-US"/>
           </a:p>
@@ -2607,7 +2607,7 @@
           <a:p>
             <a:fld id="{B4B2CA72-24AD-4332-9D1C-35DD63E783C0}" type="datetimeFigureOut">
               <a:rPr kumimoji="1" lang="ja-JP" altLang="en-US" smtClean="0"/>
-              <a:t>2016/10/11</a:t>
+              <a:t>2016/10/12</a:t>
             </a:fld>
             <a:endParaRPr kumimoji="1" lang="ja-JP" altLang="en-US"/>
           </a:p>
@@ -2852,7 +2852,7 @@
           <a:p>
             <a:fld id="{B4B2CA72-24AD-4332-9D1C-35DD63E783C0}" type="datetimeFigureOut">
               <a:rPr kumimoji="1" lang="ja-JP" altLang="en-US" smtClean="0"/>
-              <a:t>2016/10/11</a:t>
+              <a:t>2016/10/12</a:t>
             </a:fld>
             <a:endParaRPr kumimoji="1" lang="ja-JP" altLang="en-US"/>
           </a:p>
@@ -3486,23 +3486,7 @@
                   <a:schemeClr val="tx1"/>
                 </a:solidFill>
               </a:rPr>
-              <a:t>ユーザ数</a:t>
-            </a:r>
-            <a:r>
-              <a:rPr lang="ja-JP" altLang="en-US" sz="1200" dirty="0" smtClean="0">
-                <a:solidFill>
-                  <a:schemeClr val="tx1"/>
-                </a:solidFill>
-              </a:rPr>
-              <a:t>の</a:t>
-            </a:r>
-            <a:r>
-              <a:rPr lang="ja-JP" altLang="en-US" sz="1200" dirty="0" smtClean="0">
-                <a:solidFill>
-                  <a:schemeClr val="tx1"/>
-                </a:solidFill>
-              </a:rPr>
-              <a:t>増加に大きく</a:t>
+              <a:t>ユーザ数の増加に大きく</a:t>
             </a:r>
             <a:r>
               <a:rPr lang="ja-JP" altLang="en-US" sz="1200" dirty="0">
@@ -3581,23 +3565,7 @@
                   <a:schemeClr val="tx1"/>
                 </a:solidFill>
               </a:rPr>
-              <a:t>考察</a:t>
-            </a:r>
-            <a:r>
-              <a:rPr lang="ja-JP" altLang="en-US" sz="1200" dirty="0" smtClean="0">
-                <a:solidFill>
-                  <a:schemeClr val="tx1"/>
-                </a:solidFill>
-              </a:rPr>
-              <a:t>し，</a:t>
-            </a:r>
-            <a:r>
-              <a:rPr lang="ja-JP" altLang="en-US" sz="1200" dirty="0" smtClean="0">
-                <a:solidFill>
-                  <a:schemeClr val="tx1"/>
-                </a:solidFill>
-              </a:rPr>
-              <a:t>ウェブマーケティングにおける一つの指標とする．</a:t>
+              <a:t>考察し，ウェブマーケティングにおける一つの指標とする．</a:t>
             </a:r>
             <a:endParaRPr lang="en-US" altLang="ja-JP" sz="1200" dirty="0" smtClean="0">
               <a:solidFill>
@@ -3625,6 +3593,9 @@
             <a:avLst/>
           </a:prstGeom>
           <a:ln>
+            <a:solidFill>
+              <a:schemeClr val="tx1"/>
+            </a:solidFill>
             <a:tailEnd type="triangle"/>
           </a:ln>
         </p:spPr>
@@ -3658,11 +3629,16 @@
             <a:avLst/>
           </a:prstGeom>
           <a:solidFill>
-            <a:schemeClr val="accent2"/>
+            <a:schemeClr val="accent5">
+              <a:lumMod val="20000"/>
+              <a:lumOff val="80000"/>
+            </a:schemeClr>
           </a:solidFill>
           <a:ln>
             <a:solidFill>
-              <a:schemeClr val="tx1"/>
+              <a:schemeClr val="accent1">
+                <a:lumMod val="75000"/>
+              </a:schemeClr>
             </a:solidFill>
           </a:ln>
         </p:spPr>
@@ -3793,11 +3769,267 @@
             <a:avLst/>
           </a:prstGeom>
           <a:solidFill>
-            <a:schemeClr val="accent2"/>
+            <a:schemeClr val="accent1">
+              <a:lumMod val="20000"/>
+              <a:lumOff val="80000"/>
+            </a:schemeClr>
+          </a:solidFill>
+          <a:ln/>
+        </p:spPr>
+        <p:style>
+          <a:lnRef idx="2">
+            <a:schemeClr val="accent5"/>
+          </a:lnRef>
+          <a:fillRef idx="1">
+            <a:schemeClr val="lt1"/>
+          </a:fillRef>
+          <a:effectRef idx="0">
+            <a:schemeClr val="accent5"/>
+          </a:effectRef>
+          <a:fontRef idx="minor">
+            <a:schemeClr val="dk1"/>
+          </a:fontRef>
+        </p:style>
+        <p:txBody>
+          <a:bodyPr rot="0" spcFirstLastPara="0" vertOverflow="overflow" horzOverflow="overflow" vert="horz" wrap="square" lIns="74295" tIns="37148" rIns="74295" bIns="37148" numCol="1" spcCol="0" rtlCol="0" fromWordArt="0" anchor="ctr" anchorCtr="0" forceAA="0" compatLnSpc="1">
+            <a:prstTxWarp prst="textNoShape">
+              <a:avLst/>
+            </a:prstTxWarp>
+            <a:noAutofit/>
+          </a:bodyPr>
+          <a:lstStyle/>
+          <a:p>
+            <a:pPr algn="ctr"/>
+            <a:r>
+              <a:rPr lang="ja-JP" altLang="en-US" sz="2000" dirty="0" smtClean="0">
+                <a:solidFill>
+                  <a:schemeClr val="tx1"/>
+                </a:solidFill>
+              </a:rPr>
+              <a:t>背景</a:t>
+            </a:r>
+            <a:endParaRPr lang="ja-JP" altLang="en-US" sz="2000" dirty="0">
+              <a:solidFill>
+                <a:schemeClr val="tx1"/>
+              </a:solidFill>
+            </a:endParaRPr>
+          </a:p>
+        </p:txBody>
+      </p:sp>
+      <p:sp>
+        <p:nvSpPr>
+          <p:cNvPr id="41" name="フローチャート: 代替処理 40"/>
+          <p:cNvSpPr/>
+          <p:nvPr/>
+        </p:nvSpPr>
+        <p:spPr>
+          <a:xfrm>
+            <a:off x="2816803" y="4045550"/>
+            <a:ext cx="757627" cy="317320"/>
+          </a:xfrm>
+          <a:prstGeom prst="flowChartAlternateProcess">
+            <a:avLst/>
+          </a:prstGeom>
+          <a:solidFill>
+            <a:schemeClr val="accent1">
+              <a:lumMod val="20000"/>
+              <a:lumOff val="80000"/>
+            </a:schemeClr>
+          </a:solidFill>
+          <a:ln/>
+        </p:spPr>
+        <p:style>
+          <a:lnRef idx="2">
+            <a:schemeClr val="accent5"/>
+          </a:lnRef>
+          <a:fillRef idx="1">
+            <a:schemeClr val="lt1"/>
+          </a:fillRef>
+          <a:effectRef idx="0">
+            <a:schemeClr val="accent5"/>
+          </a:effectRef>
+          <a:fontRef idx="minor">
+            <a:schemeClr val="dk1"/>
+          </a:fontRef>
+        </p:style>
+        <p:txBody>
+          <a:bodyPr rot="0" spcFirstLastPara="0" vertOverflow="overflow" horzOverflow="overflow" vert="horz" wrap="square" lIns="74295" tIns="37148" rIns="74295" bIns="37148" numCol="1" spcCol="0" rtlCol="0" fromWordArt="0" anchor="ctr" anchorCtr="0" forceAA="0" compatLnSpc="1">
+            <a:prstTxWarp prst="textNoShape">
+              <a:avLst/>
+            </a:prstTxWarp>
+            <a:noAutofit/>
+          </a:bodyPr>
+          <a:lstStyle/>
+          <a:p>
+            <a:pPr algn="ctr"/>
+            <a:r>
+              <a:rPr lang="ja-JP" altLang="en-US" sz="2000" dirty="0">
+                <a:solidFill>
+                  <a:schemeClr val="tx1"/>
+                </a:solidFill>
+              </a:rPr>
+              <a:t>手</a:t>
+            </a:r>
+            <a:r>
+              <a:rPr lang="ja-JP" altLang="en-US" sz="2000" dirty="0" smtClean="0">
+                <a:solidFill>
+                  <a:schemeClr val="tx1"/>
+                </a:solidFill>
+              </a:rPr>
+              <a:t>法</a:t>
+            </a:r>
+            <a:endParaRPr lang="ja-JP" altLang="en-US" sz="2000" dirty="0">
+              <a:solidFill>
+                <a:schemeClr val="tx1"/>
+              </a:solidFill>
+            </a:endParaRPr>
+          </a:p>
+        </p:txBody>
+      </p:sp>
+      <p:sp>
+        <p:nvSpPr>
+          <p:cNvPr id="27" name="フローチャート: 代替処理 26"/>
+          <p:cNvSpPr/>
+          <p:nvPr/>
+        </p:nvSpPr>
+        <p:spPr>
+          <a:xfrm>
+            <a:off x="123035" y="5566609"/>
+            <a:ext cx="745180" cy="346022"/>
+          </a:xfrm>
+          <a:prstGeom prst="flowChartAlternateProcess">
+            <a:avLst/>
+          </a:prstGeom>
+          <a:solidFill>
+            <a:schemeClr val="accent1">
+              <a:lumMod val="20000"/>
+              <a:lumOff val="80000"/>
+            </a:schemeClr>
+          </a:solidFill>
+          <a:ln/>
+        </p:spPr>
+        <p:style>
+          <a:lnRef idx="2">
+            <a:schemeClr val="accent5"/>
+          </a:lnRef>
+          <a:fillRef idx="1">
+            <a:schemeClr val="lt1"/>
+          </a:fillRef>
+          <a:effectRef idx="0">
+            <a:schemeClr val="accent5"/>
+          </a:effectRef>
+          <a:fontRef idx="minor">
+            <a:schemeClr val="dk1"/>
+          </a:fontRef>
+        </p:style>
+        <p:txBody>
+          <a:bodyPr rot="0" spcFirstLastPara="0" vertOverflow="overflow" horzOverflow="overflow" vert="horz" wrap="square" lIns="74295" tIns="37148" rIns="74295" bIns="37148" numCol="1" spcCol="0" rtlCol="0" fromWordArt="0" anchor="ctr" anchorCtr="0" forceAA="0" compatLnSpc="1">
+            <a:prstTxWarp prst="textNoShape">
+              <a:avLst/>
+            </a:prstTxWarp>
+            <a:noAutofit/>
+          </a:bodyPr>
+          <a:lstStyle/>
+          <a:p>
+            <a:pPr algn="ctr"/>
+            <a:r>
+              <a:rPr lang="ja-JP" altLang="en-US" sz="2000" dirty="0">
+                <a:solidFill>
+                  <a:schemeClr val="tx1"/>
+                </a:solidFill>
+              </a:rPr>
+              <a:t>目的</a:t>
+            </a:r>
+          </a:p>
+        </p:txBody>
+      </p:sp>
+      <p:sp>
+        <p:nvSpPr>
+          <p:cNvPr id="49" name="フローチャート: 代替処理 48"/>
+          <p:cNvSpPr/>
+          <p:nvPr/>
+        </p:nvSpPr>
+        <p:spPr>
+          <a:xfrm>
+            <a:off x="123035" y="7312013"/>
+            <a:ext cx="1537577" cy="319788"/>
+          </a:xfrm>
+          <a:prstGeom prst="flowChartAlternateProcess">
+            <a:avLst/>
+          </a:prstGeom>
+          <a:solidFill>
+            <a:schemeClr val="accent1">
+              <a:lumMod val="20000"/>
+              <a:lumOff val="80000"/>
+            </a:schemeClr>
+          </a:solidFill>
+          <a:ln/>
+        </p:spPr>
+        <p:style>
+          <a:lnRef idx="2">
+            <a:schemeClr val="accent5"/>
+          </a:lnRef>
+          <a:fillRef idx="1">
+            <a:schemeClr val="lt1"/>
+          </a:fillRef>
+          <a:effectRef idx="0">
+            <a:schemeClr val="accent5"/>
+          </a:effectRef>
+          <a:fontRef idx="minor">
+            <a:schemeClr val="dk1"/>
+          </a:fontRef>
+        </p:style>
+        <p:txBody>
+          <a:bodyPr rot="0" spcFirstLastPara="0" vertOverflow="overflow" horzOverflow="overflow" vert="horz" wrap="square" lIns="74295" tIns="37148" rIns="74295" bIns="37148" numCol="1" spcCol="0" rtlCol="0" fromWordArt="0" anchor="ctr" anchorCtr="0" forceAA="0" compatLnSpc="1">
+            <a:prstTxWarp prst="textNoShape">
+              <a:avLst/>
+            </a:prstTxWarp>
+            <a:noAutofit/>
+          </a:bodyPr>
+          <a:lstStyle/>
+          <a:p>
+            <a:pPr algn="ctr"/>
+            <a:r>
+              <a:rPr lang="ja-JP" altLang="en-US" sz="2000" dirty="0" smtClean="0">
+                <a:solidFill>
+                  <a:schemeClr val="tx1"/>
+                </a:solidFill>
+              </a:rPr>
+              <a:t>研究の進捗</a:t>
+            </a:r>
+            <a:endParaRPr lang="ja-JP" altLang="en-US" sz="2000" dirty="0">
+              <a:solidFill>
+                <a:schemeClr val="tx1"/>
+              </a:solidFill>
+            </a:endParaRPr>
+          </a:p>
+        </p:txBody>
+      </p:sp>
+      <p:sp>
+        <p:nvSpPr>
+          <p:cNvPr id="50" name="フローチャート: 代替処理 49"/>
+          <p:cNvSpPr/>
+          <p:nvPr/>
+        </p:nvSpPr>
+        <p:spPr>
+          <a:xfrm>
+            <a:off x="153138" y="8295878"/>
+            <a:ext cx="1537577" cy="319788"/>
+          </a:xfrm>
+          <a:prstGeom prst="flowChartAlternateProcess">
+            <a:avLst/>
+          </a:prstGeom>
+          <a:solidFill>
+            <a:schemeClr val="accent1">
+              <a:lumMod val="20000"/>
+              <a:lumOff val="80000"/>
+            </a:schemeClr>
           </a:solidFill>
           <a:ln>
             <a:solidFill>
-              <a:schemeClr val="tx1"/>
+              <a:schemeClr val="accent1">
+                <a:lumMod val="75000"/>
+              </a:schemeClr>
             </a:solidFill>
           </a:ln>
         </p:spPr>
@@ -3833,7 +4065,7 @@
                   <a:schemeClr val="tx1"/>
                 </a:solidFill>
               </a:rPr>
-              <a:t>背景</a:t>
+              <a:t>今後の計画</a:t>
             </a:r>
             <a:endParaRPr lang="ja-JP" altLang="en-US" sz="2000" dirty="0">
               <a:solidFill>
@@ -3845,26 +4077,674 @@
       </p:sp>
       <p:sp>
         <p:nvSpPr>
-          <p:cNvPr id="41" name="フローチャート: 代替処理 40"/>
+          <p:cNvPr id="6" name="テキスト ボックス 5"/>
+          <p:cNvSpPr txBox="1"/>
+          <p:nvPr/>
+        </p:nvSpPr>
+        <p:spPr>
+          <a:xfrm>
+            <a:off x="228823" y="8696369"/>
+            <a:ext cx="2736647" cy="276999"/>
+          </a:xfrm>
+          <a:prstGeom prst="rect">
+            <a:avLst/>
+          </a:prstGeom>
+          <a:noFill/>
+        </p:spPr>
+        <p:txBody>
+          <a:bodyPr wrap="none" rtlCol="0">
+            <a:spAutoFit/>
+          </a:bodyPr>
+          <a:lstStyle/>
+          <a:p>
+            <a:r>
+              <a:rPr lang="ja-JP" altLang="en-US" sz="1200" dirty="0"/>
+              <a:t>以下のように研究を進める計画である．</a:t>
+            </a:r>
+            <a:endParaRPr kumimoji="1" lang="ja-JP" altLang="en-US" sz="1200" dirty="0"/>
+          </a:p>
+        </p:txBody>
+      </p:sp>
+      <p:sp>
+        <p:nvSpPr>
+          <p:cNvPr id="8" name="テキスト ボックス 7"/>
+          <p:cNvSpPr txBox="1"/>
+          <p:nvPr/>
+        </p:nvSpPr>
+        <p:spPr>
+          <a:xfrm>
+            <a:off x="228823" y="8961962"/>
+            <a:ext cx="4756430" cy="830997"/>
+          </a:xfrm>
+          <a:prstGeom prst="rect">
+            <a:avLst/>
+          </a:prstGeom>
+          <a:noFill/>
+        </p:spPr>
+        <p:txBody>
+          <a:bodyPr wrap="none" rtlCol="0">
+            <a:spAutoFit/>
+          </a:bodyPr>
+          <a:lstStyle/>
+          <a:p>
+            <a:pPr marL="342900" indent="-342900">
+              <a:buFont typeface="+mj-lt"/>
+              <a:buAutoNum type="arabicPeriod"/>
+            </a:pPr>
+            <a:r>
+              <a:rPr lang="ja-JP" altLang="en-US" sz="1200" dirty="0"/>
+              <a:t>はてな</a:t>
+            </a:r>
+            <a:r>
+              <a:rPr lang="ja-JP" altLang="en-US" sz="1200" dirty="0" smtClean="0"/>
+              <a:t>ブックマークの各ジャンルのエントリから</a:t>
+            </a:r>
+            <a:r>
+              <a:rPr lang="ja-JP" altLang="en-US" sz="1200" dirty="0"/>
+              <a:t>データ</a:t>
+            </a:r>
+            <a:r>
+              <a:rPr lang="ja-JP" altLang="en-US" sz="1200" dirty="0" smtClean="0"/>
+              <a:t>を収集する．</a:t>
+            </a:r>
+            <a:endParaRPr lang="en-US" altLang="ja-JP" sz="1200" dirty="0" smtClean="0"/>
+          </a:p>
+          <a:p>
+            <a:pPr marL="342900" indent="-342900">
+              <a:buFont typeface="+mj-lt"/>
+              <a:buAutoNum type="arabicPeriod"/>
+            </a:pPr>
+            <a:r>
+              <a:rPr lang="ja-JP" altLang="en-US" sz="1200" dirty="0"/>
+              <a:t>記録</a:t>
+            </a:r>
+            <a:r>
+              <a:rPr lang="ja-JP" altLang="en-US" sz="1200" dirty="0" smtClean="0"/>
+              <a:t>した</a:t>
+            </a:r>
+            <a:r>
+              <a:rPr lang="ja-JP" altLang="en-US" sz="1200" dirty="0"/>
+              <a:t>データ</a:t>
+            </a:r>
+            <a:r>
+              <a:rPr lang="ja-JP" altLang="en-US" sz="1200" dirty="0" smtClean="0"/>
+              <a:t>をもとに分析</a:t>
+            </a:r>
+            <a:r>
+              <a:rPr lang="ja-JP" altLang="en-US" sz="1200" dirty="0"/>
+              <a:t>をし</a:t>
+            </a:r>
+            <a:r>
+              <a:rPr lang="ja-JP" altLang="en-US" sz="1200" dirty="0" smtClean="0"/>
+              <a:t>，各要素の重要度</a:t>
+            </a:r>
+            <a:r>
+              <a:rPr lang="ja-JP" altLang="en-US" sz="1200" dirty="0"/>
+              <a:t>の算出を行う</a:t>
+            </a:r>
+            <a:r>
+              <a:rPr lang="ja-JP" altLang="en-US" sz="1200" dirty="0" smtClean="0"/>
+              <a:t>．</a:t>
+            </a:r>
+            <a:endParaRPr lang="en-US" altLang="ja-JP" sz="1200" dirty="0" smtClean="0"/>
+          </a:p>
+          <a:p>
+            <a:pPr marL="342900" indent="-342900">
+              <a:buFont typeface="+mj-lt"/>
+              <a:buAutoNum type="arabicPeriod"/>
+            </a:pPr>
+            <a:r>
+              <a:rPr lang="ja-JP" altLang="en-US" sz="1200" dirty="0"/>
+              <a:t>分析した結果をもとにウェブマーケティング手法の提案</a:t>
+            </a:r>
+            <a:r>
+              <a:rPr lang="ja-JP" altLang="en-US" sz="1200" dirty="0" smtClean="0"/>
+              <a:t>をする．</a:t>
+            </a:r>
+            <a:endParaRPr lang="en-US" altLang="ja-JP" sz="1200" dirty="0" smtClean="0"/>
+          </a:p>
+          <a:p>
+            <a:pPr marL="342900" indent="-342900">
+              <a:buFont typeface="+mj-lt"/>
+              <a:buAutoNum type="arabicPeriod"/>
+            </a:pPr>
+            <a:r>
+              <a:rPr lang="ja-JP" altLang="en-US" sz="1200" dirty="0" smtClean="0"/>
+              <a:t>その</a:t>
+            </a:r>
+            <a:r>
+              <a:rPr lang="ja-JP" altLang="en-US" sz="1200" dirty="0"/>
+              <a:t>信憑性の向上を図る．</a:t>
+            </a:r>
+            <a:endParaRPr kumimoji="1" lang="ja-JP" altLang="en-US" sz="1200" dirty="0"/>
+          </a:p>
+        </p:txBody>
+      </p:sp>
+      <p:sp>
+        <p:nvSpPr>
+          <p:cNvPr id="47" name="正方形/長方形 46"/>
           <p:cNvSpPr/>
           <p:nvPr/>
         </p:nvSpPr>
         <p:spPr>
           <a:xfrm>
-            <a:off x="2816803" y="4045550"/>
-            <a:ext cx="757627" cy="317320"/>
-          </a:xfrm>
-          <a:prstGeom prst="flowChartAlternateProcess">
+            <a:off x="2923325" y="5398458"/>
+            <a:ext cx="998611" cy="670563"/>
+          </a:xfrm>
+          <a:prstGeom prst="rect">
+            <a:avLst/>
+          </a:prstGeom>
+        </p:spPr>
+        <p:style>
+          <a:lnRef idx="2">
+            <a:schemeClr val="dk1"/>
+          </a:lnRef>
+          <a:fillRef idx="1">
+            <a:schemeClr val="lt1"/>
+          </a:fillRef>
+          <a:effectRef idx="0">
+            <a:schemeClr val="dk1"/>
+          </a:effectRef>
+          <a:fontRef idx="minor">
+            <a:schemeClr val="dk1"/>
+          </a:fontRef>
+        </p:style>
+        <p:txBody>
+          <a:bodyPr rtlCol="0" anchor="ctr"/>
+          <a:lstStyle/>
+          <a:p>
+            <a:pPr algn="ctr"/>
+            <a:r>
+              <a:rPr kumimoji="1" lang="ja-JP" altLang="en-US" b="1" dirty="0" smtClean="0"/>
+              <a:t>記事</a:t>
+            </a:r>
+            <a:endParaRPr kumimoji="1" lang="ja-JP" altLang="en-US" b="1" dirty="0"/>
+          </a:p>
+        </p:txBody>
+      </p:sp>
+      <p:cxnSp>
+        <p:nvCxnSpPr>
+          <p:cNvPr id="56" name="直線矢印コネクタ 55"/>
+          <p:cNvCxnSpPr>
+            <a:stCxn id="52" idx="2"/>
+            <a:endCxn id="47" idx="0"/>
+          </p:cNvCxnSpPr>
+          <p:nvPr/>
+        </p:nvCxnSpPr>
+        <p:spPr>
+          <a:xfrm>
+            <a:off x="3422631" y="5212700"/>
+            <a:ext cx="0" cy="185758"/>
+          </a:xfrm>
+          <a:prstGeom prst="straightConnector1">
+            <a:avLst/>
+          </a:prstGeom>
+          <a:ln>
+            <a:solidFill>
+              <a:schemeClr val="tx1"/>
+            </a:solidFill>
+            <a:tailEnd type="triangle"/>
+          </a:ln>
+        </p:spPr>
+        <p:style>
+          <a:lnRef idx="1">
+            <a:schemeClr val="accent1"/>
+          </a:lnRef>
+          <a:fillRef idx="0">
+            <a:schemeClr val="accent1"/>
+          </a:fillRef>
+          <a:effectRef idx="0">
+            <a:schemeClr val="accent1"/>
+          </a:effectRef>
+          <a:fontRef idx="minor">
+            <a:schemeClr val="tx1"/>
+          </a:fontRef>
+        </p:style>
+      </p:cxnSp>
+      <p:sp>
+        <p:nvSpPr>
+          <p:cNvPr id="63" name="正方形/長方形 62"/>
+          <p:cNvSpPr/>
+          <p:nvPr/>
+        </p:nvSpPr>
+        <p:spPr>
+          <a:xfrm>
+            <a:off x="2923325" y="6303757"/>
+            <a:ext cx="998611" cy="781558"/>
+          </a:xfrm>
+          <a:prstGeom prst="rect">
+            <a:avLst/>
+          </a:prstGeom>
+        </p:spPr>
+        <p:style>
+          <a:lnRef idx="2">
+            <a:schemeClr val="dk1"/>
+          </a:lnRef>
+          <a:fillRef idx="1">
+            <a:schemeClr val="lt1"/>
+          </a:fillRef>
+          <a:effectRef idx="0">
+            <a:schemeClr val="dk1"/>
+          </a:effectRef>
+          <a:fontRef idx="minor">
+            <a:schemeClr val="dk1"/>
+          </a:fontRef>
+        </p:style>
+        <p:txBody>
+          <a:bodyPr rtlCol="0" anchor="ctr"/>
+          <a:lstStyle/>
+          <a:p>
+            <a:pPr algn="ctr"/>
+            <a:r>
+              <a:rPr kumimoji="1" lang="ja-JP" altLang="en-US" b="1" dirty="0" smtClean="0"/>
+              <a:t>分析</a:t>
+            </a:r>
+            <a:endParaRPr kumimoji="1" lang="ja-JP" altLang="en-US" b="1" dirty="0"/>
+          </a:p>
+        </p:txBody>
+      </p:sp>
+      <p:sp>
+        <p:nvSpPr>
+          <p:cNvPr id="14" name="テキスト ボックス 13"/>
+          <p:cNvSpPr txBox="1"/>
+          <p:nvPr/>
+        </p:nvSpPr>
+        <p:spPr>
+          <a:xfrm>
+            <a:off x="139058" y="4429011"/>
+            <a:ext cx="2571812" cy="1015663"/>
+          </a:xfrm>
+          <a:prstGeom prst="rect">
             <a:avLst/>
           </a:prstGeom>
           <a:solidFill>
-            <a:schemeClr val="accent2"/>
+            <a:schemeClr val="bg1"/>
           </a:solidFill>
           <a:ln>
             <a:solidFill>
               <a:schemeClr val="tx1"/>
             </a:solidFill>
           </a:ln>
+        </p:spPr>
+        <p:txBody>
+          <a:bodyPr wrap="square" rtlCol="0">
+            <a:spAutoFit/>
+          </a:bodyPr>
+          <a:lstStyle/>
+          <a:p>
+            <a:r>
+              <a:rPr lang="ja-JP" altLang="en-US" sz="1200" dirty="0"/>
+              <a:t>私たちの周りには多くの情報が</a:t>
+            </a:r>
+            <a:r>
+              <a:rPr lang="ja-JP" altLang="en-US" sz="1200" dirty="0" smtClean="0"/>
+              <a:t>あふれている．私たちは取捨選択を行うことで自身に必要な情報を</a:t>
+            </a:r>
+            <a:r>
+              <a:rPr kumimoji="1" lang="ja-JP" altLang="en-US" sz="1200" dirty="0" smtClean="0"/>
+              <a:t>得ている．</a:t>
+            </a:r>
+            <a:endParaRPr kumimoji="1" lang="en-US" altLang="ja-JP" sz="1200" dirty="0" smtClean="0"/>
+          </a:p>
+          <a:p>
+            <a:r>
+              <a:rPr kumimoji="1" lang="ja-JP" altLang="en-US" sz="1200" dirty="0" smtClean="0"/>
+              <a:t>では，情報の取捨選択にはどのような点が大きな影響をもたらしたの</a:t>
+            </a:r>
+            <a:r>
+              <a:rPr lang="ja-JP" altLang="en-US" sz="1200" dirty="0" smtClean="0"/>
+              <a:t>か．</a:t>
+            </a:r>
+            <a:endParaRPr kumimoji="1" lang="en-US" altLang="ja-JP" sz="1200" dirty="0" smtClean="0"/>
+          </a:p>
+        </p:txBody>
+      </p:sp>
+      <p:sp>
+        <p:nvSpPr>
+          <p:cNvPr id="52" name="正方形/長方形 51"/>
+          <p:cNvSpPr/>
+          <p:nvPr/>
+        </p:nvSpPr>
+        <p:spPr>
+          <a:xfrm>
+            <a:off x="2923325" y="4514974"/>
+            <a:ext cx="998611" cy="697726"/>
+          </a:xfrm>
+          <a:prstGeom prst="rect">
+            <a:avLst/>
+          </a:prstGeom>
+        </p:spPr>
+        <p:style>
+          <a:lnRef idx="2">
+            <a:schemeClr val="dk1"/>
+          </a:lnRef>
+          <a:fillRef idx="1">
+            <a:schemeClr val="lt1"/>
+          </a:fillRef>
+          <a:effectRef idx="0">
+            <a:schemeClr val="dk1"/>
+          </a:effectRef>
+          <a:fontRef idx="minor">
+            <a:schemeClr val="dk1"/>
+          </a:fontRef>
+        </p:style>
+        <p:txBody>
+          <a:bodyPr rtlCol="0" anchor="ctr"/>
+          <a:lstStyle/>
+          <a:p>
+            <a:pPr algn="ctr"/>
+            <a:r>
+              <a:rPr kumimoji="1" lang="ja-JP" altLang="en-US" sz="1200" b="1" dirty="0" smtClean="0"/>
+              <a:t>はてな</a:t>
+            </a:r>
+            <a:endParaRPr kumimoji="1" lang="en-US" altLang="ja-JP" sz="1200" b="1" dirty="0" smtClean="0"/>
+          </a:p>
+          <a:p>
+            <a:pPr algn="ctr"/>
+            <a:r>
+              <a:rPr kumimoji="1" lang="ja-JP" altLang="en-US" sz="1200" b="1" dirty="0" smtClean="0"/>
+              <a:t>ブックマーク</a:t>
+            </a:r>
+            <a:endParaRPr kumimoji="1" lang="ja-JP" altLang="en-US" sz="1200" b="1" dirty="0"/>
+          </a:p>
+        </p:txBody>
+      </p:sp>
+      <p:sp>
+        <p:nvSpPr>
+          <p:cNvPr id="93" name="テキスト ボックス 92"/>
+          <p:cNvSpPr txBox="1"/>
+          <p:nvPr/>
+        </p:nvSpPr>
+        <p:spPr>
+          <a:xfrm>
+            <a:off x="3921936" y="4540671"/>
+            <a:ext cx="2516679" cy="646331"/>
+          </a:xfrm>
+          <a:prstGeom prst="rect">
+            <a:avLst/>
+          </a:prstGeom>
+          <a:noFill/>
+        </p:spPr>
+        <p:txBody>
+          <a:bodyPr wrap="square" rtlCol="0">
+            <a:spAutoFit/>
+          </a:bodyPr>
+          <a:lstStyle/>
+          <a:p>
+            <a:r>
+              <a:rPr lang="ja-JP" altLang="en-US" sz="1200" dirty="0"/>
+              <a:t>はてなブックマークで公開されている</a:t>
+            </a:r>
+            <a:r>
+              <a:rPr lang="en-US" altLang="ja-JP" sz="1200" dirty="0"/>
+              <a:t>API</a:t>
+            </a:r>
+            <a:r>
+              <a:rPr lang="ja-JP" altLang="en-US" sz="1200" dirty="0"/>
+              <a:t>を利用し，人気記事を定期的</a:t>
+            </a:r>
+            <a:r>
+              <a:rPr lang="ja-JP" altLang="en-US" sz="1200" dirty="0" smtClean="0"/>
+              <a:t>に</a:t>
+            </a:r>
+            <a:r>
+              <a:rPr lang="ja-JP" altLang="en-US" sz="1200" dirty="0"/>
+              <a:t>記録</a:t>
+            </a:r>
+            <a:r>
+              <a:rPr lang="ja-JP" altLang="en-US" sz="1200" dirty="0" smtClean="0"/>
+              <a:t>する．</a:t>
+            </a:r>
+            <a:endParaRPr kumimoji="1" lang="ja-JP" altLang="en-US" sz="1200" dirty="0"/>
+          </a:p>
+        </p:txBody>
+      </p:sp>
+      <p:sp>
+        <p:nvSpPr>
+          <p:cNvPr id="94" name="テキスト ボックス 93"/>
+          <p:cNvSpPr txBox="1"/>
+          <p:nvPr/>
+        </p:nvSpPr>
+        <p:spPr>
+          <a:xfrm>
+            <a:off x="3921936" y="5410620"/>
+            <a:ext cx="2779489" cy="646331"/>
+          </a:xfrm>
+          <a:prstGeom prst="rect">
+            <a:avLst/>
+          </a:prstGeom>
+          <a:noFill/>
+        </p:spPr>
+        <p:txBody>
+          <a:bodyPr wrap="square" rtlCol="0">
+            <a:spAutoFit/>
+          </a:bodyPr>
+          <a:lstStyle/>
+          <a:p>
+            <a:r>
+              <a:rPr lang="ja-JP" altLang="en-US" sz="1200" dirty="0" smtClean="0"/>
+              <a:t>記事の７項目</a:t>
+            </a:r>
+            <a:r>
+              <a:rPr lang="ja-JP" altLang="en-US" sz="1200" dirty="0"/>
+              <a:t>の</a:t>
+            </a:r>
+            <a:r>
+              <a:rPr lang="ja-JP" altLang="en-US" sz="1200" dirty="0" smtClean="0"/>
+              <a:t>要素について考察を行う．</a:t>
+            </a:r>
+            <a:endParaRPr lang="en-US" altLang="ja-JP" sz="1200" dirty="0"/>
+          </a:p>
+          <a:p>
+            <a:r>
+              <a:rPr lang="ja-JP" altLang="en-US" sz="1200" dirty="0" smtClean="0"/>
+              <a:t>・掲載日時 ・ブックマーク数 ・タイトル</a:t>
+            </a:r>
+            <a:endParaRPr lang="en-US" altLang="ja-JP" sz="1200" dirty="0" smtClean="0"/>
+          </a:p>
+          <a:p>
+            <a:r>
+              <a:rPr lang="ja-JP" altLang="en-US" sz="1200" dirty="0"/>
+              <a:t>・</a:t>
+            </a:r>
+            <a:r>
+              <a:rPr lang="ja-JP" altLang="en-US" sz="1200" dirty="0" smtClean="0"/>
+              <a:t>ジャンル  ・タグ  ・内容  ・コメント数</a:t>
+            </a:r>
+            <a:endParaRPr lang="ja-JP" altLang="en-US" sz="1200" dirty="0"/>
+          </a:p>
+        </p:txBody>
+      </p:sp>
+      <p:sp>
+        <p:nvSpPr>
+          <p:cNvPr id="95" name="テキスト ボックス 94"/>
+          <p:cNvSpPr txBox="1"/>
+          <p:nvPr/>
+        </p:nvSpPr>
+        <p:spPr>
+          <a:xfrm>
+            <a:off x="3921936" y="6280569"/>
+            <a:ext cx="2497504" cy="830997"/>
+          </a:xfrm>
+          <a:prstGeom prst="rect">
+            <a:avLst/>
+          </a:prstGeom>
+          <a:noFill/>
+        </p:spPr>
+        <p:txBody>
+          <a:bodyPr wrap="square" rtlCol="0">
+            <a:spAutoFit/>
+          </a:bodyPr>
+          <a:lstStyle/>
+          <a:p>
+            <a:r>
+              <a:rPr lang="ja-JP" altLang="en-US" sz="1200" dirty="0"/>
+              <a:t>７</a:t>
+            </a:r>
+            <a:r>
+              <a:rPr lang="ja-JP" altLang="en-US" sz="1200" dirty="0" smtClean="0"/>
+              <a:t>項目</a:t>
+            </a:r>
+            <a:r>
+              <a:rPr lang="ja-JP" altLang="en-US" sz="1200" dirty="0"/>
+              <a:t>の要素</a:t>
+            </a:r>
+            <a:r>
+              <a:rPr lang="ja-JP" altLang="en-US" sz="1200" dirty="0" smtClean="0"/>
+              <a:t>を分析</a:t>
+            </a:r>
+            <a:r>
+              <a:rPr lang="ja-JP" altLang="en-US" sz="1200" dirty="0"/>
+              <a:t>し</a:t>
+            </a:r>
+            <a:r>
+              <a:rPr lang="ja-JP" altLang="en-US" sz="1200" dirty="0" smtClean="0"/>
+              <a:t>，貢献度を算出する．それをもとに，ウェブマーケティングにおいて効果的</a:t>
+            </a:r>
+            <a:r>
+              <a:rPr lang="ja-JP" altLang="en-US" sz="1200" dirty="0"/>
+              <a:t>な</a:t>
+            </a:r>
+            <a:r>
+              <a:rPr lang="ja-JP" altLang="en-US" sz="1200" dirty="0" smtClean="0"/>
+              <a:t>手法を考察</a:t>
+            </a:r>
+            <a:r>
+              <a:rPr lang="ja-JP" altLang="en-US" sz="1200" dirty="0"/>
+              <a:t>する</a:t>
+            </a:r>
+            <a:r>
+              <a:rPr lang="en-US" altLang="ja-JP" sz="1200" dirty="0"/>
+              <a:t>.</a:t>
+            </a:r>
+            <a:endParaRPr lang="ja-JP" altLang="en-US" sz="1200" dirty="0"/>
+          </a:p>
+        </p:txBody>
+      </p:sp>
+      <p:sp>
+        <p:nvSpPr>
+          <p:cNvPr id="98" name="テキスト ボックス 97"/>
+          <p:cNvSpPr txBox="1"/>
+          <p:nvPr/>
+        </p:nvSpPr>
+        <p:spPr>
+          <a:xfrm>
+            <a:off x="-2344229" y="2909853"/>
+            <a:ext cx="2649235" cy="415498"/>
+          </a:xfrm>
+          <a:prstGeom prst="rect">
+            <a:avLst/>
+          </a:prstGeom>
+          <a:noFill/>
+        </p:spPr>
+        <p:txBody>
+          <a:bodyPr wrap="square" rtlCol="0">
+            <a:spAutoFit/>
+          </a:bodyPr>
+          <a:lstStyle/>
+          <a:p>
+            <a:endParaRPr kumimoji="1" lang="en-US" altLang="ja-JP" sz="1050" dirty="0" smtClean="0"/>
+          </a:p>
+          <a:p>
+            <a:endParaRPr kumimoji="1" lang="ja-JP" altLang="en-US" sz="1050" dirty="0"/>
+          </a:p>
+        </p:txBody>
+      </p:sp>
+      <p:sp>
+        <p:nvSpPr>
+          <p:cNvPr id="28" name="フローチャート: 代替処理 27"/>
+          <p:cNvSpPr/>
+          <p:nvPr/>
+        </p:nvSpPr>
+        <p:spPr>
+          <a:xfrm>
+            <a:off x="123035" y="1232677"/>
+            <a:ext cx="2002893" cy="412879"/>
+          </a:xfrm>
+          <a:prstGeom prst="flowChartAlternateProcess">
+            <a:avLst/>
+          </a:prstGeom>
+          <a:solidFill>
+            <a:schemeClr val="accent5">
+              <a:lumMod val="20000"/>
+              <a:lumOff val="80000"/>
+            </a:schemeClr>
+          </a:solidFill>
+          <a:ln/>
+        </p:spPr>
+        <p:style>
+          <a:lnRef idx="2">
+            <a:schemeClr val="accent5"/>
+          </a:lnRef>
+          <a:fillRef idx="1">
+            <a:schemeClr val="lt1"/>
+          </a:fillRef>
+          <a:effectRef idx="0">
+            <a:schemeClr val="accent5"/>
+          </a:effectRef>
+          <a:fontRef idx="minor">
+            <a:schemeClr val="dk1"/>
+          </a:fontRef>
+        </p:style>
+        <p:txBody>
+          <a:bodyPr rot="0" spcFirstLastPara="0" vertOverflow="overflow" horzOverflow="overflow" vert="horz" wrap="square" lIns="74295" tIns="37148" rIns="74295" bIns="37148" numCol="1" spcCol="0" rtlCol="0" fromWordArt="0" anchor="ctr" anchorCtr="0" forceAA="0" compatLnSpc="1">
+            <a:prstTxWarp prst="textNoShape">
+              <a:avLst/>
+            </a:prstTxWarp>
+            <a:noAutofit/>
+          </a:bodyPr>
+          <a:lstStyle/>
+          <a:p>
+            <a:pPr algn="ctr"/>
+            <a:r>
+              <a:rPr lang="ja-JP" altLang="en-US" sz="1400" dirty="0" smtClean="0">
+                <a:solidFill>
+                  <a:schemeClr val="tx1"/>
+                </a:solidFill>
+              </a:rPr>
+              <a:t>ソーシャルブック</a:t>
+            </a:r>
+            <a:endParaRPr lang="en-US" altLang="ja-JP" sz="1400" dirty="0" smtClean="0">
+              <a:solidFill>
+                <a:schemeClr val="tx1"/>
+              </a:solidFill>
+            </a:endParaRPr>
+          </a:p>
+          <a:p>
+            <a:pPr algn="ctr"/>
+            <a:r>
+              <a:rPr lang="ja-JP" altLang="en-US" sz="1400" dirty="0" smtClean="0">
+                <a:solidFill>
+                  <a:schemeClr val="tx1"/>
+                </a:solidFill>
+              </a:rPr>
+              <a:t>マーキングサービスとは</a:t>
+            </a:r>
+            <a:endParaRPr lang="ja-JP" altLang="en-US" sz="1400" dirty="0">
+              <a:solidFill>
+                <a:schemeClr val="tx1"/>
+              </a:solidFill>
+            </a:endParaRPr>
+          </a:p>
+        </p:txBody>
+      </p:sp>
+      <p:sp>
+        <p:nvSpPr>
+          <p:cNvPr id="11" name="角丸四角形 10"/>
+          <p:cNvSpPr/>
+          <p:nvPr/>
+        </p:nvSpPr>
+        <p:spPr>
+          <a:xfrm>
+            <a:off x="253370" y="1730270"/>
+            <a:ext cx="6185245" cy="1076632"/>
+          </a:xfrm>
+          <a:prstGeom prst="roundRect">
+            <a:avLst/>
+          </a:prstGeom>
+          <a:solidFill>
+            <a:schemeClr val="bg1"/>
+          </a:solidFill>
         </p:spPr>
         <p:style>
           <a:lnRef idx="2">
@@ -3883,61 +4763,46 @@
           </a:fontRef>
         </p:style>
         <p:txBody>
-          <a:bodyPr rot="0" spcFirstLastPara="0" vertOverflow="overflow" horzOverflow="overflow" vert="horz" wrap="square" lIns="74295" tIns="37148" rIns="74295" bIns="37148" numCol="1" spcCol="0" rtlCol="0" fromWordArt="0" anchor="ctr" anchorCtr="0" forceAA="0" compatLnSpc="1">
-            <a:prstTxWarp prst="textNoShape">
-              <a:avLst/>
-            </a:prstTxWarp>
-            <a:noAutofit/>
-          </a:bodyPr>
+          <a:bodyPr rtlCol="0" anchor="ctr"/>
           <a:lstStyle/>
           <a:p>
             <a:pPr algn="ctr"/>
-            <a:r>
-              <a:rPr lang="ja-JP" altLang="en-US" sz="2000" dirty="0">
-                <a:solidFill>
-                  <a:schemeClr val="tx1"/>
-                </a:solidFill>
-              </a:rPr>
-              <a:t>手</a:t>
-            </a:r>
-            <a:r>
-              <a:rPr lang="ja-JP" altLang="en-US" sz="2000" dirty="0" smtClean="0">
-                <a:solidFill>
-                  <a:schemeClr val="tx1"/>
-                </a:solidFill>
-              </a:rPr>
-              <a:t>法</a:t>
-            </a:r>
-            <a:endParaRPr lang="ja-JP" altLang="en-US" sz="2000" dirty="0">
-              <a:solidFill>
-                <a:schemeClr val="tx1"/>
-              </a:solidFill>
-            </a:endParaRPr>
-          </a:p>
-        </p:txBody>
-      </p:sp>
-      <p:sp>
-        <p:nvSpPr>
-          <p:cNvPr id="27" name="フローチャート: 代替処理 26"/>
+            <a:endParaRPr kumimoji="1" lang="en-US" altLang="ja-JP" sz="1600" dirty="0" smtClean="0"/>
+          </a:p>
+          <a:p>
+            <a:pPr algn="ctr"/>
+            <a:endParaRPr lang="en-US" altLang="ja-JP" sz="1600" dirty="0"/>
+          </a:p>
+          <a:p>
+            <a:pPr algn="ctr"/>
+            <a:endParaRPr kumimoji="1" lang="en-US" altLang="ja-JP" sz="1600" dirty="0" smtClean="0"/>
+          </a:p>
+          <a:p>
+            <a:pPr algn="ctr"/>
+            <a:endParaRPr lang="en-US" altLang="ja-JP" sz="1600" dirty="0"/>
+          </a:p>
+        </p:txBody>
+      </p:sp>
+      <p:sp>
+        <p:nvSpPr>
+          <p:cNvPr id="13" name="角丸四角形 12"/>
           <p:cNvSpPr/>
           <p:nvPr/>
         </p:nvSpPr>
         <p:spPr>
           <a:xfrm>
-            <a:off x="123035" y="5566609"/>
-            <a:ext cx="745180" cy="346022"/>
-          </a:xfrm>
-          <a:prstGeom prst="flowChartAlternateProcess">
+            <a:off x="495625" y="2099997"/>
+            <a:ext cx="1044872" cy="289172"/>
+          </a:xfrm>
+          <a:prstGeom prst="roundRect">
             <a:avLst/>
           </a:prstGeom>
           <a:solidFill>
-            <a:schemeClr val="accent2"/>
+            <a:schemeClr val="accent1">
+              <a:lumMod val="20000"/>
+              <a:lumOff val="80000"/>
+            </a:schemeClr>
           </a:solidFill>
-          <a:ln>
-            <a:solidFill>
-              <a:schemeClr val="tx1"/>
-            </a:solidFill>
-          </a:ln>
         </p:spPr>
         <p:style>
           <a:lnRef idx="2">
@@ -3956,48 +4821,38 @@
           </a:fontRef>
         </p:style>
         <p:txBody>
-          <a:bodyPr rot="0" spcFirstLastPara="0" vertOverflow="overflow" horzOverflow="overflow" vert="horz" wrap="square" lIns="74295" tIns="37148" rIns="74295" bIns="37148" numCol="1" spcCol="0" rtlCol="0" fromWordArt="0" anchor="ctr" anchorCtr="0" forceAA="0" compatLnSpc="1">
-            <a:prstTxWarp prst="textNoShape">
-              <a:avLst/>
-            </a:prstTxWarp>
-            <a:noAutofit/>
-          </a:bodyPr>
+          <a:bodyPr rtlCol="0" anchor="ctr"/>
           <a:lstStyle/>
           <a:p>
             <a:pPr algn="ctr"/>
             <a:r>
-              <a:rPr lang="ja-JP" altLang="en-US" sz="2000" dirty="0">
-                <a:solidFill>
-                  <a:schemeClr val="tx1"/>
-                </a:solidFill>
-              </a:rPr>
-              <a:t>目的</a:t>
-            </a:r>
-          </a:p>
-        </p:txBody>
-      </p:sp>
-      <p:sp>
-        <p:nvSpPr>
-          <p:cNvPr id="49" name="フローチャート: 代替処理 48"/>
+              <a:rPr kumimoji="1" lang="ja-JP" altLang="en-US" sz="1100" dirty="0" smtClean="0"/>
+              <a:t>ブックマーク</a:t>
+            </a:r>
+            <a:endParaRPr kumimoji="1" lang="ja-JP" altLang="en-US" dirty="0"/>
+          </a:p>
+        </p:txBody>
+      </p:sp>
+      <p:sp>
+        <p:nvSpPr>
+          <p:cNvPr id="39" name="角丸四角形 38"/>
           <p:cNvSpPr/>
           <p:nvPr/>
         </p:nvSpPr>
         <p:spPr>
           <a:xfrm>
-            <a:off x="123035" y="7312013"/>
-            <a:ext cx="1537577" cy="319788"/>
-          </a:xfrm>
-          <a:prstGeom prst="flowChartAlternateProcess">
+            <a:off x="380092" y="2022809"/>
+            <a:ext cx="1044872" cy="289172"/>
+          </a:xfrm>
+          <a:prstGeom prst="roundRect">
             <a:avLst/>
           </a:prstGeom>
           <a:solidFill>
-            <a:schemeClr val="accent2"/>
+            <a:schemeClr val="accent1">
+              <a:lumMod val="20000"/>
+              <a:lumOff val="80000"/>
+            </a:schemeClr>
           </a:solidFill>
-          <a:ln>
-            <a:solidFill>
-              <a:schemeClr val="tx1"/>
-            </a:solidFill>
-          </a:ln>
         </p:spPr>
         <p:style>
           <a:lnRef idx="2">
@@ -4016,24 +4871,19 @@
           </a:fontRef>
         </p:style>
         <p:txBody>
-          <a:bodyPr rot="0" spcFirstLastPara="0" vertOverflow="overflow" horzOverflow="overflow" vert="horz" wrap="square" lIns="74295" tIns="37148" rIns="74295" bIns="37148" numCol="1" spcCol="0" rtlCol="0" fromWordArt="0" anchor="ctr" anchorCtr="0" forceAA="0" compatLnSpc="1">
-            <a:prstTxWarp prst="textNoShape">
-              <a:avLst/>
-            </a:prstTxWarp>
-            <a:noAutofit/>
-          </a:bodyPr>
+          <a:bodyPr rtlCol="0" anchor="ctr"/>
           <a:lstStyle/>
           <a:p>
             <a:pPr algn="ctr"/>
             <a:r>
-              <a:rPr lang="ja-JP" altLang="en-US" sz="2000" dirty="0" smtClean="0">
+              <a:rPr kumimoji="1" lang="ja-JP" altLang="en-US" sz="1100" dirty="0" smtClean="0">
                 <a:solidFill>
                   <a:schemeClr val="tx1"/>
                 </a:solidFill>
               </a:rPr>
-              <a:t>研究の進捗</a:t>
-            </a:r>
-            <a:endParaRPr lang="ja-JP" altLang="en-US" sz="2000" dirty="0">
+              <a:t>ブックマーク</a:t>
+            </a:r>
+            <a:endParaRPr kumimoji="1" lang="ja-JP" altLang="en-US" dirty="0">
               <a:solidFill>
                 <a:schemeClr val="tx1"/>
               </a:solidFill>
@@ -4043,26 +4893,21 @@
       </p:sp>
       <p:sp>
         <p:nvSpPr>
-          <p:cNvPr id="50" name="フローチャート: 代替処理 49"/>
+          <p:cNvPr id="16" name="上矢印 15"/>
           <p:cNvSpPr/>
           <p:nvPr/>
         </p:nvSpPr>
         <p:spPr>
           <a:xfrm>
-            <a:off x="153138" y="8295878"/>
-            <a:ext cx="1537577" cy="319788"/>
-          </a:xfrm>
-          <a:prstGeom prst="flowChartAlternateProcess">
+            <a:off x="763857" y="2373536"/>
+            <a:ext cx="277339" cy="711950"/>
+          </a:xfrm>
+          <a:prstGeom prst="upArrow">
             <a:avLst/>
           </a:prstGeom>
           <a:solidFill>
-            <a:schemeClr val="accent2"/>
+            <a:schemeClr val="bg1"/>
           </a:solidFill>
-          <a:ln>
-            <a:solidFill>
-              <a:schemeClr val="tx1"/>
-            </a:solidFill>
-          </a:ln>
         </p:spPr>
         <p:style>
           <a:lnRef idx="2">
@@ -4081,192 +4926,30 @@
           </a:fontRef>
         </p:style>
         <p:txBody>
-          <a:bodyPr rot="0" spcFirstLastPara="0" vertOverflow="overflow" horzOverflow="overflow" vert="horz" wrap="square" lIns="74295" tIns="37148" rIns="74295" bIns="37148" numCol="1" spcCol="0" rtlCol="0" fromWordArt="0" anchor="ctr" anchorCtr="0" forceAA="0" compatLnSpc="1">
-            <a:prstTxWarp prst="textNoShape">
-              <a:avLst/>
-            </a:prstTxWarp>
-            <a:noAutofit/>
-          </a:bodyPr>
+          <a:bodyPr rtlCol="0" anchor="ctr"/>
           <a:lstStyle/>
           <a:p>
             <a:pPr algn="ctr"/>
-            <a:r>
-              <a:rPr lang="ja-JP" altLang="en-US" sz="2000" dirty="0" smtClean="0">
-                <a:solidFill>
-                  <a:schemeClr val="tx1"/>
-                </a:solidFill>
-              </a:rPr>
-              <a:t>今後の計画</a:t>
-            </a:r>
-            <a:endParaRPr lang="ja-JP" altLang="en-US" sz="2000" dirty="0">
-              <a:solidFill>
-                <a:schemeClr val="tx1"/>
-              </a:solidFill>
-            </a:endParaRPr>
-          </a:p>
-        </p:txBody>
-      </p:sp>
-      <p:sp>
-        <p:nvSpPr>
-          <p:cNvPr id="6" name="テキスト ボックス 5"/>
-          <p:cNvSpPr txBox="1"/>
-          <p:nvPr/>
-        </p:nvSpPr>
-        <p:spPr>
-          <a:xfrm>
-            <a:off x="228823" y="8696369"/>
-            <a:ext cx="2736647" cy="276999"/>
-          </a:xfrm>
-          <a:prstGeom prst="rect">
-            <a:avLst/>
-          </a:prstGeom>
-          <a:noFill/>
-        </p:spPr>
-        <p:txBody>
-          <a:bodyPr wrap="none" rtlCol="0">
-            <a:spAutoFit/>
-          </a:bodyPr>
-          <a:lstStyle/>
-          <a:p>
-            <a:r>
-              <a:rPr lang="ja-JP" altLang="en-US" sz="1200" dirty="0"/>
-              <a:t>以下のように研究を進める計画である．</a:t>
-            </a:r>
-            <a:endParaRPr kumimoji="1" lang="ja-JP" altLang="en-US" sz="1200" dirty="0"/>
-          </a:p>
-        </p:txBody>
-      </p:sp>
-      <p:sp>
-        <p:nvSpPr>
-          <p:cNvPr id="8" name="テキスト ボックス 7"/>
-          <p:cNvSpPr txBox="1"/>
-          <p:nvPr/>
-        </p:nvSpPr>
-        <p:spPr>
-          <a:xfrm>
-            <a:off x="228823" y="8961962"/>
-            <a:ext cx="4756430" cy="830997"/>
-          </a:xfrm>
-          <a:prstGeom prst="rect">
-            <a:avLst/>
-          </a:prstGeom>
-          <a:noFill/>
-        </p:spPr>
-        <p:txBody>
-          <a:bodyPr wrap="none" rtlCol="0">
-            <a:spAutoFit/>
-          </a:bodyPr>
-          <a:lstStyle/>
-          <a:p>
-            <a:pPr marL="342900" indent="-342900">
-              <a:buFont typeface="+mj-lt"/>
-              <a:buAutoNum type="arabicPeriod"/>
-            </a:pPr>
-            <a:r>
-              <a:rPr lang="ja-JP" altLang="en-US" sz="1200" dirty="0"/>
-              <a:t>はてな</a:t>
-            </a:r>
-            <a:r>
-              <a:rPr lang="ja-JP" altLang="en-US" sz="1200" dirty="0" smtClean="0"/>
-              <a:t>ブックマークの各ジャンルのエントリから</a:t>
-            </a:r>
-            <a:r>
-              <a:rPr lang="ja-JP" altLang="en-US" sz="1200" dirty="0"/>
-              <a:t>データ</a:t>
-            </a:r>
-            <a:r>
-              <a:rPr lang="ja-JP" altLang="en-US" sz="1200" dirty="0" smtClean="0"/>
-              <a:t>を収集する．</a:t>
-            </a:r>
-            <a:endParaRPr lang="en-US" altLang="ja-JP" sz="1200" dirty="0" smtClean="0"/>
-          </a:p>
-          <a:p>
-            <a:pPr marL="342900" indent="-342900">
-              <a:buFont typeface="+mj-lt"/>
-              <a:buAutoNum type="arabicPeriod"/>
-            </a:pPr>
-            <a:r>
-              <a:rPr lang="ja-JP" altLang="en-US" sz="1200" dirty="0"/>
-              <a:t>記録</a:t>
-            </a:r>
-            <a:r>
-              <a:rPr lang="ja-JP" altLang="en-US" sz="1200" dirty="0" smtClean="0"/>
-              <a:t>した</a:t>
-            </a:r>
-            <a:r>
-              <a:rPr lang="ja-JP" altLang="en-US" sz="1200" dirty="0"/>
-              <a:t>データ</a:t>
-            </a:r>
-            <a:r>
-              <a:rPr lang="ja-JP" altLang="en-US" sz="1200" dirty="0" smtClean="0"/>
-              <a:t>をもとに分析</a:t>
-            </a:r>
-            <a:r>
-              <a:rPr lang="ja-JP" altLang="en-US" sz="1200" dirty="0"/>
-              <a:t>をし</a:t>
-            </a:r>
-            <a:r>
-              <a:rPr lang="ja-JP" altLang="en-US" sz="1200" dirty="0" smtClean="0"/>
-              <a:t>，各要素の重要度</a:t>
-            </a:r>
-            <a:r>
-              <a:rPr lang="ja-JP" altLang="en-US" sz="1200" dirty="0"/>
-              <a:t>の算出を行う</a:t>
-            </a:r>
-            <a:r>
-              <a:rPr lang="ja-JP" altLang="en-US" sz="1200" dirty="0" smtClean="0"/>
-              <a:t>．</a:t>
-            </a:r>
-            <a:endParaRPr lang="en-US" altLang="ja-JP" sz="1200" dirty="0" smtClean="0"/>
-          </a:p>
-          <a:p>
-            <a:pPr marL="342900" indent="-342900">
-              <a:buFont typeface="+mj-lt"/>
-              <a:buAutoNum type="arabicPeriod"/>
-            </a:pPr>
-            <a:r>
-              <a:rPr lang="ja-JP" altLang="en-US" sz="1200" dirty="0"/>
-              <a:t>分析した結果をもとにウェブマーケティング手法の提案</a:t>
-            </a:r>
-            <a:r>
-              <a:rPr lang="ja-JP" altLang="en-US" sz="1200" dirty="0" smtClean="0"/>
-              <a:t>をする．</a:t>
-            </a:r>
-            <a:endParaRPr lang="en-US" altLang="ja-JP" sz="1200" dirty="0" smtClean="0"/>
-          </a:p>
-          <a:p>
-            <a:pPr marL="342900" indent="-342900">
-              <a:buFont typeface="+mj-lt"/>
-              <a:buAutoNum type="arabicPeriod"/>
-            </a:pPr>
-            <a:r>
-              <a:rPr lang="ja-JP" altLang="en-US" sz="1200" dirty="0" smtClean="0"/>
-              <a:t>その</a:t>
-            </a:r>
-            <a:r>
-              <a:rPr lang="ja-JP" altLang="en-US" sz="1200" dirty="0"/>
-              <a:t>信憑性の向上を図る．</a:t>
-            </a:r>
-            <a:endParaRPr kumimoji="1" lang="ja-JP" altLang="en-US" sz="1200" dirty="0"/>
-          </a:p>
-        </p:txBody>
-      </p:sp>
-      <p:sp>
-        <p:nvSpPr>
-          <p:cNvPr id="47" name="正方形/長方形 46"/>
+            <a:endParaRPr kumimoji="1" lang="ja-JP" altLang="en-US"/>
+          </a:p>
+        </p:txBody>
+      </p:sp>
+      <p:sp>
+        <p:nvSpPr>
+          <p:cNvPr id="15" name="スマイル 14"/>
           <p:cNvSpPr/>
           <p:nvPr/>
         </p:nvSpPr>
         <p:spPr>
           <a:xfrm>
-            <a:off x="2923325" y="5398458"/>
-            <a:ext cx="998611" cy="670563"/>
-          </a:xfrm>
-          <a:prstGeom prst="rect">
+            <a:off x="524893" y="2904296"/>
+            <a:ext cx="755266" cy="689894"/>
+          </a:xfrm>
+          <a:prstGeom prst="smileyFace">
             <a:avLst/>
           </a:prstGeom>
           <a:solidFill>
-            <a:schemeClr val="accent1">
+            <a:schemeClr val="accent4">
               <a:lumMod val="60000"/>
               <a:lumOff val="40000"/>
             </a:schemeClr>
@@ -4293,69 +4976,56 @@
           <a:lstStyle/>
           <a:p>
             <a:pPr algn="ctr"/>
-            <a:r>
-              <a:rPr kumimoji="1" lang="ja-JP" altLang="en-US" b="1" dirty="0" smtClean="0"/>
-              <a:t>記事</a:t>
-            </a:r>
-            <a:endParaRPr kumimoji="1" lang="ja-JP" altLang="en-US" b="1" dirty="0"/>
-          </a:p>
-        </p:txBody>
-      </p:sp>
-      <p:cxnSp>
-        <p:nvCxnSpPr>
-          <p:cNvPr id="56" name="直線矢印コネクタ 55"/>
-          <p:cNvCxnSpPr>
-            <a:stCxn id="52" idx="2"/>
-            <a:endCxn id="47" idx="0"/>
-          </p:cNvCxnSpPr>
+            <a:endParaRPr kumimoji="1" lang="ja-JP" altLang="en-US"/>
+          </a:p>
+        </p:txBody>
+      </p:sp>
+      <p:sp>
+        <p:nvSpPr>
+          <p:cNvPr id="17" name="テキスト ボックス 16"/>
+          <p:cNvSpPr txBox="1"/>
           <p:nvPr/>
-        </p:nvCxnSpPr>
-        <p:spPr>
-          <a:xfrm>
-            <a:off x="3422631" y="5212700"/>
-            <a:ext cx="0" cy="185758"/>
-          </a:xfrm>
-          <a:prstGeom prst="straightConnector1">
-            <a:avLst/>
-          </a:prstGeom>
-          <a:ln>
-            <a:tailEnd type="triangle"/>
-          </a:ln>
-        </p:spPr>
-        <p:style>
-          <a:lnRef idx="1">
-            <a:schemeClr val="accent1"/>
-          </a:lnRef>
-          <a:fillRef idx="0">
-            <a:schemeClr val="accent1"/>
-          </a:fillRef>
-          <a:effectRef idx="0">
-            <a:schemeClr val="accent1"/>
-          </a:effectRef>
-          <a:fontRef idx="minor">
-            <a:schemeClr val="tx1"/>
-          </a:fontRef>
-        </p:style>
-      </p:cxnSp>
-      <p:sp>
-        <p:nvSpPr>
-          <p:cNvPr id="63" name="正方形/長方形 62"/>
-          <p:cNvSpPr/>
-          <p:nvPr/>
-        </p:nvSpPr>
-        <p:spPr>
-          <a:xfrm>
-            <a:off x="2923325" y="6303757"/>
-            <a:ext cx="998611" cy="781558"/>
+        </p:nvSpPr>
+        <p:spPr>
+          <a:xfrm>
+            <a:off x="215622" y="3614635"/>
+            <a:ext cx="4049507" cy="276999"/>
           </a:xfrm>
           <a:prstGeom prst="rect">
             <a:avLst/>
           </a:prstGeom>
+          <a:noFill/>
+        </p:spPr>
+        <p:txBody>
+          <a:bodyPr wrap="none" rtlCol="0">
+            <a:spAutoFit/>
+          </a:bodyPr>
+          <a:lstStyle/>
+          <a:p>
+            <a:r>
+              <a:rPr kumimoji="1" lang="ja-JP" altLang="en-US" sz="1200" dirty="0" smtClean="0"/>
+              <a:t>インターネット上にブックマークを保存し，それを共有できる．</a:t>
+            </a:r>
+            <a:endParaRPr kumimoji="1" lang="ja-JP" altLang="en-US" sz="1200" dirty="0"/>
+          </a:p>
+        </p:txBody>
+      </p:sp>
+      <p:sp>
+        <p:nvSpPr>
+          <p:cNvPr id="18" name="左右矢印 17"/>
+          <p:cNvSpPr/>
+          <p:nvPr/>
+        </p:nvSpPr>
+        <p:spPr>
+          <a:xfrm>
+            <a:off x="1576626" y="2049423"/>
+            <a:ext cx="1406728" cy="398972"/>
+          </a:xfrm>
+          <a:prstGeom prst="leftRightArrow">
+            <a:avLst/>
+          </a:prstGeom>
           <a:solidFill>
-            <a:schemeClr val="accent1">
-              <a:lumMod val="60000"/>
-              <a:lumOff val="40000"/>
-            </a:schemeClr>
+            <a:schemeClr val="bg1"/>
           </a:solidFill>
         </p:spPr>
         <p:style>
@@ -4380,88 +5050,37 @@
           <a:p>
             <a:pPr algn="ctr"/>
             <a:r>
-              <a:rPr kumimoji="1" lang="ja-JP" altLang="en-US" b="1" dirty="0" smtClean="0"/>
-              <a:t>分析</a:t>
-            </a:r>
-            <a:endParaRPr kumimoji="1" lang="ja-JP" altLang="en-US" b="1" dirty="0"/>
-          </a:p>
-        </p:txBody>
-      </p:sp>
-      <p:sp>
-        <p:nvSpPr>
-          <p:cNvPr id="14" name="テキスト ボックス 13"/>
-          <p:cNvSpPr txBox="1"/>
+              <a:rPr kumimoji="1" lang="ja-JP" altLang="en-US" sz="1400" dirty="0" smtClean="0">
+                <a:solidFill>
+                  <a:schemeClr val="tx1"/>
+                </a:solidFill>
+              </a:rPr>
+              <a:t>共有</a:t>
+            </a:r>
+            <a:endParaRPr kumimoji="1" lang="ja-JP" altLang="en-US" sz="1400" dirty="0">
+              <a:solidFill>
+                <a:schemeClr val="tx1"/>
+              </a:solidFill>
+            </a:endParaRPr>
+          </a:p>
+        </p:txBody>
+      </p:sp>
+      <p:sp>
+        <p:nvSpPr>
+          <p:cNvPr id="46" name="角丸四角形 45"/>
+          <p:cNvSpPr/>
           <p:nvPr/>
         </p:nvSpPr>
         <p:spPr>
           <a:xfrm>
-            <a:off x="139058" y="4429011"/>
-            <a:ext cx="2571812" cy="1015663"/>
-          </a:xfrm>
-          <a:prstGeom prst="rect">
+            <a:off x="4189608" y="2527297"/>
+            <a:ext cx="647796" cy="241680"/>
+          </a:xfrm>
+          <a:prstGeom prst="roundRect">
             <a:avLst/>
           </a:prstGeom>
           <a:solidFill>
             <a:schemeClr val="bg1"/>
-          </a:solidFill>
-          <a:ln>
-            <a:solidFill>
-              <a:schemeClr val="tx1"/>
-            </a:solidFill>
-          </a:ln>
-        </p:spPr>
-        <p:txBody>
-          <a:bodyPr wrap="square" rtlCol="0">
-            <a:spAutoFit/>
-          </a:bodyPr>
-          <a:lstStyle/>
-          <a:p>
-            <a:r>
-              <a:rPr lang="ja-JP" altLang="en-US" sz="1200" dirty="0"/>
-              <a:t>私たちの周りには多くの情報が</a:t>
-            </a:r>
-            <a:r>
-              <a:rPr lang="ja-JP" altLang="en-US" sz="1200" dirty="0" smtClean="0"/>
-              <a:t>あふれている．私たちは取捨選択を行うことで自身に必要な情報を</a:t>
-            </a:r>
-            <a:r>
-              <a:rPr kumimoji="1" lang="ja-JP" altLang="en-US" sz="1200" dirty="0" smtClean="0"/>
-              <a:t>得ている．</a:t>
-            </a:r>
-            <a:endParaRPr kumimoji="1" lang="en-US" altLang="ja-JP" sz="1200" dirty="0" smtClean="0"/>
-          </a:p>
-          <a:p>
-            <a:r>
-              <a:rPr kumimoji="1" lang="ja-JP" altLang="en-US" sz="1200" dirty="0" smtClean="0"/>
-              <a:t>では，情報の取捨選択にはどのような点が大きな影響をもたらしたの</a:t>
-            </a:r>
-            <a:r>
-              <a:rPr lang="ja-JP" altLang="en-US" sz="1200" dirty="0" smtClean="0"/>
-              <a:t>か．</a:t>
-            </a:r>
-            <a:endParaRPr kumimoji="1" lang="en-US" altLang="ja-JP" sz="1200" dirty="0" smtClean="0"/>
-          </a:p>
-        </p:txBody>
-      </p:sp>
-      <p:sp>
-        <p:nvSpPr>
-          <p:cNvPr id="52" name="正方形/長方形 51"/>
-          <p:cNvSpPr/>
-          <p:nvPr/>
-        </p:nvSpPr>
-        <p:spPr>
-          <a:xfrm>
-            <a:off x="2923325" y="4514974"/>
-            <a:ext cx="998611" cy="697726"/>
-          </a:xfrm>
-          <a:prstGeom prst="rect">
-            <a:avLst/>
-          </a:prstGeom>
-          <a:solidFill>
-            <a:schemeClr val="accent1">
-              <a:lumMod val="60000"/>
-              <a:lumOff val="40000"/>
-            </a:schemeClr>
           </a:solidFill>
         </p:spPr>
         <p:style>
@@ -4486,244 +5105,38 @@
           <a:p>
             <a:pPr algn="ctr"/>
             <a:r>
-              <a:rPr kumimoji="1" lang="ja-JP" altLang="en-US" sz="1200" b="1" dirty="0" smtClean="0"/>
-              <a:t>はてな</a:t>
-            </a:r>
-            <a:endParaRPr kumimoji="1" lang="en-US" altLang="ja-JP" sz="1200" b="1" dirty="0" smtClean="0"/>
-          </a:p>
-          <a:p>
-            <a:pPr algn="ctr"/>
-            <a:r>
-              <a:rPr kumimoji="1" lang="ja-JP" altLang="en-US" sz="1200" b="1" dirty="0" smtClean="0"/>
-              <a:t>ブックマーク</a:t>
-            </a:r>
-            <a:endParaRPr kumimoji="1" lang="ja-JP" altLang="en-US" sz="1200" b="1" dirty="0"/>
-          </a:p>
-        </p:txBody>
-      </p:sp>
-      <p:sp>
-        <p:nvSpPr>
-          <p:cNvPr id="93" name="テキスト ボックス 92"/>
-          <p:cNvSpPr txBox="1"/>
-          <p:nvPr/>
-        </p:nvSpPr>
-        <p:spPr>
-          <a:xfrm>
-            <a:off x="3921936" y="4505321"/>
-            <a:ext cx="2516679" cy="646331"/>
-          </a:xfrm>
-          <a:prstGeom prst="rect">
-            <a:avLst/>
-          </a:prstGeom>
-          <a:noFill/>
-        </p:spPr>
-        <p:txBody>
-          <a:bodyPr wrap="square" rtlCol="0">
-            <a:spAutoFit/>
-          </a:bodyPr>
-          <a:lstStyle/>
-          <a:p>
-            <a:r>
-              <a:rPr lang="ja-JP" altLang="en-US" sz="1200" dirty="0"/>
-              <a:t>はてなブックマークで公開されている</a:t>
-            </a:r>
-            <a:r>
-              <a:rPr lang="en-US" altLang="ja-JP" sz="1200" dirty="0"/>
-              <a:t>API</a:t>
-            </a:r>
-            <a:r>
-              <a:rPr lang="ja-JP" altLang="en-US" sz="1200" dirty="0"/>
-              <a:t>を利用し，人気記事を定期的</a:t>
-            </a:r>
-            <a:r>
-              <a:rPr lang="ja-JP" altLang="en-US" sz="1200" dirty="0" smtClean="0"/>
-              <a:t>に</a:t>
-            </a:r>
-            <a:r>
-              <a:rPr lang="ja-JP" altLang="en-US" sz="1200" dirty="0"/>
-              <a:t>記録</a:t>
-            </a:r>
-            <a:r>
-              <a:rPr lang="ja-JP" altLang="en-US" sz="1200" dirty="0" smtClean="0"/>
-              <a:t>する．</a:t>
-            </a:r>
-            <a:endParaRPr kumimoji="1" lang="ja-JP" altLang="en-US" sz="1200" dirty="0"/>
-          </a:p>
-        </p:txBody>
-      </p:sp>
-      <p:sp>
-        <p:nvSpPr>
-          <p:cNvPr id="94" name="テキスト ボックス 93"/>
-          <p:cNvSpPr txBox="1"/>
-          <p:nvPr/>
-        </p:nvSpPr>
-        <p:spPr>
-          <a:xfrm>
-            <a:off x="3921936" y="5410620"/>
-            <a:ext cx="2779489" cy="646331"/>
-          </a:xfrm>
-          <a:prstGeom prst="rect">
-            <a:avLst/>
-          </a:prstGeom>
-          <a:noFill/>
-        </p:spPr>
-        <p:txBody>
-          <a:bodyPr wrap="square" rtlCol="0">
-            <a:spAutoFit/>
-          </a:bodyPr>
-          <a:lstStyle/>
-          <a:p>
-            <a:r>
-              <a:rPr lang="ja-JP" altLang="en-US" sz="1200" dirty="0" smtClean="0"/>
-              <a:t>記事の７項目</a:t>
-            </a:r>
-            <a:r>
-              <a:rPr lang="ja-JP" altLang="en-US" sz="1200" dirty="0"/>
-              <a:t>の</a:t>
-            </a:r>
-            <a:r>
-              <a:rPr lang="ja-JP" altLang="en-US" sz="1200" dirty="0" smtClean="0"/>
-              <a:t>要素について考察を行う．</a:t>
-            </a:r>
-            <a:endParaRPr lang="en-US" altLang="ja-JP" sz="1200" dirty="0"/>
-          </a:p>
-          <a:p>
-            <a:r>
-              <a:rPr lang="ja-JP" altLang="en-US" sz="1200" dirty="0" smtClean="0"/>
-              <a:t>・掲載日時 ・ブックマーク数 ・タイトル</a:t>
-            </a:r>
-            <a:endParaRPr lang="en-US" altLang="ja-JP" sz="1200" dirty="0" smtClean="0"/>
-          </a:p>
-          <a:p>
-            <a:r>
-              <a:rPr lang="ja-JP" altLang="en-US" sz="1200" dirty="0"/>
-              <a:t>・</a:t>
-            </a:r>
-            <a:r>
-              <a:rPr lang="ja-JP" altLang="en-US" sz="1200" dirty="0" smtClean="0"/>
-              <a:t>ジャンル  ・タグ  ・内容  ・コメント数</a:t>
-            </a:r>
-            <a:endParaRPr lang="ja-JP" altLang="en-US" sz="1200" dirty="0"/>
-          </a:p>
-        </p:txBody>
-      </p:sp>
-      <p:sp>
-        <p:nvSpPr>
-          <p:cNvPr id="95" name="テキスト ボックス 94"/>
-          <p:cNvSpPr txBox="1"/>
-          <p:nvPr/>
-        </p:nvSpPr>
-        <p:spPr>
-          <a:xfrm>
-            <a:off x="4043892" y="6298882"/>
-            <a:ext cx="2497504" cy="830997"/>
-          </a:xfrm>
-          <a:prstGeom prst="rect">
-            <a:avLst/>
-          </a:prstGeom>
-          <a:noFill/>
-        </p:spPr>
-        <p:txBody>
-          <a:bodyPr wrap="square" rtlCol="0">
-            <a:spAutoFit/>
-          </a:bodyPr>
-          <a:lstStyle/>
-          <a:p>
-            <a:r>
-              <a:rPr lang="ja-JP" altLang="en-US" sz="1200" dirty="0"/>
-              <a:t>７</a:t>
-            </a:r>
-            <a:r>
-              <a:rPr lang="ja-JP" altLang="en-US" sz="1200" dirty="0" smtClean="0"/>
-              <a:t>項目</a:t>
-            </a:r>
-            <a:r>
-              <a:rPr lang="ja-JP" altLang="en-US" sz="1200" dirty="0"/>
-              <a:t>の要素</a:t>
-            </a:r>
-            <a:r>
-              <a:rPr lang="ja-JP" altLang="en-US" sz="1200" dirty="0" smtClean="0"/>
-              <a:t>を分析</a:t>
-            </a:r>
-            <a:r>
-              <a:rPr lang="ja-JP" altLang="en-US" sz="1200" dirty="0"/>
-              <a:t>し</a:t>
-            </a:r>
-            <a:r>
-              <a:rPr lang="ja-JP" altLang="en-US" sz="1200" dirty="0" smtClean="0"/>
-              <a:t>，貢献度を算出する．それをもとに，ウェブマーケティングにおいて効果的</a:t>
-            </a:r>
-            <a:r>
-              <a:rPr lang="ja-JP" altLang="en-US" sz="1200" dirty="0"/>
-              <a:t>な</a:t>
-            </a:r>
-            <a:r>
-              <a:rPr lang="ja-JP" altLang="en-US" sz="1200" dirty="0" smtClean="0"/>
-              <a:t>手法を考察</a:t>
-            </a:r>
-            <a:r>
-              <a:rPr lang="ja-JP" altLang="en-US" sz="1200" dirty="0"/>
-              <a:t>する</a:t>
-            </a:r>
-            <a:r>
-              <a:rPr lang="en-US" altLang="ja-JP" sz="1200" dirty="0"/>
-              <a:t>.</a:t>
-            </a:r>
-            <a:endParaRPr lang="ja-JP" altLang="en-US" sz="1200" dirty="0"/>
-          </a:p>
-        </p:txBody>
-      </p:sp>
-      <p:sp>
-        <p:nvSpPr>
-          <p:cNvPr id="98" name="テキスト ボックス 97"/>
-          <p:cNvSpPr txBox="1"/>
-          <p:nvPr/>
-        </p:nvSpPr>
-        <p:spPr>
-          <a:xfrm>
-            <a:off x="-2353770" y="2799599"/>
-            <a:ext cx="2649235" cy="415498"/>
-          </a:xfrm>
-          <a:prstGeom prst="rect">
-            <a:avLst/>
-          </a:prstGeom>
-          <a:noFill/>
-        </p:spPr>
-        <p:txBody>
-          <a:bodyPr wrap="square" rtlCol="0">
-            <a:spAutoFit/>
-          </a:bodyPr>
-          <a:lstStyle/>
-          <a:p>
-            <a:endParaRPr kumimoji="1" lang="en-US" altLang="ja-JP" sz="1050" dirty="0" smtClean="0"/>
-          </a:p>
-          <a:p>
-            <a:endParaRPr kumimoji="1" lang="ja-JP" altLang="en-US" sz="1050" dirty="0"/>
-          </a:p>
-        </p:txBody>
-      </p:sp>
-      <p:sp>
-        <p:nvSpPr>
-          <p:cNvPr id="28" name="フローチャート: 代替処理 27"/>
+              <a:rPr lang="ja-JP" altLang="en-US" sz="1100" dirty="0">
+                <a:solidFill>
+                  <a:schemeClr val="tx1"/>
+                </a:solidFill>
+              </a:rPr>
+              <a:t>タグ</a:t>
+            </a:r>
+            <a:endParaRPr kumimoji="1" lang="ja-JP" altLang="en-US" sz="1100" dirty="0">
+              <a:solidFill>
+                <a:schemeClr val="tx1"/>
+              </a:solidFill>
+            </a:endParaRPr>
+          </a:p>
+        </p:txBody>
+      </p:sp>
+      <p:sp>
+        <p:nvSpPr>
+          <p:cNvPr id="45" name="角丸四角形 44"/>
           <p:cNvSpPr/>
           <p:nvPr/>
         </p:nvSpPr>
         <p:spPr>
           <a:xfrm>
-            <a:off x="153138" y="1233222"/>
-            <a:ext cx="2002893" cy="412879"/>
-          </a:xfrm>
-          <a:prstGeom prst="flowChartAlternateProcess">
+            <a:off x="4178134" y="2261355"/>
+            <a:ext cx="647796" cy="241680"/>
+          </a:xfrm>
+          <a:prstGeom prst="roundRect">
             <a:avLst/>
           </a:prstGeom>
           <a:solidFill>
-            <a:schemeClr val="accent2"/>
+            <a:schemeClr val="bg1"/>
           </a:solidFill>
-          <a:ln>
-            <a:solidFill>
-              <a:schemeClr val="tx1"/>
-            </a:solidFill>
-          </a:ln>
         </p:spPr>
         <p:style>
           <a:lnRef idx="2">
@@ -4742,57 +5155,36 @@
           </a:fontRef>
         </p:style>
         <p:txBody>
-          <a:bodyPr rot="0" spcFirstLastPara="0" vertOverflow="overflow" horzOverflow="overflow" vert="horz" wrap="square" lIns="74295" tIns="37148" rIns="74295" bIns="37148" numCol="1" spcCol="0" rtlCol="0" fromWordArt="0" anchor="ctr" anchorCtr="0" forceAA="0" compatLnSpc="1">
-            <a:prstTxWarp prst="textNoShape">
-              <a:avLst/>
-            </a:prstTxWarp>
-            <a:noAutofit/>
-          </a:bodyPr>
+          <a:bodyPr rtlCol="0" anchor="ctr"/>
           <a:lstStyle/>
           <a:p>
             <a:pPr algn="ctr"/>
             <a:r>
-              <a:rPr lang="ja-JP" altLang="en-US" sz="1400" dirty="0" smtClean="0">
+              <a:rPr lang="ja-JP" altLang="en-US" sz="1100" dirty="0">
                 <a:solidFill>
                   <a:schemeClr val="tx1"/>
                 </a:solidFill>
               </a:rPr>
-              <a:t>ソーシャルブック</a:t>
-            </a:r>
-            <a:endParaRPr lang="en-US" altLang="ja-JP" sz="1400" dirty="0" smtClean="0">
+              <a:t>タグ</a:t>
+            </a:r>
+            <a:endParaRPr kumimoji="1" lang="ja-JP" altLang="en-US" sz="1100" dirty="0">
               <a:solidFill>
                 <a:schemeClr val="tx1"/>
               </a:solidFill>
             </a:endParaRPr>
           </a:p>
-          <a:p>
-            <a:pPr algn="ctr"/>
-            <a:r>
-              <a:rPr lang="ja-JP" altLang="en-US" sz="1400" dirty="0" smtClean="0">
-                <a:solidFill>
-                  <a:schemeClr val="tx1"/>
-                </a:solidFill>
-              </a:rPr>
-              <a:t>マーキングサービスとは</a:t>
-            </a:r>
-            <a:endParaRPr lang="ja-JP" altLang="en-US" sz="1400" dirty="0">
-              <a:solidFill>
-                <a:schemeClr val="tx1"/>
-              </a:solidFill>
-            </a:endParaRPr>
-          </a:p>
-        </p:txBody>
-      </p:sp>
-      <p:sp>
-        <p:nvSpPr>
-          <p:cNvPr id="11" name="角丸四角形 10"/>
+        </p:txBody>
+      </p:sp>
+      <p:sp>
+        <p:nvSpPr>
+          <p:cNvPr id="19" name="角丸四角形 18"/>
           <p:cNvSpPr/>
           <p:nvPr/>
         </p:nvSpPr>
         <p:spPr>
           <a:xfrm>
-            <a:off x="253370" y="1730270"/>
-            <a:ext cx="6185245" cy="1076632"/>
+            <a:off x="4178134" y="1995825"/>
+            <a:ext cx="647796" cy="241680"/>
           </a:xfrm>
           <a:prstGeom prst="roundRect">
             <a:avLst/>
@@ -4822,31 +5214,31 @@
           <a:lstStyle/>
           <a:p>
             <a:pPr algn="ctr"/>
-            <a:endParaRPr kumimoji="1" lang="en-US" altLang="ja-JP" sz="1600" dirty="0" smtClean="0"/>
-          </a:p>
-          <a:p>
-            <a:pPr algn="ctr"/>
-            <a:endParaRPr lang="en-US" altLang="ja-JP" sz="1600" dirty="0"/>
-          </a:p>
-          <a:p>
-            <a:pPr algn="ctr"/>
-            <a:endParaRPr kumimoji="1" lang="en-US" altLang="ja-JP" sz="1600" dirty="0" smtClean="0"/>
-          </a:p>
-          <a:p>
-            <a:pPr algn="ctr"/>
-            <a:endParaRPr lang="en-US" altLang="ja-JP" sz="1600" dirty="0"/>
-          </a:p>
-        </p:txBody>
-      </p:sp>
-      <p:sp>
-        <p:nvSpPr>
-          <p:cNvPr id="13" name="角丸四角形 12"/>
+            <a:r>
+              <a:rPr lang="ja-JP" altLang="en-US" sz="1100" dirty="0">
+                <a:solidFill>
+                  <a:schemeClr val="tx1"/>
+                </a:solidFill>
+              </a:rPr>
+              <a:t>タグ</a:t>
+            </a:r>
+            <a:endParaRPr kumimoji="1" lang="ja-JP" altLang="en-US" sz="1100" dirty="0">
+              <a:solidFill>
+                <a:schemeClr val="tx1"/>
+              </a:solidFill>
+            </a:endParaRPr>
+          </a:p>
+        </p:txBody>
+      </p:sp>
+      <p:sp>
+        <p:nvSpPr>
+          <p:cNvPr id="42" name="角丸四角形 41"/>
           <p:cNvSpPr/>
           <p:nvPr/>
         </p:nvSpPr>
         <p:spPr>
           <a:xfrm>
-            <a:off x="495625" y="2099997"/>
+            <a:off x="3220257" y="2099997"/>
             <a:ext cx="1044872" cy="289172"/>
           </a:xfrm>
           <a:prstGeom prst="roundRect">
@@ -4890,13 +5282,13 @@
       </p:sp>
       <p:sp>
         <p:nvSpPr>
-          <p:cNvPr id="39" name="角丸四角形 38"/>
+          <p:cNvPr id="43" name="角丸四角形 42"/>
           <p:cNvSpPr/>
           <p:nvPr/>
         </p:nvSpPr>
         <p:spPr>
           <a:xfrm>
-            <a:off x="380092" y="2022809"/>
+            <a:off x="3110740" y="2010817"/>
             <a:ext cx="1044872" cy="289172"/>
           </a:xfrm>
           <a:prstGeom prst="roundRect">
@@ -4948,103 +5340,14 @@
       </p:sp>
       <p:sp>
         <p:nvSpPr>
-          <p:cNvPr id="16" name="上矢印 15"/>
-          <p:cNvSpPr/>
-          <p:nvPr/>
-        </p:nvSpPr>
-        <p:spPr>
-          <a:xfrm>
-            <a:off x="763857" y="2373536"/>
-            <a:ext cx="277339" cy="711950"/>
-          </a:xfrm>
-          <a:prstGeom prst="upArrow">
-            <a:avLst/>
-          </a:prstGeom>
-          <a:solidFill>
-            <a:schemeClr val="bg1"/>
-          </a:solidFill>
-        </p:spPr>
-        <p:style>
-          <a:lnRef idx="2">
-            <a:schemeClr val="accent1">
-              <a:shade val="50000"/>
-            </a:schemeClr>
-          </a:lnRef>
-          <a:fillRef idx="1">
-            <a:schemeClr val="accent1"/>
-          </a:fillRef>
-          <a:effectRef idx="0">
-            <a:schemeClr val="accent1"/>
-          </a:effectRef>
-          <a:fontRef idx="minor">
-            <a:schemeClr val="lt1"/>
-          </a:fontRef>
-        </p:style>
-        <p:txBody>
-          <a:bodyPr rtlCol="0" anchor="ctr"/>
-          <a:lstStyle/>
-          <a:p>
-            <a:pPr algn="ctr"/>
-            <a:endParaRPr kumimoji="1" lang="ja-JP" altLang="en-US"/>
-          </a:p>
-        </p:txBody>
-      </p:sp>
-      <p:sp>
-        <p:nvSpPr>
-          <p:cNvPr id="15" name="スマイル 14"/>
-          <p:cNvSpPr/>
-          <p:nvPr/>
-        </p:nvSpPr>
-        <p:spPr>
-          <a:xfrm>
-            <a:off x="524893" y="2904296"/>
-            <a:ext cx="755266" cy="689894"/>
-          </a:xfrm>
-          <a:prstGeom prst="smileyFace">
-            <a:avLst/>
-          </a:prstGeom>
-          <a:solidFill>
-            <a:schemeClr val="accent4">
-              <a:lumMod val="60000"/>
-              <a:lumOff val="40000"/>
-            </a:schemeClr>
-          </a:solidFill>
-        </p:spPr>
-        <p:style>
-          <a:lnRef idx="2">
-            <a:schemeClr val="accent1">
-              <a:shade val="50000"/>
-            </a:schemeClr>
-          </a:lnRef>
-          <a:fillRef idx="1">
-            <a:schemeClr val="accent1"/>
-          </a:fillRef>
-          <a:effectRef idx="0">
-            <a:schemeClr val="accent1"/>
-          </a:effectRef>
-          <a:fontRef idx="minor">
-            <a:schemeClr val="lt1"/>
-          </a:fontRef>
-        </p:style>
-        <p:txBody>
-          <a:bodyPr rtlCol="0" anchor="ctr"/>
-          <a:lstStyle/>
-          <a:p>
-            <a:pPr algn="ctr"/>
-            <a:endParaRPr kumimoji="1" lang="ja-JP" altLang="en-US"/>
-          </a:p>
-        </p:txBody>
-      </p:sp>
-      <p:sp>
-        <p:nvSpPr>
-          <p:cNvPr id="17" name="テキスト ボックス 16"/>
+          <p:cNvPr id="21" name="テキスト ボックス 20"/>
           <p:cNvSpPr txBox="1"/>
           <p:nvPr/>
         </p:nvSpPr>
         <p:spPr>
           <a:xfrm>
-            <a:off x="215622" y="3614635"/>
-            <a:ext cx="4049507" cy="276999"/>
+            <a:off x="5059033" y="1945420"/>
+            <a:ext cx="1324680" cy="646331"/>
           </a:xfrm>
           <a:prstGeom prst="rect">
             <a:avLst/>
@@ -5052,364 +5355,6 @@
           <a:noFill/>
         </p:spPr>
         <p:txBody>
-          <a:bodyPr wrap="none" rtlCol="0">
-            <a:spAutoFit/>
-          </a:bodyPr>
-          <a:lstStyle/>
-          <a:p>
-            <a:r>
-              <a:rPr kumimoji="1" lang="ja-JP" altLang="en-US" sz="1200" dirty="0" smtClean="0"/>
-              <a:t>インターネット上にブックマークを保存し，それを共有できる．</a:t>
-            </a:r>
-            <a:endParaRPr kumimoji="1" lang="ja-JP" altLang="en-US" sz="1200" dirty="0"/>
-          </a:p>
-        </p:txBody>
-      </p:sp>
-      <p:sp>
-        <p:nvSpPr>
-          <p:cNvPr id="18" name="左右矢印 17"/>
-          <p:cNvSpPr/>
-          <p:nvPr/>
-        </p:nvSpPr>
-        <p:spPr>
-          <a:xfrm>
-            <a:off x="1576626" y="2049423"/>
-            <a:ext cx="1406728" cy="398972"/>
-          </a:xfrm>
-          <a:prstGeom prst="leftRightArrow">
-            <a:avLst/>
-          </a:prstGeom>
-          <a:solidFill>
-            <a:schemeClr val="bg1"/>
-          </a:solidFill>
-        </p:spPr>
-        <p:style>
-          <a:lnRef idx="2">
-            <a:schemeClr val="accent1">
-              <a:shade val="50000"/>
-            </a:schemeClr>
-          </a:lnRef>
-          <a:fillRef idx="1">
-            <a:schemeClr val="accent1"/>
-          </a:fillRef>
-          <a:effectRef idx="0">
-            <a:schemeClr val="accent1"/>
-          </a:effectRef>
-          <a:fontRef idx="minor">
-            <a:schemeClr val="lt1"/>
-          </a:fontRef>
-        </p:style>
-        <p:txBody>
-          <a:bodyPr rtlCol="0" anchor="ctr"/>
-          <a:lstStyle/>
-          <a:p>
-            <a:pPr algn="ctr"/>
-            <a:r>
-              <a:rPr kumimoji="1" lang="ja-JP" altLang="en-US" sz="1400" dirty="0" smtClean="0">
-                <a:solidFill>
-                  <a:schemeClr val="tx1"/>
-                </a:solidFill>
-              </a:rPr>
-              <a:t>共有</a:t>
-            </a:r>
-            <a:endParaRPr kumimoji="1" lang="ja-JP" altLang="en-US" sz="1400" dirty="0">
-              <a:solidFill>
-                <a:schemeClr val="tx1"/>
-              </a:solidFill>
-            </a:endParaRPr>
-          </a:p>
-        </p:txBody>
-      </p:sp>
-      <p:sp>
-        <p:nvSpPr>
-          <p:cNvPr id="46" name="角丸四角形 45"/>
-          <p:cNvSpPr/>
-          <p:nvPr/>
-        </p:nvSpPr>
-        <p:spPr>
-          <a:xfrm>
-            <a:off x="4189608" y="2527297"/>
-            <a:ext cx="647796" cy="241680"/>
-          </a:xfrm>
-          <a:prstGeom prst="roundRect">
-            <a:avLst/>
-          </a:prstGeom>
-          <a:solidFill>
-            <a:schemeClr val="bg1"/>
-          </a:solidFill>
-        </p:spPr>
-        <p:style>
-          <a:lnRef idx="2">
-            <a:schemeClr val="accent1">
-              <a:shade val="50000"/>
-            </a:schemeClr>
-          </a:lnRef>
-          <a:fillRef idx="1">
-            <a:schemeClr val="accent1"/>
-          </a:fillRef>
-          <a:effectRef idx="0">
-            <a:schemeClr val="accent1"/>
-          </a:effectRef>
-          <a:fontRef idx="minor">
-            <a:schemeClr val="lt1"/>
-          </a:fontRef>
-        </p:style>
-        <p:txBody>
-          <a:bodyPr rtlCol="0" anchor="ctr"/>
-          <a:lstStyle/>
-          <a:p>
-            <a:pPr algn="ctr"/>
-            <a:r>
-              <a:rPr lang="ja-JP" altLang="en-US" sz="1100" dirty="0">
-                <a:solidFill>
-                  <a:schemeClr val="tx1"/>
-                </a:solidFill>
-              </a:rPr>
-              <a:t>タグ</a:t>
-            </a:r>
-            <a:endParaRPr kumimoji="1" lang="ja-JP" altLang="en-US" sz="1100" dirty="0">
-              <a:solidFill>
-                <a:schemeClr val="tx1"/>
-              </a:solidFill>
-            </a:endParaRPr>
-          </a:p>
-        </p:txBody>
-      </p:sp>
-      <p:sp>
-        <p:nvSpPr>
-          <p:cNvPr id="45" name="角丸四角形 44"/>
-          <p:cNvSpPr/>
-          <p:nvPr/>
-        </p:nvSpPr>
-        <p:spPr>
-          <a:xfrm>
-            <a:off x="4178134" y="2261355"/>
-            <a:ext cx="647796" cy="241680"/>
-          </a:xfrm>
-          <a:prstGeom prst="roundRect">
-            <a:avLst/>
-          </a:prstGeom>
-          <a:solidFill>
-            <a:schemeClr val="bg1"/>
-          </a:solidFill>
-        </p:spPr>
-        <p:style>
-          <a:lnRef idx="2">
-            <a:schemeClr val="accent1">
-              <a:shade val="50000"/>
-            </a:schemeClr>
-          </a:lnRef>
-          <a:fillRef idx="1">
-            <a:schemeClr val="accent1"/>
-          </a:fillRef>
-          <a:effectRef idx="0">
-            <a:schemeClr val="accent1"/>
-          </a:effectRef>
-          <a:fontRef idx="minor">
-            <a:schemeClr val="lt1"/>
-          </a:fontRef>
-        </p:style>
-        <p:txBody>
-          <a:bodyPr rtlCol="0" anchor="ctr"/>
-          <a:lstStyle/>
-          <a:p>
-            <a:pPr algn="ctr"/>
-            <a:r>
-              <a:rPr lang="ja-JP" altLang="en-US" sz="1100" dirty="0">
-                <a:solidFill>
-                  <a:schemeClr val="tx1"/>
-                </a:solidFill>
-              </a:rPr>
-              <a:t>タグ</a:t>
-            </a:r>
-            <a:endParaRPr kumimoji="1" lang="ja-JP" altLang="en-US" sz="1100" dirty="0">
-              <a:solidFill>
-                <a:schemeClr val="tx1"/>
-              </a:solidFill>
-            </a:endParaRPr>
-          </a:p>
-        </p:txBody>
-      </p:sp>
-      <p:sp>
-        <p:nvSpPr>
-          <p:cNvPr id="19" name="角丸四角形 18"/>
-          <p:cNvSpPr/>
-          <p:nvPr/>
-        </p:nvSpPr>
-        <p:spPr>
-          <a:xfrm>
-            <a:off x="4178134" y="1995825"/>
-            <a:ext cx="647796" cy="241680"/>
-          </a:xfrm>
-          <a:prstGeom prst="roundRect">
-            <a:avLst/>
-          </a:prstGeom>
-          <a:solidFill>
-            <a:schemeClr val="bg1"/>
-          </a:solidFill>
-        </p:spPr>
-        <p:style>
-          <a:lnRef idx="2">
-            <a:schemeClr val="accent1">
-              <a:shade val="50000"/>
-            </a:schemeClr>
-          </a:lnRef>
-          <a:fillRef idx="1">
-            <a:schemeClr val="accent1"/>
-          </a:fillRef>
-          <a:effectRef idx="0">
-            <a:schemeClr val="accent1"/>
-          </a:effectRef>
-          <a:fontRef idx="minor">
-            <a:schemeClr val="lt1"/>
-          </a:fontRef>
-        </p:style>
-        <p:txBody>
-          <a:bodyPr rtlCol="0" anchor="ctr"/>
-          <a:lstStyle/>
-          <a:p>
-            <a:pPr algn="ctr"/>
-            <a:r>
-              <a:rPr lang="ja-JP" altLang="en-US" sz="1100" dirty="0">
-                <a:solidFill>
-                  <a:schemeClr val="tx1"/>
-                </a:solidFill>
-              </a:rPr>
-              <a:t>タグ</a:t>
-            </a:r>
-            <a:endParaRPr kumimoji="1" lang="ja-JP" altLang="en-US" sz="1100" dirty="0">
-              <a:solidFill>
-                <a:schemeClr val="tx1"/>
-              </a:solidFill>
-            </a:endParaRPr>
-          </a:p>
-        </p:txBody>
-      </p:sp>
-      <p:sp>
-        <p:nvSpPr>
-          <p:cNvPr id="42" name="角丸四角形 41"/>
-          <p:cNvSpPr/>
-          <p:nvPr/>
-        </p:nvSpPr>
-        <p:spPr>
-          <a:xfrm>
-            <a:off x="3220257" y="2099997"/>
-            <a:ext cx="1044872" cy="289172"/>
-          </a:xfrm>
-          <a:prstGeom prst="roundRect">
-            <a:avLst/>
-          </a:prstGeom>
-          <a:solidFill>
-            <a:schemeClr val="accent1">
-              <a:lumMod val="20000"/>
-              <a:lumOff val="80000"/>
-            </a:schemeClr>
-          </a:solidFill>
-        </p:spPr>
-        <p:style>
-          <a:lnRef idx="2">
-            <a:schemeClr val="accent1">
-              <a:shade val="50000"/>
-            </a:schemeClr>
-          </a:lnRef>
-          <a:fillRef idx="1">
-            <a:schemeClr val="accent1"/>
-          </a:fillRef>
-          <a:effectRef idx="0">
-            <a:schemeClr val="accent1"/>
-          </a:effectRef>
-          <a:fontRef idx="minor">
-            <a:schemeClr val="lt1"/>
-          </a:fontRef>
-        </p:style>
-        <p:txBody>
-          <a:bodyPr rtlCol="0" anchor="ctr"/>
-          <a:lstStyle/>
-          <a:p>
-            <a:pPr algn="ctr"/>
-            <a:r>
-              <a:rPr kumimoji="1" lang="ja-JP" altLang="en-US" sz="1100" dirty="0" smtClean="0"/>
-              <a:t>ブックマーク</a:t>
-            </a:r>
-            <a:endParaRPr kumimoji="1" lang="ja-JP" altLang="en-US" dirty="0"/>
-          </a:p>
-        </p:txBody>
-      </p:sp>
-      <p:sp>
-        <p:nvSpPr>
-          <p:cNvPr id="43" name="角丸四角形 42"/>
-          <p:cNvSpPr/>
-          <p:nvPr/>
-        </p:nvSpPr>
-        <p:spPr>
-          <a:xfrm>
-            <a:off x="3110740" y="2010817"/>
-            <a:ext cx="1044872" cy="289172"/>
-          </a:xfrm>
-          <a:prstGeom prst="roundRect">
-            <a:avLst/>
-          </a:prstGeom>
-          <a:solidFill>
-            <a:schemeClr val="accent1">
-              <a:lumMod val="20000"/>
-              <a:lumOff val="80000"/>
-            </a:schemeClr>
-          </a:solidFill>
-        </p:spPr>
-        <p:style>
-          <a:lnRef idx="2">
-            <a:schemeClr val="accent1">
-              <a:shade val="50000"/>
-            </a:schemeClr>
-          </a:lnRef>
-          <a:fillRef idx="1">
-            <a:schemeClr val="accent1"/>
-          </a:fillRef>
-          <a:effectRef idx="0">
-            <a:schemeClr val="accent1"/>
-          </a:effectRef>
-          <a:fontRef idx="minor">
-            <a:schemeClr val="lt1"/>
-          </a:fontRef>
-        </p:style>
-        <p:txBody>
-          <a:bodyPr rtlCol="0" anchor="ctr"/>
-          <a:lstStyle/>
-          <a:p>
-            <a:pPr algn="ctr"/>
-            <a:r>
-              <a:rPr kumimoji="1" lang="ja-JP" altLang="en-US" sz="1100" dirty="0" smtClean="0">
-                <a:solidFill>
-                  <a:schemeClr val="tx1"/>
-                </a:solidFill>
-              </a:rPr>
-              <a:t>ブックマーク</a:t>
-            </a:r>
-            <a:endParaRPr kumimoji="1" lang="ja-JP" altLang="en-US" dirty="0">
-              <a:solidFill>
-                <a:schemeClr val="tx1"/>
-              </a:solidFill>
-            </a:endParaRPr>
-          </a:p>
-        </p:txBody>
-      </p:sp>
-      <p:sp>
-        <p:nvSpPr>
-          <p:cNvPr id="21" name="テキスト ボックス 20"/>
-          <p:cNvSpPr txBox="1"/>
-          <p:nvPr/>
-        </p:nvSpPr>
-        <p:spPr>
-          <a:xfrm>
-            <a:off x="5200930" y="1957990"/>
-            <a:ext cx="1324680" cy="646331"/>
-          </a:xfrm>
-          <a:prstGeom prst="rect">
-            <a:avLst/>
-          </a:prstGeom>
-          <a:noFill/>
-        </p:spPr>
-        <p:txBody>
           <a:bodyPr wrap="square" rtlCol="0">
             <a:spAutoFit/>
           </a:bodyPr>
@@ -5431,7 +5376,7 @@
         </p:nvSpPr>
         <p:spPr>
           <a:xfrm>
-            <a:off x="4681209" y="3428303"/>
+            <a:off x="4681324" y="3429969"/>
             <a:ext cx="2088810" cy="461665"/>
           </a:xfrm>
           <a:prstGeom prst="rect">
